--- a/slides/Unit3_Functions.pptx
+++ b/slides/Unit3_Functions.pptx
@@ -5,10 +5,10 @@
     <p:sldMasterId id="2147485087" r:id="rId1"/>
   </p:sldMasterIdLst>
   <p:notesMasterIdLst>
-    <p:notesMasterId r:id="rId20"/>
+    <p:notesMasterId r:id="rId23"/>
   </p:notesMasterIdLst>
   <p:handoutMasterIdLst>
-    <p:handoutMasterId r:id="rId21"/>
+    <p:handoutMasterId r:id="rId24"/>
   </p:handoutMasterIdLst>
   <p:sldIdLst>
     <p:sldId id="256" r:id="rId2"/>
@@ -24,11 +24,14 @@
     <p:sldId id="534" r:id="rId12"/>
     <p:sldId id="535" r:id="rId13"/>
     <p:sldId id="538" r:id="rId14"/>
-    <p:sldId id="537" r:id="rId15"/>
-    <p:sldId id="539" r:id="rId16"/>
-    <p:sldId id="540" r:id="rId17"/>
-    <p:sldId id="541" r:id="rId18"/>
-    <p:sldId id="542" r:id="rId19"/>
+    <p:sldId id="543" r:id="rId15"/>
+    <p:sldId id="544" r:id="rId16"/>
+    <p:sldId id="537" r:id="rId17"/>
+    <p:sldId id="539" r:id="rId18"/>
+    <p:sldId id="540" r:id="rId19"/>
+    <p:sldId id="541" r:id="rId20"/>
+    <p:sldId id="542" r:id="rId21"/>
+    <p:sldId id="545" r:id="rId22"/>
   </p:sldIdLst>
   <p:sldSz cx="9144000" cy="6858000" type="screen4x3"/>
   <p:notesSz cx="7010400" cy="9296400"/>
@@ -190,6 +193,50 @@
 </p:presentation>
 </file>
 
+<file path=ppt/changesInfos/changesInfo1.xml><?xml version="1.0" encoding="utf-8"?>
+<pc:chgInfo xmlns:a="http://schemas.openxmlformats.org/drawingml/2006/main" xmlns:r="http://schemas.openxmlformats.org/officeDocument/2006/relationships" xmlns:ac="http://schemas.microsoft.com/office/drawing/2013/main/command" xmlns:pc="http://schemas.microsoft.com/office/powerpoint/2013/main/command">
+  <pc:docChgLst>
+    <pc:chgData name="Zhao Jin" userId="cd05a825-544c-438a-9ba1-08e63db50b47" providerId="ADAL" clId="{BBE9D547-4B31-704D-9080-47B1CA4D9124}"/>
+    <pc:docChg chg="modSld">
+      <pc:chgData name="Zhao Jin" userId="cd05a825-544c-438a-9ba1-08e63db50b47" providerId="ADAL" clId="{BBE9D547-4B31-704D-9080-47B1CA4D9124}" dt="2021-01-18T05:40:31.767" v="29" actId="114"/>
+      <pc:docMkLst>
+        <pc:docMk/>
+      </pc:docMkLst>
+      <pc:sldChg chg="modSp modAnim">
+        <pc:chgData name="Zhao Jin" userId="cd05a825-544c-438a-9ba1-08e63db50b47" providerId="ADAL" clId="{BBE9D547-4B31-704D-9080-47B1CA4D9124}" dt="2021-01-18T05:39:25.523" v="25"/>
+        <pc:sldMkLst>
+          <pc:docMk/>
+          <pc:sldMk cId="4265878996" sldId="534"/>
+        </pc:sldMkLst>
+        <pc:spChg chg="mod">
+          <ac:chgData name="Zhao Jin" userId="cd05a825-544c-438a-9ba1-08e63db50b47" providerId="ADAL" clId="{BBE9D547-4B31-704D-9080-47B1CA4D9124}" dt="2021-01-18T05:37:47.985" v="5" actId="207"/>
+          <ac:spMkLst>
+            <pc:docMk/>
+            <pc:sldMk cId="4265878996" sldId="534"/>
+            <ac:spMk id="3" creationId="{00000000-0000-0000-0000-000000000000}"/>
+          </ac:spMkLst>
+        </pc:spChg>
+      </pc:sldChg>
+      <pc:sldChg chg="modSp">
+        <pc:chgData name="Zhao Jin" userId="cd05a825-544c-438a-9ba1-08e63db50b47" providerId="ADAL" clId="{BBE9D547-4B31-704D-9080-47B1CA4D9124}" dt="2021-01-18T05:40:31.767" v="29" actId="114"/>
+        <pc:sldMkLst>
+          <pc:docMk/>
+          <pc:sldMk cId="2851665547" sldId="538"/>
+        </pc:sldMkLst>
+        <pc:spChg chg="mod">
+          <ac:chgData name="Zhao Jin" userId="cd05a825-544c-438a-9ba1-08e63db50b47" providerId="ADAL" clId="{BBE9D547-4B31-704D-9080-47B1CA4D9124}" dt="2021-01-18T05:40:31.767" v="29" actId="114"/>
+          <ac:spMkLst>
+            <pc:docMk/>
+            <pc:sldMk cId="2851665547" sldId="538"/>
+            <ac:spMk id="13" creationId="{00000000-0000-0000-0000-000000000000}"/>
+          </ac:spMkLst>
+        </pc:spChg>
+      </pc:sldChg>
+    </pc:docChg>
+  </pc:docChgLst>
+</pc:chgInfo>
+</file>
+
 <file path=ppt/handoutMasters/handoutMaster1.xml><?xml version="1.0" encoding="utf-8"?>
 <p:handoutMaster xmlns:a="http://schemas.openxmlformats.org/drawingml/2006/main" xmlns:r="http://schemas.openxmlformats.org/officeDocument/2006/relationships" xmlns:p="http://schemas.openxmlformats.org/presentationml/2006/main">
   <p:cSld>
@@ -664,7 +711,7 @@
               <a:pPr>
                 <a:defRPr/>
               </a:pPr>
-              <a:t>1/13/2021</a:t>
+              <a:t>1/18/21</a:t>
             </a:fld>
             <a:endParaRPr lang="en-US" dirty="0"/>
           </a:p>
@@ -1503,7 +1550,7 @@
           <a:lstStyle/>
           <a:p>
             <a:r>
-              <a:rPr lang="en-US" dirty="0"/>
+              <a:rPr lang="en-US"/>
               <a:t>CS1010 Programming Methodology</a:t>
             </a:r>
           </a:p>
@@ -1554,14 +1601,14 @@
           <a:lstStyle/>
           <a:p>
             <a:pPr eaLnBrk="1" hangingPunct="1"/>
-            <a:endParaRPr lang="en-US" dirty="0"/>
+            <a:endParaRPr lang="en-US"/>
           </a:p>
         </p:txBody>
       </p:sp>
     </p:spTree>
     <p:extLst>
       <p:ext uri="{BB962C8B-B14F-4D97-AF65-F5344CB8AC3E}">
-        <p14:creationId xmlns:p14="http://schemas.microsoft.com/office/powerpoint/2010/main" val="1519295237"/>
+        <p14:creationId xmlns:p14="http://schemas.microsoft.com/office/powerpoint/2010/main" val="687425860"/>
       </p:ext>
     </p:extLst>
   </p:cSld>
@@ -1619,7 +1666,7 @@
           <a:lstStyle/>
           <a:p>
             <a:r>
-              <a:rPr lang="en-US" dirty="0"/>
+              <a:rPr lang="en-US"/>
               <a:t>CS1010 Programming Methodology</a:t>
             </a:r>
           </a:p>
@@ -1670,14 +1717,14 @@
           <a:lstStyle/>
           <a:p>
             <a:pPr eaLnBrk="1" hangingPunct="1"/>
-            <a:endParaRPr lang="en-US" dirty="0"/>
+            <a:endParaRPr lang="en-US"/>
           </a:p>
         </p:txBody>
       </p:sp>
     </p:spTree>
     <p:extLst>
       <p:ext uri="{BB962C8B-B14F-4D97-AF65-F5344CB8AC3E}">
-        <p14:creationId xmlns:p14="http://schemas.microsoft.com/office/powerpoint/2010/main" val="2784308123"/>
+        <p14:creationId xmlns:p14="http://schemas.microsoft.com/office/powerpoint/2010/main" val="3824125997"/>
       </p:ext>
     </p:extLst>
   </p:cSld>
@@ -1793,7 +1840,7 @@
     </p:spTree>
     <p:extLst>
       <p:ext uri="{BB962C8B-B14F-4D97-AF65-F5344CB8AC3E}">
-        <p14:creationId xmlns:p14="http://schemas.microsoft.com/office/powerpoint/2010/main" val="4009011029"/>
+        <p14:creationId xmlns:p14="http://schemas.microsoft.com/office/powerpoint/2010/main" val="1519295237"/>
       </p:ext>
     </p:extLst>
   </p:cSld>
@@ -1909,7 +1956,7 @@
     </p:spTree>
     <p:extLst>
       <p:ext uri="{BB962C8B-B14F-4D97-AF65-F5344CB8AC3E}">
-        <p14:creationId xmlns:p14="http://schemas.microsoft.com/office/powerpoint/2010/main" val="83019357"/>
+        <p14:creationId xmlns:p14="http://schemas.microsoft.com/office/powerpoint/2010/main" val="2784308123"/>
       </p:ext>
     </p:extLst>
   </p:cSld>
@@ -2025,7 +2072,123 @@
     </p:spTree>
     <p:extLst>
       <p:ext uri="{BB962C8B-B14F-4D97-AF65-F5344CB8AC3E}">
-        <p14:creationId xmlns:p14="http://schemas.microsoft.com/office/powerpoint/2010/main" val="1858516707"/>
+        <p14:creationId xmlns:p14="http://schemas.microsoft.com/office/powerpoint/2010/main" val="4009011029"/>
+      </p:ext>
+    </p:extLst>
+  </p:cSld>
+  <p:clrMapOvr>
+    <a:masterClrMapping/>
+  </p:clrMapOvr>
+</p:notes>
+</file>
+
+<file path=ppt/notesSlides/notesSlide19.xml><?xml version="1.0" encoding="utf-8"?>
+<p:notes xmlns:a="http://schemas.openxmlformats.org/drawingml/2006/main" xmlns:r="http://schemas.openxmlformats.org/officeDocument/2006/relationships" xmlns:p="http://schemas.openxmlformats.org/presentationml/2006/main">
+  <p:cSld>
+    <p:spTree>
+      <p:nvGrpSpPr>
+        <p:cNvPr id="1" name=""/>
+        <p:cNvGrpSpPr/>
+        <p:nvPr/>
+      </p:nvGrpSpPr>
+      <p:grpSpPr>
+        <a:xfrm>
+          <a:off x="0" y="0"/>
+          <a:ext cx="0" cy="0"/>
+          <a:chOff x="0" y="0"/>
+          <a:chExt cx="0" cy="0"/>
+        </a:xfrm>
+      </p:grpSpPr>
+      <p:sp>
+        <p:nvSpPr>
+          <p:cNvPr id="74754" name="Rectangle 2"/>
+          <p:cNvSpPr>
+            <a:spLocks noGrp="1" noChangeArrowheads="1"/>
+          </p:cNvSpPr>
+          <p:nvPr>
+            <p:ph type="hdr" sz="quarter"/>
+          </p:nvPr>
+        </p:nvSpPr>
+        <p:spPr bwMode="auto">
+          <a:xfrm>
+            <a:off x="0" y="0"/>
+            <a:ext cx="3038786" cy="465341"/>
+          </a:xfrm>
+          <a:noFill/>
+          <a:ln>
+            <a:miter lim="800000"/>
+            <a:headEnd/>
+            <a:tailEnd/>
+          </a:ln>
+        </p:spPr>
+        <p:txBody>
+          <a:bodyPr wrap="square" numCol="1" anchor="t" anchorCtr="0" compatLnSpc="1">
+            <a:prstTxWarp prst="textNoShape">
+              <a:avLst/>
+            </a:prstTxWarp>
+          </a:bodyPr>
+          <a:lstStyle/>
+          <a:p>
+            <a:r>
+              <a:rPr lang="en-US" dirty="0"/>
+              <a:t>CS1010 Programming Methodology</a:t>
+            </a:r>
+          </a:p>
+        </p:txBody>
+      </p:sp>
+      <p:sp>
+        <p:nvSpPr>
+          <p:cNvPr id="74755" name="Rectangle 2"/>
+          <p:cNvSpPr>
+            <a:spLocks noGrp="1" noRot="1" noChangeAspect="1" noChangeArrowheads="1" noTextEdit="1"/>
+          </p:cNvSpPr>
+          <p:nvPr>
+            <p:ph type="sldImg"/>
+          </p:nvPr>
+        </p:nvSpPr>
+        <p:spPr bwMode="auto">
+          <a:xfrm>
+            <a:off x="1182688" y="696913"/>
+            <a:ext cx="4648200" cy="3486150"/>
+          </a:xfrm>
+          <a:noFill/>
+          <a:ln>
+            <a:solidFill>
+              <a:srgbClr val="000000"/>
+            </a:solidFill>
+            <a:miter lim="800000"/>
+            <a:headEnd/>
+            <a:tailEnd/>
+          </a:ln>
+        </p:spPr>
+      </p:sp>
+      <p:sp>
+        <p:nvSpPr>
+          <p:cNvPr id="74756" name="Rectangle 3"/>
+          <p:cNvSpPr>
+            <a:spLocks noGrp="1" noChangeArrowheads="1"/>
+          </p:cNvSpPr>
+          <p:nvPr>
+            <p:ph type="body" idx="1"/>
+          </p:nvPr>
+        </p:nvSpPr>
+        <p:spPr>
+          <a:noFill/>
+          <a:ln w="9525"/>
+        </p:spPr>
+        <p:txBody>
+          <a:bodyPr/>
+          <a:lstStyle/>
+          <a:p>
+            <a:pPr eaLnBrk="1" hangingPunct="1"/>
+            <a:endParaRPr lang="en-US" dirty="0"/>
+          </a:p>
+        </p:txBody>
+      </p:sp>
+    </p:spTree>
+    <p:extLst>
+      <p:ext uri="{BB962C8B-B14F-4D97-AF65-F5344CB8AC3E}">
+        <p14:creationId xmlns:p14="http://schemas.microsoft.com/office/powerpoint/2010/main" val="83019357"/>
       </p:ext>
     </p:extLst>
   </p:cSld>
@@ -2143,6 +2306,238 @@
     <p:extLst>
       <p:ext uri="{BB962C8B-B14F-4D97-AF65-F5344CB8AC3E}">
         <p14:creationId xmlns:p14="http://schemas.microsoft.com/office/powerpoint/2010/main" val="3591860854"/>
+      </p:ext>
+    </p:extLst>
+  </p:cSld>
+  <p:clrMapOvr>
+    <a:masterClrMapping/>
+  </p:clrMapOvr>
+</p:notes>
+</file>
+
+<file path=ppt/notesSlides/notesSlide20.xml><?xml version="1.0" encoding="utf-8"?>
+<p:notes xmlns:a="http://schemas.openxmlformats.org/drawingml/2006/main" xmlns:r="http://schemas.openxmlformats.org/officeDocument/2006/relationships" xmlns:p="http://schemas.openxmlformats.org/presentationml/2006/main">
+  <p:cSld>
+    <p:spTree>
+      <p:nvGrpSpPr>
+        <p:cNvPr id="1" name=""/>
+        <p:cNvGrpSpPr/>
+        <p:nvPr/>
+      </p:nvGrpSpPr>
+      <p:grpSpPr>
+        <a:xfrm>
+          <a:off x="0" y="0"/>
+          <a:ext cx="0" cy="0"/>
+          <a:chOff x="0" y="0"/>
+          <a:chExt cx="0" cy="0"/>
+        </a:xfrm>
+      </p:grpSpPr>
+      <p:sp>
+        <p:nvSpPr>
+          <p:cNvPr id="74754" name="Rectangle 2"/>
+          <p:cNvSpPr>
+            <a:spLocks noGrp="1" noChangeArrowheads="1"/>
+          </p:cNvSpPr>
+          <p:nvPr>
+            <p:ph type="hdr" sz="quarter"/>
+          </p:nvPr>
+        </p:nvSpPr>
+        <p:spPr bwMode="auto">
+          <a:xfrm>
+            <a:off x="0" y="0"/>
+            <a:ext cx="3038786" cy="465341"/>
+          </a:xfrm>
+          <a:noFill/>
+          <a:ln>
+            <a:miter lim="800000"/>
+            <a:headEnd/>
+            <a:tailEnd/>
+          </a:ln>
+        </p:spPr>
+        <p:txBody>
+          <a:bodyPr wrap="square" numCol="1" anchor="t" anchorCtr="0" compatLnSpc="1">
+            <a:prstTxWarp prst="textNoShape">
+              <a:avLst/>
+            </a:prstTxWarp>
+          </a:bodyPr>
+          <a:lstStyle/>
+          <a:p>
+            <a:r>
+              <a:rPr lang="en-US" dirty="0"/>
+              <a:t>CS1010 Programming Methodology</a:t>
+            </a:r>
+          </a:p>
+        </p:txBody>
+      </p:sp>
+      <p:sp>
+        <p:nvSpPr>
+          <p:cNvPr id="74755" name="Rectangle 2"/>
+          <p:cNvSpPr>
+            <a:spLocks noGrp="1" noRot="1" noChangeAspect="1" noChangeArrowheads="1" noTextEdit="1"/>
+          </p:cNvSpPr>
+          <p:nvPr>
+            <p:ph type="sldImg"/>
+          </p:nvPr>
+        </p:nvSpPr>
+        <p:spPr bwMode="auto">
+          <a:xfrm>
+            <a:off x="1182688" y="696913"/>
+            <a:ext cx="4648200" cy="3486150"/>
+          </a:xfrm>
+          <a:noFill/>
+          <a:ln>
+            <a:solidFill>
+              <a:srgbClr val="000000"/>
+            </a:solidFill>
+            <a:miter lim="800000"/>
+            <a:headEnd/>
+            <a:tailEnd/>
+          </a:ln>
+        </p:spPr>
+      </p:sp>
+      <p:sp>
+        <p:nvSpPr>
+          <p:cNvPr id="74756" name="Rectangle 3"/>
+          <p:cNvSpPr>
+            <a:spLocks noGrp="1" noChangeArrowheads="1"/>
+          </p:cNvSpPr>
+          <p:nvPr>
+            <p:ph type="body" idx="1"/>
+          </p:nvPr>
+        </p:nvSpPr>
+        <p:spPr>
+          <a:noFill/>
+          <a:ln w="9525"/>
+        </p:spPr>
+        <p:txBody>
+          <a:bodyPr/>
+          <a:lstStyle/>
+          <a:p>
+            <a:pPr eaLnBrk="1" hangingPunct="1"/>
+            <a:endParaRPr lang="en-US" dirty="0"/>
+          </a:p>
+        </p:txBody>
+      </p:sp>
+    </p:spTree>
+    <p:extLst>
+      <p:ext uri="{BB962C8B-B14F-4D97-AF65-F5344CB8AC3E}">
+        <p14:creationId xmlns:p14="http://schemas.microsoft.com/office/powerpoint/2010/main" val="1858516707"/>
+      </p:ext>
+    </p:extLst>
+  </p:cSld>
+  <p:clrMapOvr>
+    <a:masterClrMapping/>
+  </p:clrMapOvr>
+</p:notes>
+</file>
+
+<file path=ppt/notesSlides/notesSlide21.xml><?xml version="1.0" encoding="utf-8"?>
+<p:notes xmlns:a="http://schemas.openxmlformats.org/drawingml/2006/main" xmlns:r="http://schemas.openxmlformats.org/officeDocument/2006/relationships" xmlns:p="http://schemas.openxmlformats.org/presentationml/2006/main">
+  <p:cSld>
+    <p:spTree>
+      <p:nvGrpSpPr>
+        <p:cNvPr id="1" name=""/>
+        <p:cNvGrpSpPr/>
+        <p:nvPr/>
+      </p:nvGrpSpPr>
+      <p:grpSpPr>
+        <a:xfrm>
+          <a:off x="0" y="0"/>
+          <a:ext cx="0" cy="0"/>
+          <a:chOff x="0" y="0"/>
+          <a:chExt cx="0" cy="0"/>
+        </a:xfrm>
+      </p:grpSpPr>
+      <p:sp>
+        <p:nvSpPr>
+          <p:cNvPr id="74754" name="Rectangle 2"/>
+          <p:cNvSpPr>
+            <a:spLocks noGrp="1" noChangeArrowheads="1"/>
+          </p:cNvSpPr>
+          <p:nvPr>
+            <p:ph type="hdr" sz="quarter"/>
+          </p:nvPr>
+        </p:nvSpPr>
+        <p:spPr bwMode="auto">
+          <a:xfrm>
+            <a:off x="0" y="0"/>
+            <a:ext cx="3038786" cy="465341"/>
+          </a:xfrm>
+          <a:noFill/>
+          <a:ln>
+            <a:miter lim="800000"/>
+            <a:headEnd/>
+            <a:tailEnd/>
+          </a:ln>
+        </p:spPr>
+        <p:txBody>
+          <a:bodyPr wrap="square" numCol="1" anchor="t" anchorCtr="0" compatLnSpc="1">
+            <a:prstTxWarp prst="textNoShape">
+              <a:avLst/>
+            </a:prstTxWarp>
+          </a:bodyPr>
+          <a:lstStyle/>
+          <a:p>
+            <a:r>
+              <a:rPr lang="en-US" dirty="0"/>
+              <a:t>CS1010 Programming Methodology</a:t>
+            </a:r>
+          </a:p>
+        </p:txBody>
+      </p:sp>
+      <p:sp>
+        <p:nvSpPr>
+          <p:cNvPr id="74755" name="Rectangle 2"/>
+          <p:cNvSpPr>
+            <a:spLocks noGrp="1" noRot="1" noChangeAspect="1" noChangeArrowheads="1" noTextEdit="1"/>
+          </p:cNvSpPr>
+          <p:nvPr>
+            <p:ph type="sldImg"/>
+          </p:nvPr>
+        </p:nvSpPr>
+        <p:spPr bwMode="auto">
+          <a:xfrm>
+            <a:off x="1182688" y="696913"/>
+            <a:ext cx="4648200" cy="3486150"/>
+          </a:xfrm>
+          <a:noFill/>
+          <a:ln>
+            <a:solidFill>
+              <a:srgbClr val="000000"/>
+            </a:solidFill>
+            <a:miter lim="800000"/>
+            <a:headEnd/>
+            <a:tailEnd/>
+          </a:ln>
+        </p:spPr>
+      </p:sp>
+      <p:sp>
+        <p:nvSpPr>
+          <p:cNvPr id="74756" name="Rectangle 3"/>
+          <p:cNvSpPr>
+            <a:spLocks noGrp="1" noChangeArrowheads="1"/>
+          </p:cNvSpPr>
+          <p:nvPr>
+            <p:ph type="body" idx="1"/>
+          </p:nvPr>
+        </p:nvSpPr>
+        <p:spPr>
+          <a:noFill/>
+          <a:ln w="9525"/>
+        </p:spPr>
+        <p:txBody>
+          <a:bodyPr/>
+          <a:lstStyle/>
+          <a:p>
+            <a:pPr eaLnBrk="1" hangingPunct="1"/>
+            <a:endParaRPr lang="en-US" dirty="0"/>
+          </a:p>
+        </p:txBody>
+      </p:sp>
+    </p:spTree>
+    <p:extLst>
+      <p:ext uri="{BB962C8B-B14F-4D97-AF65-F5344CB8AC3E}">
+        <p14:creationId xmlns:p14="http://schemas.microsoft.com/office/powerpoint/2010/main" val="1006507737"/>
       </p:ext>
     </p:extLst>
   </p:cSld>
@@ -3205,12 +3600,8 @@
               <a:defRPr/>
             </a:pPr>
             <a:r>
-              <a:rPr lang="en-US" dirty="0" smtClean="0"/>
-              <a:t>Unit3 </a:t>
-            </a:r>
-            <a:r>
               <a:rPr lang="en-US" dirty="0"/>
-              <a:t>- </a:t>
+              <a:t>Unit3 - </a:t>
             </a:r>
             <a:fld id="{2E4790E1-2590-4AEE-892D-AB46A7688113}" type="slidenum">
               <a:rPr lang="en-US" smtClean="0"/>
@@ -3425,12 +3816,8 @@
               <a:defRPr/>
             </a:pPr>
             <a:r>
-              <a:rPr lang="en-US" dirty="0" smtClean="0"/>
-              <a:t>Unit3 </a:t>
-            </a:r>
-            <a:r>
               <a:rPr lang="en-US" dirty="0"/>
-              <a:t>- </a:t>
+              <a:t>Unit3 - </a:t>
             </a:r>
             <a:fld id="{2E4790E1-2590-4AEE-892D-AB46A7688113}" type="slidenum">
               <a:rPr lang="en-US" smtClean="0"/>
@@ -3622,12 +4009,8 @@
               <a:defRPr/>
             </a:pPr>
             <a:r>
-              <a:rPr lang="en-US" dirty="0" smtClean="0"/>
-              <a:t>Unit3 </a:t>
-            </a:r>
-            <a:r>
               <a:rPr lang="en-US" dirty="0"/>
-              <a:t>- </a:t>
+              <a:t>Unit3 - </a:t>
             </a:r>
             <a:fld id="{2E4790E1-2590-4AEE-892D-AB46A7688113}" type="slidenum">
               <a:rPr lang="en-US" smtClean="0"/>
@@ -3811,12 +4194,8 @@
               <a:defRPr/>
             </a:pPr>
             <a:r>
-              <a:rPr lang="en-US" dirty="0" smtClean="0"/>
-              <a:t>Unit3 </a:t>
-            </a:r>
-            <a:r>
               <a:rPr lang="en-US" dirty="0"/>
-              <a:t>- </a:t>
+              <a:t>Unit3 - </a:t>
             </a:r>
             <a:fld id="{2E4790E1-2590-4AEE-892D-AB46A7688113}" type="slidenum">
               <a:rPr lang="en-US" smtClean="0"/>
@@ -4085,12 +4464,8 @@
               <a:defRPr/>
             </a:pPr>
             <a:r>
-              <a:rPr lang="en-US" dirty="0" smtClean="0"/>
-              <a:t>Unit3 </a:t>
-            </a:r>
-            <a:r>
               <a:rPr lang="en-US" dirty="0"/>
-              <a:t>- </a:t>
+              <a:t>Unit3 - </a:t>
             </a:r>
             <a:fld id="{2E4790E1-2590-4AEE-892D-AB46A7688113}" type="slidenum">
               <a:rPr lang="en-US" smtClean="0"/>
@@ -4424,12 +4799,8 @@
               <a:defRPr/>
             </a:pPr>
             <a:r>
-              <a:rPr lang="en-US" dirty="0" smtClean="0"/>
-              <a:t>Unit3 </a:t>
-            </a:r>
-            <a:r>
               <a:rPr lang="en-US" dirty="0"/>
-              <a:t>- </a:t>
+              <a:t>Unit3 - </a:t>
             </a:r>
             <a:fld id="{2E4790E1-2590-4AEE-892D-AB46A7688113}" type="slidenum">
               <a:rPr lang="en-US" smtClean="0"/>
@@ -4912,12 +5283,8 @@
               <a:defRPr/>
             </a:pPr>
             <a:r>
-              <a:rPr lang="en-US" dirty="0" smtClean="0"/>
-              <a:t>Unit3 </a:t>
-            </a:r>
-            <a:r>
               <a:rPr lang="en-US" dirty="0"/>
-              <a:t>- </a:t>
+              <a:t>Unit3 - </a:t>
             </a:r>
             <a:fld id="{2E4790E1-2590-4AEE-892D-AB46A7688113}" type="slidenum">
               <a:rPr lang="en-US" smtClean="0"/>
@@ -5081,12 +5448,8 @@
               <a:defRPr/>
             </a:pPr>
             <a:r>
-              <a:rPr lang="en-US" dirty="0" smtClean="0"/>
-              <a:t>Unit3 </a:t>
-            </a:r>
-            <a:r>
               <a:rPr lang="en-US" dirty="0"/>
-              <a:t>- </a:t>
+              <a:t>Unit3 - </a:t>
             </a:r>
             <a:fld id="{2E4790E1-2590-4AEE-892D-AB46A7688113}" type="slidenum">
               <a:rPr lang="en-US" smtClean="0"/>
@@ -5193,12 +5556,8 @@
               <a:defRPr/>
             </a:pPr>
             <a:r>
-              <a:rPr lang="en-US" dirty="0" smtClean="0"/>
-              <a:t>Unit3 </a:t>
-            </a:r>
-            <a:r>
               <a:rPr lang="en-US" dirty="0"/>
-              <a:t>- </a:t>
+              <a:t>Unit3 - </a:t>
             </a:r>
             <a:fld id="{2E4790E1-2590-4AEE-892D-AB46A7688113}" type="slidenum">
               <a:rPr lang="en-US" smtClean="0"/>
@@ -5489,12 +5848,8 @@
               <a:defRPr/>
             </a:pPr>
             <a:r>
-              <a:rPr lang="en-US" dirty="0" smtClean="0"/>
-              <a:t>Unit3 </a:t>
-            </a:r>
-            <a:r>
               <a:rPr lang="en-US" dirty="0"/>
-              <a:t>- </a:t>
+              <a:t>Unit3 - </a:t>
             </a:r>
             <a:fld id="{2E4790E1-2590-4AEE-892D-AB46A7688113}" type="slidenum">
               <a:rPr lang="en-US" smtClean="0"/>
@@ -5815,12 +6170,8 @@
               <a:defRPr/>
             </a:pPr>
             <a:r>
-              <a:rPr lang="en-US" dirty="0" smtClean="0"/>
-              <a:t>Unit3 </a:t>
-            </a:r>
-            <a:r>
               <a:rPr lang="en-US" dirty="0"/>
-              <a:t>- </a:t>
+              <a:t>Unit3 - </a:t>
             </a:r>
             <a:fld id="{2E4790E1-2590-4AEE-892D-AB46A7688113}" type="slidenum">
               <a:rPr lang="en-US" smtClean="0"/>
@@ -6169,12 +6520,8 @@
               <a:defRPr/>
             </a:pPr>
             <a:r>
-              <a:rPr lang="en-US" dirty="0" smtClean="0"/>
-              <a:t>Unit3 </a:t>
-            </a:r>
-            <a:r>
               <a:rPr lang="en-US" dirty="0"/>
-              <a:t>- </a:t>
+              <a:t>Unit3 - </a:t>
             </a:r>
             <a:fld id="{2E4790E1-2590-4AEE-892D-AB46A7688113}" type="slidenum">
               <a:rPr lang="en-US" smtClean="0"/>
@@ -6568,23 +6915,8 @@
                 </a:solidFill>
                 <a:latin typeface="Calibri" panose="020F0502020204030204" pitchFamily="34" charset="0"/>
               </a:rPr>
-              <a:t>UNIT </a:t>
-            </a:r>
-            <a:r>
-              <a:rPr lang="en-US" sz="2400" dirty="0" smtClean="0">
-                <a:solidFill>
-                  <a:srgbClr val="C00000"/>
-                </a:solidFill>
-                <a:latin typeface="Calibri" panose="020F0502020204030204" pitchFamily="34" charset="0"/>
-              </a:rPr>
-              <a:t>3</a:t>
-            </a:r>
-            <a:endParaRPr lang="en-US" sz="2400" dirty="0">
-              <a:solidFill>
-                <a:srgbClr val="C00000"/>
-              </a:solidFill>
-              <a:latin typeface="Calibri" panose="020F0502020204030204" pitchFamily="34" charset="0"/>
-            </a:endParaRPr>
+              <a:t>UNIT 3</a:t>
+            </a:r>
           </a:p>
         </p:txBody>
       </p:sp>
@@ -6612,7 +6944,7 @@
           <a:p>
             <a:pPr algn="ctr"/>
             <a:r>
-              <a:rPr lang="en-US" sz="3200" smtClean="0">
+              <a:rPr lang="en-US" sz="3200">
                 <a:solidFill>
                   <a:srgbClr val="C00000"/>
                 </a:solidFill>
@@ -6733,13 +7065,6 @@
   <p:transition>
     <p:fade/>
   </p:transition>
-  <p:timing>
-    <p:tnLst>
-      <p:par>
-        <p:cTn id="1" dur="indefinite" restart="never" nodeType="tmRoot"/>
-      </p:par>
-    </p:tnLst>
-  </p:timing>
 </p:sld>
 </file>
 
@@ -6784,18 +7109,13 @@
           <a:p>
             <a:pPr eaLnBrk="1" hangingPunct="1"/>
             <a:r>
-              <a:rPr lang="en-GB" dirty="0" smtClean="0">
+              <a:rPr lang="en-GB" dirty="0">
                 <a:solidFill>
                   <a:srgbClr val="0000FF"/>
                 </a:solidFill>
               </a:rPr>
               <a:t>More examples</a:t>
             </a:r>
-            <a:endParaRPr lang="en-GB" dirty="0">
-              <a:solidFill>
-                <a:srgbClr val="0000FF"/>
-              </a:solidFill>
-            </a:endParaRPr>
           </a:p>
         </p:txBody>
       </p:sp>
@@ -6842,16 +7162,12 @@
               <a:defRPr/>
             </a:pPr>
             <a:r>
-              <a:rPr lang="en-US" dirty="0" smtClean="0"/>
+              <a:rPr lang="en-US" dirty="0"/>
               <a:t>Unit3</a:t>
             </a:r>
             <a:r>
-              <a:rPr dirty="0" smtClean="0"/>
-              <a:t> </a:t>
-            </a:r>
-            <a:r>
               <a:rPr dirty="0"/>
-              <a:t>- </a:t>
+              <a:t> - </a:t>
             </a:r>
             <a:fld id="{628B8346-B709-406B-887E-3E0CC6DA1327}" type="slidenum">
               <a:rPr smtClean="0"/>
@@ -6992,23 +7308,11 @@
                   <a:srgbClr val="0000FF"/>
                 </a:solidFill>
               </a:rPr>
-              <a:t> </a:t>
-            </a:r>
-            <a:r>
-              <a:rPr lang="en-US" sz="2400" dirty="0" smtClean="0">
-                <a:solidFill>
-                  <a:srgbClr val="0000FF"/>
-                </a:solidFill>
-              </a:rPr>
-              <a:t>mean</a:t>
-            </a:r>
-            <a:r>
-              <a:rPr lang="en-US" sz="2400" dirty="0" smtClean="0"/>
-              <a:t> </a:t>
+              <a:t> mean</a:t>
             </a:r>
             <a:r>
               <a:rPr lang="en-US" sz="2400" dirty="0"/>
-              <a:t>of a list of numbers</a:t>
+              <a:t> of a list of numbers</a:t>
             </a:r>
           </a:p>
           <a:p>
@@ -7027,7 +7331,7 @@
               <a:buChar char="n"/>
             </a:pPr>
             <a:r>
-              <a:rPr lang="en-US" sz="2000" dirty="0" smtClean="0"/>
+              <a:rPr lang="en-US" sz="2000" dirty="0"/>
               <a:t>Input…</a:t>
             </a:r>
           </a:p>
@@ -7047,7 +7351,7 @@
               <a:buChar char="n"/>
             </a:pPr>
             <a:r>
-              <a:rPr lang="en-US" sz="2000" dirty="0" smtClean="0"/>
+              <a:rPr lang="en-US" sz="2000" dirty="0"/>
               <a:t>Compute</a:t>
             </a:r>
           </a:p>
@@ -7067,11 +7371,11 @@
               <a:buChar char="n"/>
             </a:pPr>
             <a:r>
-              <a:rPr lang="en-US" sz="2000" dirty="0" smtClean="0"/>
+              <a:rPr lang="en-US" sz="2000" dirty="0"/>
               <a:t>Compute the </a:t>
             </a:r>
             <a:r>
-              <a:rPr lang="en-US" sz="2000" dirty="0" smtClean="0">
+              <a:rPr lang="en-US" sz="2000" dirty="0">
                 <a:solidFill>
                   <a:srgbClr val="0000FF"/>
                 </a:solidFill>
@@ -7095,7 +7399,7 @@
               <a:buChar char="n"/>
             </a:pPr>
             <a:r>
-              <a:rPr lang="en-US" sz="2000" dirty="0" smtClean="0"/>
+              <a:rPr lang="en-US" sz="2000" dirty="0"/>
               <a:t>Divide the sum by k</a:t>
             </a:r>
           </a:p>
@@ -7115,7 +7419,7 @@
               <a:buChar char="n"/>
             </a:pPr>
             <a:r>
-              <a:rPr lang="en-US" sz="2000" dirty="0" smtClean="0"/>
+              <a:rPr lang="en-US" sz="2000" dirty="0"/>
               <a:t>Output…</a:t>
             </a:r>
           </a:p>
@@ -7219,10 +7523,9 @@
           <a:lstStyle/>
           <a:p>
             <a:r>
-              <a:rPr lang="en-US" dirty="0" smtClean="0"/>
+              <a:rPr lang="en-US" dirty="0"/>
               <a:t>This could be a function!</a:t>
             </a:r>
-            <a:endParaRPr lang="en-US" dirty="0"/>
           </a:p>
         </p:txBody>
       </p:sp>
@@ -7286,13 +7589,6 @@
   <p:transition>
     <p:fade/>
   </p:transition>
-  <p:timing>
-    <p:tnLst>
-      <p:par>
-        <p:cTn id="1" dur="indefinite" restart="never" nodeType="tmRoot"/>
-      </p:par>
-    </p:tnLst>
-  </p:timing>
 </p:sld>
 </file>
 
@@ -7337,18 +7633,13 @@
           <a:p>
             <a:pPr eaLnBrk="1" hangingPunct="1"/>
             <a:r>
-              <a:rPr lang="en-GB" dirty="0" smtClean="0">
+              <a:rPr lang="en-GB" dirty="0">
                 <a:solidFill>
                   <a:srgbClr val="0000FF"/>
                 </a:solidFill>
               </a:rPr>
               <a:t>More examples</a:t>
             </a:r>
-            <a:endParaRPr lang="en-GB" dirty="0">
-              <a:solidFill>
-                <a:srgbClr val="0000FF"/>
-              </a:solidFill>
-            </a:endParaRPr>
           </a:p>
         </p:txBody>
       </p:sp>
@@ -7395,16 +7686,12 @@
               <a:defRPr/>
             </a:pPr>
             <a:r>
-              <a:rPr lang="en-US" dirty="0" smtClean="0"/>
+              <a:rPr lang="en-US" dirty="0"/>
               <a:t>Unit3</a:t>
             </a:r>
             <a:r>
-              <a:rPr dirty="0" smtClean="0"/>
-              <a:t> </a:t>
-            </a:r>
-            <a:r>
               <a:rPr dirty="0"/>
-              <a:t>- </a:t>
+              <a:t> - </a:t>
             </a:r>
             <a:fld id="{628B8346-B709-406B-887E-3E0CC6DA1327}" type="slidenum">
               <a:rPr smtClean="0"/>
@@ -7545,27 +7832,11 @@
                   <a:srgbClr val="0000FF"/>
                 </a:solidFill>
               </a:rPr>
-              <a:t> </a:t>
-            </a:r>
-            <a:r>
-              <a:rPr lang="en-US" sz="2400" dirty="0" smtClean="0">
-                <a:solidFill>
-                  <a:srgbClr val="0000FF"/>
-                </a:solidFill>
-              </a:rPr>
-              <a:t>standard deviation</a:t>
-            </a:r>
-            <a:r>
-              <a:rPr lang="en-US" sz="2400" dirty="0" smtClean="0"/>
-              <a:t> </a:t>
+              <a:t> standard deviation</a:t>
             </a:r>
             <a:r>
               <a:rPr lang="en-US" sz="2400" dirty="0"/>
-              <a:t>of a list </a:t>
-            </a:r>
-            <a:r>
-              <a:rPr lang="en-US" sz="2400" dirty="0" smtClean="0"/>
-              <a:t>L of k integers</a:t>
+              <a:t> of a list L of k integers</a:t>
             </a:r>
           </a:p>
           <a:p>
@@ -7600,7 +7871,7 @@
               <a:buFont typeface="Wingdings" pitchFamily="2" charset="2"/>
               <a:buChar char="n"/>
             </a:pPr>
-            <a:endParaRPr lang="en-US" sz="2400" dirty="0" smtClean="0"/>
+            <a:endParaRPr lang="en-US" sz="2400" dirty="0"/>
           </a:p>
           <a:p>
             <a:pPr marL="342900" indent="-342900">
@@ -7635,11 +7906,11 @@
               <a:buChar char="n"/>
             </a:pPr>
             <a:r>
-              <a:rPr lang="el-GR" sz="2400" i="1" dirty="0" smtClean="0"/>
+              <a:rPr lang="el-GR" sz="2400" i="1" dirty="0"/>
               <a:t>μ</a:t>
             </a:r>
             <a:r>
-              <a:rPr lang="en-US" sz="2400" dirty="0" smtClean="0"/>
+              <a:rPr lang="en-US" sz="2400" dirty="0"/>
               <a:t>: mean (L, k)</a:t>
             </a:r>
           </a:p>
@@ -7659,15 +7930,15 @@
               <a:buChar char="n"/>
             </a:pPr>
             <a:r>
-              <a:rPr lang="en-US" sz="2400" dirty="0" smtClean="0"/>
+              <a:rPr lang="en-US" sz="2400" dirty="0"/>
               <a:t>L': subtract (L, k, </a:t>
             </a:r>
             <a:r>
-              <a:rPr lang="el-GR" sz="2400" i="1" dirty="0" smtClean="0"/>
+              <a:rPr lang="el-GR" sz="2400" i="1" dirty="0"/>
               <a:t>μ</a:t>
             </a:r>
             <a:r>
-              <a:rPr lang="en-US" sz="2400" i="1" dirty="0" smtClean="0"/>
+              <a:rPr lang="en-US" sz="2400" i="1" dirty="0"/>
               <a:t>)</a:t>
             </a:r>
             <a:endParaRPr lang="en-US" sz="2400" dirty="0"/>
@@ -7688,7 +7959,7 @@
               <a:buChar char="n"/>
             </a:pPr>
             <a:r>
-              <a:rPr lang="en-US" sz="2400" dirty="0" smtClean="0"/>
+              <a:rPr lang="en-US" sz="2400" dirty="0"/>
               <a:t>L'': square (L', k)</a:t>
             </a:r>
           </a:p>
@@ -7708,23 +7979,23 @@
               <a:buChar char="n"/>
             </a:pPr>
             <a:r>
-              <a:rPr lang="el-GR" sz="2400" i="1" dirty="0" smtClean="0"/>
+              <a:rPr lang="el-GR" sz="2400" i="1" dirty="0"/>
               <a:t>μ</a:t>
             </a:r>
             <a:r>
-              <a:rPr lang="en-US" sz="2400" i="1" dirty="0" smtClean="0"/>
+              <a:rPr lang="en-US" sz="2400" i="1" dirty="0"/>
               <a:t>''</a:t>
             </a:r>
             <a:r>
-              <a:rPr lang="en-US" sz="2400" dirty="0" smtClean="0"/>
+              <a:rPr lang="en-US" sz="2400" dirty="0"/>
               <a:t>:</a:t>
             </a:r>
             <a:r>
-              <a:rPr lang="en-US" sz="2400" i="1" dirty="0" smtClean="0"/>
+              <a:rPr lang="en-US" sz="2400" i="1" dirty="0"/>
               <a:t> </a:t>
             </a:r>
             <a:r>
-              <a:rPr lang="en-US" sz="2400" dirty="0" smtClean="0"/>
+              <a:rPr lang="en-US" sz="2400" dirty="0"/>
               <a:t>mean (L'', k)</a:t>
             </a:r>
           </a:p>
@@ -7744,23 +8015,23 @@
               <a:buChar char="n"/>
             </a:pPr>
             <a:r>
-              <a:rPr lang="en-US" sz="2400" i="1" dirty="0" smtClean="0"/>
+              <a:rPr lang="en-US" sz="2400" i="1" dirty="0"/>
               <a:t>result:</a:t>
             </a:r>
             <a:r>
-              <a:rPr lang="en-US" sz="2400" dirty="0" smtClean="0"/>
+              <a:rPr lang="en-US" sz="2400" dirty="0"/>
               <a:t> </a:t>
             </a:r>
             <a:r>
-              <a:rPr lang="en-US" sz="2400" dirty="0" err="1" smtClean="0"/>
+              <a:rPr lang="en-US" sz="2400" dirty="0" err="1"/>
               <a:t>sqrt</a:t>
             </a:r>
             <a:r>
-              <a:rPr lang="en-US" sz="2400" dirty="0" smtClean="0"/>
+              <a:rPr lang="en-US" sz="2400" dirty="0"/>
               <a:t> </a:t>
             </a:r>
             <a:r>
-              <a:rPr lang="en-US" sz="2400" i="1" dirty="0" smtClean="0"/>
+              <a:rPr lang="en-US" sz="2400" i="1" dirty="0"/>
               <a:t>(</a:t>
             </a:r>
             <a:r>
@@ -7768,7 +8039,7 @@
               <a:t>μ</a:t>
             </a:r>
             <a:r>
-              <a:rPr lang="en-US" sz="2400" i="1" dirty="0" smtClean="0"/>
+              <a:rPr lang="en-US" sz="2400" i="1" dirty="0"/>
               <a:t>'')</a:t>
             </a:r>
             <a:endParaRPr lang="en-US" sz="2400" dirty="0"/>
@@ -7788,7 +8059,7 @@
               <a:buFont typeface="Wingdings" pitchFamily="2" charset="2"/>
               <a:buChar char="n"/>
             </a:pPr>
-            <a:endParaRPr lang="en-US" sz="2400" dirty="0" smtClean="0"/>
+            <a:endParaRPr lang="en-US" sz="2400" dirty="0"/>
           </a:p>
           <a:p>
             <a:pPr>
@@ -7871,10 +8142,77 @@
           <a:lstStyle/>
           <a:p>
             <a:r>
-              <a:rPr lang="en-US" sz="2400" dirty="0" smtClean="0"/>
-              <a:t>Let say L = {1, 3, 5, 7, 9}, k = 5</a:t>
-            </a:r>
-            <a:endParaRPr lang="en-US" sz="2400" dirty="0"/>
+              <a:rPr lang="en-US" sz="2400" dirty="0"/>
+              <a:t>Let say L = {</a:t>
+            </a:r>
+            <a:r>
+              <a:rPr lang="en-US" sz="2400" dirty="0">
+                <a:solidFill>
+                  <a:srgbClr val="0000FF"/>
+                </a:solidFill>
+              </a:rPr>
+              <a:t>1</a:t>
+            </a:r>
+            <a:r>
+              <a:rPr lang="en-US" sz="2400" dirty="0"/>
+              <a:t>, </a:t>
+            </a:r>
+            <a:r>
+              <a:rPr lang="en-US" sz="2400" dirty="0">
+                <a:solidFill>
+                  <a:srgbClr val="0000FF"/>
+                </a:solidFill>
+              </a:rPr>
+              <a:t>3</a:t>
+            </a:r>
+            <a:r>
+              <a:rPr lang="en-US" sz="2400" dirty="0"/>
+              <a:t>, </a:t>
+            </a:r>
+            <a:r>
+              <a:rPr lang="en-US" sz="2400" dirty="0">
+                <a:solidFill>
+                  <a:srgbClr val="0000FF"/>
+                </a:solidFill>
+              </a:rPr>
+              <a:t>5</a:t>
+            </a:r>
+            <a:r>
+              <a:rPr lang="en-US" sz="2400" dirty="0"/>
+              <a:t>, </a:t>
+            </a:r>
+            <a:r>
+              <a:rPr lang="en-US" sz="2400" dirty="0">
+                <a:solidFill>
+                  <a:srgbClr val="0000FF"/>
+                </a:solidFill>
+              </a:rPr>
+              <a:t>7</a:t>
+            </a:r>
+            <a:r>
+              <a:rPr lang="en-US" sz="2400" dirty="0"/>
+              <a:t>, </a:t>
+            </a:r>
+            <a:r>
+              <a:rPr lang="en-US" sz="2400" dirty="0">
+                <a:solidFill>
+                  <a:srgbClr val="0000FF"/>
+                </a:solidFill>
+              </a:rPr>
+              <a:t>9</a:t>
+            </a:r>
+            <a:r>
+              <a:rPr lang="en-US" sz="2400" dirty="0"/>
+              <a:t>}, k = </a:t>
+            </a:r>
+            <a:r>
+              <a:rPr lang="en-US" sz="2400" dirty="0">
+                <a:solidFill>
+                  <a:srgbClr val="0000FF"/>
+                </a:solidFill>
+              </a:rPr>
+              <a:t>5</a:t>
+            </a:r>
           </a:p>
         </p:txBody>
       </p:sp>
@@ -7901,11 +8239,11 @@
           <a:lstStyle/>
           <a:p>
             <a:r>
-              <a:rPr lang="el-GR" sz="2400" i="1" dirty="0" smtClean="0"/>
+              <a:rPr lang="el-GR" sz="2400" i="1" dirty="0"/>
               <a:t>μ</a:t>
             </a:r>
             <a:r>
-              <a:rPr lang="en-US" sz="2400" i="1" dirty="0" smtClean="0"/>
+              <a:rPr lang="en-US" sz="2400" i="1" dirty="0"/>
               <a:t> = 5</a:t>
             </a:r>
             <a:endParaRPr lang="en-US" sz="2400" dirty="0"/>
@@ -7935,18 +8273,17 @@
           <a:lstStyle/>
           <a:p>
             <a:r>
-              <a:rPr lang="en-US" sz="2400" dirty="0" smtClean="0"/>
+              <a:rPr lang="en-US" sz="2400" dirty="0"/>
               <a:t>subtract (L, k, </a:t>
             </a:r>
             <a:r>
-              <a:rPr lang="el-GR" sz="2400" dirty="0" smtClean="0"/>
+              <a:rPr lang="el-GR" sz="2400" dirty="0"/>
               <a:t>μ</a:t>
             </a:r>
             <a:r>
-              <a:rPr lang="en-US" sz="2400" dirty="0" smtClean="0"/>
+              <a:rPr lang="en-US" sz="2400" dirty="0"/>
               <a:t>) = {-4, -2, 0, 2 ,4}</a:t>
             </a:r>
-            <a:endParaRPr lang="en-US" sz="2400" dirty="0"/>
           </a:p>
         </p:txBody>
       </p:sp>
@@ -7973,10 +8310,9 @@
           <a:lstStyle/>
           <a:p>
             <a:r>
-              <a:rPr lang="en-US" sz="2400" dirty="0" smtClean="0"/>
+              <a:rPr lang="en-US" sz="2400" dirty="0"/>
               <a:t>square (L', k) = {16, 4, 0, 4,16}</a:t>
             </a:r>
-            <a:endParaRPr lang="en-US" sz="2400" dirty="0"/>
           </a:p>
         </p:txBody>
       </p:sp>
@@ -8007,18 +8343,13 @@
               <a:t>μ</a:t>
             </a:r>
             <a:r>
-              <a:rPr lang="en-US" sz="2400" i="1" dirty="0" smtClean="0"/>
+              <a:rPr lang="en-US" sz="2400" i="1" dirty="0"/>
               <a:t>''</a:t>
             </a:r>
             <a:r>
               <a:rPr lang="en-US" sz="2400" dirty="0"/>
-              <a:t> </a:t>
-            </a:r>
-            <a:r>
-              <a:rPr lang="en-US" sz="2400" dirty="0" smtClean="0"/>
-              <a:t>= mean (L'', k) = 8</a:t>
-            </a:r>
-            <a:endParaRPr lang="en-US" sz="2400" dirty="0"/>
+              <a:t> = mean (L'', k) = 8</a:t>
+            </a:r>
           </a:p>
         </p:txBody>
       </p:sp>
@@ -8045,11 +8376,11 @@
           <a:lstStyle/>
           <a:p>
             <a:r>
-              <a:rPr lang="en-US" sz="2400" dirty="0" err="1" smtClean="0"/>
+              <a:rPr lang="en-US" sz="2400" dirty="0" err="1"/>
               <a:t>sqrt</a:t>
             </a:r>
             <a:r>
-              <a:rPr lang="en-US" sz="2400" dirty="0" smtClean="0"/>
+              <a:rPr lang="en-US" sz="2400" dirty="0"/>
               <a:t> (</a:t>
             </a:r>
             <a:r>
@@ -8057,14 +8388,13 @@
               <a:t>μ</a:t>
             </a:r>
             <a:r>
-              <a:rPr lang="en-US" sz="2400" i="1" dirty="0" smtClean="0"/>
+              <a:rPr lang="en-US" sz="2400" i="1" dirty="0"/>
               <a:t>''</a:t>
             </a:r>
             <a:r>
-              <a:rPr lang="en-US" sz="2400" dirty="0" smtClean="0"/>
+              <a:rPr lang="en-US" sz="2400" dirty="0"/>
               <a:t>) = 2.83</a:t>
             </a:r>
-            <a:endParaRPr lang="en-US" sz="2400" dirty="0"/>
           </a:p>
         </p:txBody>
       </p:sp>
@@ -8084,9 +8414,419 @@
   <p:timing>
     <p:tnLst>
       <p:par>
-        <p:cTn id="1" dur="indefinite" restart="never" nodeType="tmRoot"/>
+        <p:cTn id="1" dur="indefinite" restart="never" nodeType="tmRoot">
+          <p:childTnLst>
+            <p:seq concurrent="1" nextAc="seek">
+              <p:cTn id="2" dur="indefinite" nodeType="mainSeq">
+                <p:childTnLst>
+                  <p:par>
+                    <p:cTn id="3" fill="hold">
+                      <p:stCondLst>
+                        <p:cond delay="indefinite"/>
+                      </p:stCondLst>
+                      <p:childTnLst>
+                        <p:par>
+                          <p:cTn id="4" fill="hold">
+                            <p:stCondLst>
+                              <p:cond delay="0"/>
+                            </p:stCondLst>
+                            <p:childTnLst>
+                              <p:par>
+                                <p:cTn id="5" presetID="1" presetClass="entr" presetSubtype="0" fill="hold" nodeType="clickEffect">
+                                  <p:stCondLst>
+                                    <p:cond delay="0"/>
+                                  </p:stCondLst>
+                                  <p:childTnLst>
+                                    <p:set>
+                                      <p:cBhvr>
+                                        <p:cTn id="6" dur="1" fill="hold">
+                                          <p:stCondLst>
+                                            <p:cond delay="0"/>
+                                          </p:stCondLst>
+                                        </p:cTn>
+                                        <p:tgtEl>
+                                          <p:spTgt spid="13">
+                                            <p:txEl>
+                                              <p:pRg st="4" end="4"/>
+                                            </p:txEl>
+                                          </p:spTgt>
+                                        </p:tgtEl>
+                                        <p:attrNameLst>
+                                          <p:attrName>style.visibility</p:attrName>
+                                        </p:attrNameLst>
+                                      </p:cBhvr>
+                                      <p:to>
+                                        <p:strVal val="visible"/>
+                                      </p:to>
+                                    </p:set>
+                                  </p:childTnLst>
+                                </p:cTn>
+                              </p:par>
+                              <p:par>
+                                <p:cTn id="7" presetID="1" presetClass="entr" presetSubtype="0" fill="hold" grpId="0" nodeType="withEffect">
+                                  <p:stCondLst>
+                                    <p:cond delay="0"/>
+                                  </p:stCondLst>
+                                  <p:childTnLst>
+                                    <p:set>
+                                      <p:cBhvr>
+                                        <p:cTn id="8" dur="1" fill="hold">
+                                          <p:stCondLst>
+                                            <p:cond delay="0"/>
+                                          </p:stCondLst>
+                                        </p:cTn>
+                                        <p:tgtEl>
+                                          <p:spTgt spid="11"/>
+                                        </p:tgtEl>
+                                        <p:attrNameLst>
+                                          <p:attrName>style.visibility</p:attrName>
+                                        </p:attrNameLst>
+                                      </p:cBhvr>
+                                      <p:to>
+                                        <p:strVal val="visible"/>
+                                      </p:to>
+                                    </p:set>
+                                  </p:childTnLst>
+                                </p:cTn>
+                              </p:par>
+                            </p:childTnLst>
+                          </p:cTn>
+                        </p:par>
+                      </p:childTnLst>
+                    </p:cTn>
+                  </p:par>
+                  <p:par>
+                    <p:cTn id="9" fill="hold">
+                      <p:stCondLst>
+                        <p:cond delay="indefinite"/>
+                      </p:stCondLst>
+                      <p:childTnLst>
+                        <p:par>
+                          <p:cTn id="10" fill="hold">
+                            <p:stCondLst>
+                              <p:cond delay="0"/>
+                            </p:stCondLst>
+                            <p:childTnLst>
+                              <p:par>
+                                <p:cTn id="11" presetID="1" presetClass="entr" presetSubtype="0" fill="hold" nodeType="clickEffect">
+                                  <p:stCondLst>
+                                    <p:cond delay="0"/>
+                                  </p:stCondLst>
+                                  <p:childTnLst>
+                                    <p:set>
+                                      <p:cBhvr>
+                                        <p:cTn id="12" dur="1" fill="hold">
+                                          <p:stCondLst>
+                                            <p:cond delay="0"/>
+                                          </p:stCondLst>
+                                        </p:cTn>
+                                        <p:tgtEl>
+                                          <p:spTgt spid="13">
+                                            <p:txEl>
+                                              <p:pRg st="5" end="5"/>
+                                            </p:txEl>
+                                          </p:spTgt>
+                                        </p:tgtEl>
+                                        <p:attrNameLst>
+                                          <p:attrName>style.visibility</p:attrName>
+                                        </p:attrNameLst>
+                                      </p:cBhvr>
+                                      <p:to>
+                                        <p:strVal val="visible"/>
+                                      </p:to>
+                                    </p:set>
+                                  </p:childTnLst>
+                                </p:cTn>
+                              </p:par>
+                              <p:par>
+                                <p:cTn id="13" presetID="1" presetClass="entr" presetSubtype="0" fill="hold" grpId="0" nodeType="withEffect">
+                                  <p:stCondLst>
+                                    <p:cond delay="0"/>
+                                  </p:stCondLst>
+                                  <p:childTnLst>
+                                    <p:set>
+                                      <p:cBhvr>
+                                        <p:cTn id="14" dur="1" fill="hold">
+                                          <p:stCondLst>
+                                            <p:cond delay="0"/>
+                                          </p:stCondLst>
+                                        </p:cTn>
+                                        <p:tgtEl>
+                                          <p:spTgt spid="12"/>
+                                        </p:tgtEl>
+                                        <p:attrNameLst>
+                                          <p:attrName>style.visibility</p:attrName>
+                                        </p:attrNameLst>
+                                      </p:cBhvr>
+                                      <p:to>
+                                        <p:strVal val="visible"/>
+                                      </p:to>
+                                    </p:set>
+                                  </p:childTnLst>
+                                </p:cTn>
+                              </p:par>
+                            </p:childTnLst>
+                          </p:cTn>
+                        </p:par>
+                      </p:childTnLst>
+                    </p:cTn>
+                  </p:par>
+                  <p:par>
+                    <p:cTn id="15" fill="hold">
+                      <p:stCondLst>
+                        <p:cond delay="indefinite"/>
+                      </p:stCondLst>
+                      <p:childTnLst>
+                        <p:par>
+                          <p:cTn id="16" fill="hold">
+                            <p:stCondLst>
+                              <p:cond delay="0"/>
+                            </p:stCondLst>
+                            <p:childTnLst>
+                              <p:par>
+                                <p:cTn id="17" presetID="1" presetClass="entr" presetSubtype="0" fill="hold" nodeType="clickEffect">
+                                  <p:stCondLst>
+                                    <p:cond delay="0"/>
+                                  </p:stCondLst>
+                                  <p:childTnLst>
+                                    <p:set>
+                                      <p:cBhvr>
+                                        <p:cTn id="18" dur="1" fill="hold">
+                                          <p:stCondLst>
+                                            <p:cond delay="0"/>
+                                          </p:stCondLst>
+                                        </p:cTn>
+                                        <p:tgtEl>
+                                          <p:spTgt spid="13">
+                                            <p:txEl>
+                                              <p:pRg st="6" end="6"/>
+                                            </p:txEl>
+                                          </p:spTgt>
+                                        </p:tgtEl>
+                                        <p:attrNameLst>
+                                          <p:attrName>style.visibility</p:attrName>
+                                        </p:attrNameLst>
+                                      </p:cBhvr>
+                                      <p:to>
+                                        <p:strVal val="visible"/>
+                                      </p:to>
+                                    </p:set>
+                                  </p:childTnLst>
+                                </p:cTn>
+                              </p:par>
+                              <p:par>
+                                <p:cTn id="19" presetID="1" presetClass="entr" presetSubtype="0" fill="hold" grpId="0" nodeType="withEffect">
+                                  <p:stCondLst>
+                                    <p:cond delay="0"/>
+                                  </p:stCondLst>
+                                  <p:childTnLst>
+                                    <p:set>
+                                      <p:cBhvr>
+                                        <p:cTn id="20" dur="1" fill="hold">
+                                          <p:stCondLst>
+                                            <p:cond delay="0"/>
+                                          </p:stCondLst>
+                                        </p:cTn>
+                                        <p:tgtEl>
+                                          <p:spTgt spid="14"/>
+                                        </p:tgtEl>
+                                        <p:attrNameLst>
+                                          <p:attrName>style.visibility</p:attrName>
+                                        </p:attrNameLst>
+                                      </p:cBhvr>
+                                      <p:to>
+                                        <p:strVal val="visible"/>
+                                      </p:to>
+                                    </p:set>
+                                  </p:childTnLst>
+                                </p:cTn>
+                              </p:par>
+                            </p:childTnLst>
+                          </p:cTn>
+                        </p:par>
+                      </p:childTnLst>
+                    </p:cTn>
+                  </p:par>
+                  <p:par>
+                    <p:cTn id="21" fill="hold">
+                      <p:stCondLst>
+                        <p:cond delay="indefinite"/>
+                      </p:stCondLst>
+                      <p:childTnLst>
+                        <p:par>
+                          <p:cTn id="22" fill="hold">
+                            <p:stCondLst>
+                              <p:cond delay="0"/>
+                            </p:stCondLst>
+                            <p:childTnLst>
+                              <p:par>
+                                <p:cTn id="23" presetID="1" presetClass="entr" presetSubtype="0" fill="hold" nodeType="clickEffect">
+                                  <p:stCondLst>
+                                    <p:cond delay="0"/>
+                                  </p:stCondLst>
+                                  <p:childTnLst>
+                                    <p:set>
+                                      <p:cBhvr>
+                                        <p:cTn id="24" dur="1" fill="hold">
+                                          <p:stCondLst>
+                                            <p:cond delay="0"/>
+                                          </p:stCondLst>
+                                        </p:cTn>
+                                        <p:tgtEl>
+                                          <p:spTgt spid="13">
+                                            <p:txEl>
+                                              <p:pRg st="7" end="7"/>
+                                            </p:txEl>
+                                          </p:spTgt>
+                                        </p:tgtEl>
+                                        <p:attrNameLst>
+                                          <p:attrName>style.visibility</p:attrName>
+                                        </p:attrNameLst>
+                                      </p:cBhvr>
+                                      <p:to>
+                                        <p:strVal val="visible"/>
+                                      </p:to>
+                                    </p:set>
+                                  </p:childTnLst>
+                                </p:cTn>
+                              </p:par>
+                              <p:par>
+                                <p:cTn id="25" presetID="1" presetClass="entr" presetSubtype="0" fill="hold" grpId="0" nodeType="withEffect">
+                                  <p:stCondLst>
+                                    <p:cond delay="0"/>
+                                  </p:stCondLst>
+                                  <p:childTnLst>
+                                    <p:set>
+                                      <p:cBhvr>
+                                        <p:cTn id="26" dur="1" fill="hold">
+                                          <p:stCondLst>
+                                            <p:cond delay="0"/>
+                                          </p:stCondLst>
+                                        </p:cTn>
+                                        <p:tgtEl>
+                                          <p:spTgt spid="15"/>
+                                        </p:tgtEl>
+                                        <p:attrNameLst>
+                                          <p:attrName>style.visibility</p:attrName>
+                                        </p:attrNameLst>
+                                      </p:cBhvr>
+                                      <p:to>
+                                        <p:strVal val="visible"/>
+                                      </p:to>
+                                    </p:set>
+                                  </p:childTnLst>
+                                </p:cTn>
+                              </p:par>
+                            </p:childTnLst>
+                          </p:cTn>
+                        </p:par>
+                      </p:childTnLst>
+                    </p:cTn>
+                  </p:par>
+                  <p:par>
+                    <p:cTn id="27" fill="hold">
+                      <p:stCondLst>
+                        <p:cond delay="indefinite"/>
+                      </p:stCondLst>
+                      <p:childTnLst>
+                        <p:par>
+                          <p:cTn id="28" fill="hold">
+                            <p:stCondLst>
+                              <p:cond delay="0"/>
+                            </p:stCondLst>
+                            <p:childTnLst>
+                              <p:par>
+                                <p:cTn id="29" presetID="1" presetClass="entr" presetSubtype="0" fill="hold" nodeType="clickEffect">
+                                  <p:stCondLst>
+                                    <p:cond delay="0"/>
+                                  </p:stCondLst>
+                                  <p:childTnLst>
+                                    <p:set>
+                                      <p:cBhvr>
+                                        <p:cTn id="30" dur="1" fill="hold">
+                                          <p:stCondLst>
+                                            <p:cond delay="0"/>
+                                          </p:stCondLst>
+                                        </p:cTn>
+                                        <p:tgtEl>
+                                          <p:spTgt spid="13">
+                                            <p:txEl>
+                                              <p:pRg st="8" end="8"/>
+                                            </p:txEl>
+                                          </p:spTgt>
+                                        </p:tgtEl>
+                                        <p:attrNameLst>
+                                          <p:attrName>style.visibility</p:attrName>
+                                        </p:attrNameLst>
+                                      </p:cBhvr>
+                                      <p:to>
+                                        <p:strVal val="visible"/>
+                                      </p:to>
+                                    </p:set>
+                                  </p:childTnLst>
+                                </p:cTn>
+                              </p:par>
+                              <p:par>
+                                <p:cTn id="31" presetID="1" presetClass="entr" presetSubtype="0" fill="hold" grpId="0" nodeType="withEffect">
+                                  <p:stCondLst>
+                                    <p:cond delay="0"/>
+                                  </p:stCondLst>
+                                  <p:childTnLst>
+                                    <p:set>
+                                      <p:cBhvr>
+                                        <p:cTn id="32" dur="1" fill="hold">
+                                          <p:stCondLst>
+                                            <p:cond delay="0"/>
+                                          </p:stCondLst>
+                                        </p:cTn>
+                                        <p:tgtEl>
+                                          <p:spTgt spid="16"/>
+                                        </p:tgtEl>
+                                        <p:attrNameLst>
+                                          <p:attrName>style.visibility</p:attrName>
+                                        </p:attrNameLst>
+                                      </p:cBhvr>
+                                      <p:to>
+                                        <p:strVal val="visible"/>
+                                      </p:to>
+                                    </p:set>
+                                  </p:childTnLst>
+                                </p:cTn>
+                              </p:par>
+                            </p:childTnLst>
+                          </p:cTn>
+                        </p:par>
+                      </p:childTnLst>
+                    </p:cTn>
+                  </p:par>
+                </p:childTnLst>
+              </p:cTn>
+              <p:prevCondLst>
+                <p:cond evt="onPrev" delay="0">
+                  <p:tgtEl>
+                    <p:sldTgt/>
+                  </p:tgtEl>
+                </p:cond>
+              </p:prevCondLst>
+              <p:nextCondLst>
+                <p:cond evt="onNext" delay="0">
+                  <p:tgtEl>
+                    <p:sldTgt/>
+                  </p:tgtEl>
+                </p:cond>
+              </p:nextCondLst>
+            </p:seq>
+          </p:childTnLst>
+        </p:cTn>
       </p:par>
     </p:tnLst>
+    <p:bldLst>
+      <p:bldP spid="11" grpId="0"/>
+      <p:bldP spid="12" grpId="0"/>
+      <p:bldP spid="14" grpId="0"/>
+      <p:bldP spid="15" grpId="0"/>
+      <p:bldP spid="16" grpId="0"/>
+    </p:bldLst>
   </p:timing>
 </p:sld>
 </file>
@@ -8132,18 +8872,13 @@
           <a:p>
             <a:pPr eaLnBrk="1" hangingPunct="1"/>
             <a:r>
-              <a:rPr lang="en-GB" dirty="0" smtClean="0">
+              <a:rPr lang="en-GB" dirty="0">
                 <a:solidFill>
                   <a:srgbClr val="0000FF"/>
                 </a:solidFill>
               </a:rPr>
               <a:t>More examples</a:t>
             </a:r>
-            <a:endParaRPr lang="en-GB" dirty="0">
-              <a:solidFill>
-                <a:srgbClr val="0000FF"/>
-              </a:solidFill>
-            </a:endParaRPr>
           </a:p>
         </p:txBody>
       </p:sp>
@@ -8190,16 +8925,12 @@
               <a:defRPr/>
             </a:pPr>
             <a:r>
-              <a:rPr lang="en-US" dirty="0" smtClean="0"/>
+              <a:rPr lang="en-US" dirty="0"/>
               <a:t>Unit3</a:t>
             </a:r>
             <a:r>
-              <a:rPr dirty="0" smtClean="0"/>
-              <a:t> </a:t>
-            </a:r>
-            <a:r>
               <a:rPr dirty="0"/>
-              <a:t>- </a:t>
+              <a:t> - </a:t>
             </a:r>
             <a:fld id="{628B8346-B709-406B-887E-3E0CC6DA1327}" type="slidenum">
               <a:rPr smtClean="0"/>
@@ -8340,27 +9071,11 @@
                   <a:srgbClr val="0000FF"/>
                 </a:solidFill>
               </a:rPr>
-              <a:t> </a:t>
-            </a:r>
-            <a:r>
-              <a:rPr lang="en-US" sz="2400" dirty="0" smtClean="0">
-                <a:solidFill>
-                  <a:srgbClr val="0000FF"/>
-                </a:solidFill>
-              </a:rPr>
-              <a:t>standard deviation</a:t>
-            </a:r>
-            <a:r>
-              <a:rPr lang="en-US" sz="2400" dirty="0" smtClean="0"/>
-              <a:t> </a:t>
+              <a:t> standard deviation</a:t>
             </a:r>
             <a:r>
               <a:rPr lang="en-US" sz="2400" dirty="0"/>
-              <a:t>of a list </a:t>
-            </a:r>
-            <a:r>
-              <a:rPr lang="en-US" sz="2400" dirty="0" smtClean="0"/>
-              <a:t>L of k integers</a:t>
+              <a:t> of a list L of k integers</a:t>
             </a:r>
           </a:p>
           <a:p>
@@ -8395,7 +9110,7 @@
               <a:buFont typeface="Wingdings" pitchFamily="2" charset="2"/>
               <a:buChar char="n"/>
             </a:pPr>
-            <a:endParaRPr lang="en-US" sz="2400" dirty="0" smtClean="0"/>
+            <a:endParaRPr lang="en-US" sz="2400" dirty="0"/>
           </a:p>
           <a:p>
             <a:pPr marL="342900" indent="-342900">
@@ -8412,7 +9127,7 @@
               <a:buFont typeface="Wingdings" pitchFamily="2" charset="2"/>
               <a:buChar char="n"/>
             </a:pPr>
-            <a:endParaRPr lang="en-US" sz="2400" dirty="0" smtClean="0"/>
+            <a:endParaRPr lang="en-US" sz="2400" dirty="0"/>
           </a:p>
           <a:p>
             <a:pPr marL="342900" indent="-342900">
@@ -8430,15 +9145,15 @@
               <a:buChar char="n"/>
             </a:pPr>
             <a:r>
-              <a:rPr lang="en-US" sz="2400" i="1" dirty="0" smtClean="0"/>
+              <a:rPr lang="en-US" sz="2400" i="1" dirty="0"/>
               <a:t>result: </a:t>
             </a:r>
             <a:r>
-              <a:rPr lang="en-US" sz="2400" i="1" dirty="0" err="1" smtClean="0"/>
+              <a:rPr lang="en-US" sz="2400" i="1" dirty="0" err="1"/>
               <a:t>sqrt</a:t>
             </a:r>
             <a:r>
-              <a:rPr lang="en-US" sz="2400" i="1" dirty="0" smtClean="0"/>
+              <a:rPr lang="en-US" sz="2400" i="1" dirty="0"/>
               <a:t> ( mean ( square ( subtract (L, k, mean (L, k)), k), k)</a:t>
             </a:r>
           </a:p>
@@ -8475,7 +9190,7 @@
               <a:buChar char="n"/>
             </a:pPr>
             <a:r>
-              <a:rPr lang="en-US" sz="2400" dirty="0" smtClean="0">
+              <a:rPr lang="en-US" sz="2400" dirty="0">
                 <a:solidFill>
                   <a:srgbClr val="0000FF"/>
                 </a:solidFill>
@@ -8500,7 +9215,7 @@
               <a:buChar char="n"/>
             </a:pPr>
             <a:r>
-              <a:rPr lang="en-US" sz="2000" dirty="0" smtClean="0"/>
+              <a:rPr lang="en-US" sz="2000" dirty="0"/>
               <a:t>A function, once defined, can be reused any number of times!</a:t>
             </a:r>
           </a:p>
@@ -8520,7 +9235,7 @@
               <a:buChar char="n"/>
             </a:pPr>
             <a:r>
-              <a:rPr lang="en-US" sz="2000" dirty="0" smtClean="0"/>
+              <a:rPr lang="en-US" sz="2000" dirty="0"/>
               <a:t>No need to reinvent the wheel every time!</a:t>
             </a:r>
           </a:p>
@@ -8558,10 +9273,9 @@
           <a:lstStyle/>
           <a:p>
             <a:r>
-              <a:rPr lang="en-US" dirty="0" smtClean="0"/>
+              <a:rPr lang="en-US" dirty="0"/>
               <a:t>mean is used twice!</a:t>
             </a:r>
-            <a:endParaRPr lang="en-US" dirty="0"/>
           </a:p>
         </p:txBody>
       </p:sp>
@@ -8674,13 +9388,6 @@
   <p:transition>
     <p:fade/>
   </p:transition>
-  <p:timing>
-    <p:tnLst>
-      <p:par>
-        <p:cTn id="1" dur="indefinite" restart="never" nodeType="tmRoot"/>
-      </p:par>
-    </p:tnLst>
-  </p:timing>
 </p:sld>
 </file>
 
@@ -8725,18 +9432,13 @@
           <a:p>
             <a:pPr eaLnBrk="1" hangingPunct="1"/>
             <a:r>
-              <a:rPr lang="en-GB" dirty="0" smtClean="0">
+              <a:rPr lang="en-GB" dirty="0">
                 <a:solidFill>
                   <a:srgbClr val="0000FF"/>
                 </a:solidFill>
               </a:rPr>
               <a:t>More examples</a:t>
             </a:r>
-            <a:endParaRPr lang="en-GB" dirty="0">
-              <a:solidFill>
-                <a:srgbClr val="0000FF"/>
-              </a:solidFill>
-            </a:endParaRPr>
           </a:p>
         </p:txBody>
       </p:sp>
@@ -8783,16 +9485,12 @@
               <a:defRPr/>
             </a:pPr>
             <a:r>
-              <a:rPr lang="en-US" dirty="0" smtClean="0"/>
+              <a:rPr lang="en-US" dirty="0"/>
               <a:t>Unit3</a:t>
             </a:r>
             <a:r>
-              <a:rPr dirty="0" smtClean="0"/>
-              <a:t> </a:t>
-            </a:r>
-            <a:r>
               <a:rPr dirty="0"/>
-              <a:t>- </a:t>
+              <a:t> - </a:t>
             </a:r>
             <a:fld id="{628B8346-B709-406B-887E-3E0CC6DA1327}" type="slidenum">
               <a:rPr smtClean="0"/>
@@ -8933,27 +9631,11 @@
                   <a:srgbClr val="0000FF"/>
                 </a:solidFill>
               </a:rPr>
-              <a:t> </a:t>
-            </a:r>
-            <a:r>
-              <a:rPr lang="en-US" sz="2400" dirty="0" smtClean="0">
-                <a:solidFill>
-                  <a:srgbClr val="0000FF"/>
-                </a:solidFill>
-              </a:rPr>
-              <a:t>standard deviation</a:t>
-            </a:r>
-            <a:r>
-              <a:rPr lang="en-US" sz="2400" dirty="0" smtClean="0"/>
-              <a:t> </a:t>
+              <a:t> standard deviation</a:t>
             </a:r>
             <a:r>
               <a:rPr lang="en-US" sz="2400" dirty="0"/>
-              <a:t>of a list </a:t>
-            </a:r>
-            <a:r>
-              <a:rPr lang="en-US" sz="2400" dirty="0" smtClean="0"/>
-              <a:t>L of k integers</a:t>
+              <a:t> of a list L of k integers</a:t>
             </a:r>
           </a:p>
           <a:p>
@@ -8988,7 +9670,7 @@
               <a:buFont typeface="Wingdings" pitchFamily="2" charset="2"/>
               <a:buChar char="n"/>
             </a:pPr>
-            <a:endParaRPr lang="en-US" sz="2400" dirty="0" smtClean="0"/>
+            <a:endParaRPr lang="en-US" sz="2400" dirty="0"/>
           </a:p>
           <a:p>
             <a:pPr marL="342900" indent="-342900">
@@ -9005,7 +9687,7 @@
               <a:buFont typeface="Wingdings" pitchFamily="2" charset="2"/>
               <a:buChar char="n"/>
             </a:pPr>
-            <a:endParaRPr lang="en-US" sz="2400" dirty="0" smtClean="0"/>
+            <a:endParaRPr lang="en-US" sz="2400" dirty="0"/>
           </a:p>
           <a:p>
             <a:pPr marL="342900" indent="-342900">
@@ -9023,15 +9705,15 @@
               <a:buChar char="n"/>
             </a:pPr>
             <a:r>
-              <a:rPr lang="en-US" sz="2400" i="1" dirty="0" smtClean="0"/>
+              <a:rPr lang="en-US" sz="2400" i="1" dirty="0"/>
               <a:t>result: </a:t>
             </a:r>
             <a:r>
-              <a:rPr lang="en-US" sz="2400" i="1" dirty="0" err="1" smtClean="0"/>
+              <a:rPr lang="en-US" sz="2400" i="1" dirty="0" err="1"/>
               <a:t>sqrt</a:t>
             </a:r>
             <a:r>
-              <a:rPr lang="en-US" sz="2400" i="1" dirty="0" smtClean="0"/>
+              <a:rPr lang="en-US" sz="2400" i="1" dirty="0"/>
               <a:t> ( mean ( square ( subtract (L, k, mean (L, k)), k), k)</a:t>
             </a:r>
           </a:p>
@@ -9068,7 +9750,7 @@
               <a:buChar char="n"/>
             </a:pPr>
             <a:r>
-              <a:rPr lang="en-US" sz="2400" dirty="0" smtClean="0">
+              <a:rPr lang="en-US" sz="2400" dirty="0">
                 <a:solidFill>
                   <a:srgbClr val="0000FF"/>
                 </a:solidFill>
@@ -9093,11 +9775,11 @@
               <a:buChar char="n"/>
             </a:pPr>
             <a:r>
-              <a:rPr lang="en-US" sz="2000" dirty="0" smtClean="0"/>
+              <a:rPr lang="en-US" sz="2000" dirty="0"/>
               <a:t>If we treat this computation as a </a:t>
             </a:r>
             <a:r>
-              <a:rPr lang="en-US" sz="2000" dirty="0" smtClean="0">
+              <a:rPr lang="en-US" sz="2000" dirty="0">
                 <a:solidFill>
                   <a:srgbClr val="0000FF"/>
                 </a:solidFill>
@@ -9105,28 +9787,52 @@
               <a:t>function</a:t>
             </a:r>
             <a:r>
-              <a:rPr lang="en-US" sz="2000" dirty="0" smtClean="0"/>
+              <a:rPr lang="en-US" sz="2000" dirty="0"/>
               <a:t> </a:t>
             </a:r>
             <a:r>
-              <a:rPr lang="en-US" sz="2000" i="1" dirty="0" err="1" smtClean="0"/>
+              <a:rPr lang="en-US" sz="2000" i="1" dirty="0" err="1"/>
               <a:t>stddev</a:t>
             </a:r>
             <a:r>
-              <a:rPr lang="en-US" sz="2000" i="1" dirty="0" smtClean="0"/>
+              <a:rPr lang="en-US" sz="2000" i="1" dirty="0"/>
               <a:t> (L, k)</a:t>
             </a:r>
             <a:r>
-              <a:rPr lang="en-US" sz="2000" dirty="0" smtClean="0"/>
+              <a:rPr lang="en-US" sz="2000" dirty="0"/>
               <a:t>, it calls </a:t>
             </a:r>
             <a:r>
-              <a:rPr lang="en-US" sz="2000" dirty="0" err="1" smtClean="0"/>
+              <a:rPr lang="en-US" sz="2000" i="1" dirty="0" err="1"/>
               <a:t>sqrt</a:t>
             </a:r>
             <a:r>
-              <a:rPr lang="en-US" sz="2000" dirty="0" smtClean="0"/>
-              <a:t>, mean, square and subtract to complete the computation.</a:t>
+              <a:rPr lang="en-US" sz="2000" dirty="0"/>
+              <a:t>, </a:t>
+            </a:r>
+            <a:r>
+              <a:rPr lang="en-US" sz="2000" i="1" dirty="0"/>
+              <a:t>mean</a:t>
+            </a:r>
+            <a:r>
+              <a:rPr lang="en-US" sz="2000" dirty="0"/>
+              <a:t>, </a:t>
+            </a:r>
+            <a:r>
+              <a:rPr lang="en-US" sz="2000" i="1" dirty="0"/>
+              <a:t>square</a:t>
+            </a:r>
+            <a:r>
+              <a:rPr lang="en-US" sz="2000" dirty="0"/>
+              <a:t> and </a:t>
+            </a:r>
+            <a:r>
+              <a:rPr lang="en-US" sz="2000" i="1" dirty="0"/>
+              <a:t>subtract </a:t>
+            </a:r>
+            <a:r>
+              <a:rPr lang="en-US" sz="2000" dirty="0"/>
+              <a:t>to complete the computation.</a:t>
             </a:r>
           </a:p>
         </p:txBody>
@@ -9168,13 +9874,6 @@
   <p:transition>
     <p:fade/>
   </p:transition>
-  <p:timing>
-    <p:tnLst>
-      <p:par>
-        <p:cTn id="1" dur="indefinite" restart="never" nodeType="tmRoot"/>
-      </p:par>
-    </p:tnLst>
-  </p:timing>
 </p:sld>
 </file>
 
@@ -9217,20 +9916,14 @@
           </a:bodyPr>
           <a:lstStyle/>
           <a:p>
-            <a:pPr eaLnBrk="1" hangingPunct="1"/>
-            <a:r>
-              <a:rPr lang="en-GB" dirty="0" smtClean="0">
+            <a:r>
+              <a:rPr lang="en-GB" dirty="0">
                 <a:solidFill>
                   <a:srgbClr val="0000FF"/>
                 </a:solidFill>
               </a:rPr>
-              <a:t>Even more examples</a:t>
-            </a:r>
-            <a:endParaRPr lang="en-GB" dirty="0">
-              <a:solidFill>
-                <a:srgbClr val="0000FF"/>
-              </a:solidFill>
-            </a:endParaRPr>
+              <a:t>Ex #1: A Simple “Drawing” Problem</a:t>
+            </a:r>
           </a:p>
         </p:txBody>
       </p:sp>
@@ -9277,16 +9970,12 @@
               <a:defRPr/>
             </a:pPr>
             <a:r>
-              <a:rPr lang="en-US" dirty="0" smtClean="0"/>
+              <a:rPr lang="en-US" dirty="0"/>
               <a:t>Unit3</a:t>
             </a:r>
             <a:r>
-              <a:rPr dirty="0" smtClean="0"/>
-              <a:t> </a:t>
-            </a:r>
-            <a:r>
               <a:rPr dirty="0"/>
-              <a:t>- </a:t>
+              <a:t> - </a:t>
             </a:r>
             <a:fld id="{628B8346-B709-406B-887E-3E0CC6DA1327}" type="slidenum">
               <a:rPr smtClean="0"/>
@@ -9294,6 +9983,4362 @@
                 <a:defRPr/>
               </a:pPr>
               <a:t>14</a:t>
+            </a:fld>
+            <a:endParaRPr dirty="0"/>
+          </a:p>
+        </p:txBody>
+      </p:sp>
+      <p:sp>
+        <p:nvSpPr>
+          <p:cNvPr id="10" name="HighlightTextShape201406241503265130"/>
+          <p:cNvSpPr>
+            <a:spLocks noChangeArrowheads="1"/>
+          </p:cNvSpPr>
+          <p:nvPr/>
+        </p:nvSpPr>
+        <p:spPr bwMode="auto">
+          <a:xfrm>
+            <a:off x="491319" y="1219200"/>
+            <a:ext cx="5957106" cy="2438400"/>
+          </a:xfrm>
+          <a:prstGeom prst="rect">
+            <a:avLst/>
+          </a:prstGeom>
+          <a:noFill/>
+          <a:ln w="9525">
+            <a:noFill/>
+            <a:miter lim="800000"/>
+            <a:headEnd/>
+            <a:tailEnd/>
+          </a:ln>
+        </p:spPr>
+        <p:txBody>
+          <a:bodyPr/>
+          <a:lstStyle/>
+          <a:p>
+            <a:pPr marL="342900" indent="-342900">
+              <a:spcBef>
+                <a:spcPts val="1200"/>
+              </a:spcBef>
+              <a:buClr>
+                <a:schemeClr val="accent4">
+                  <a:lumMod val="60000"/>
+                  <a:lumOff val="40000"/>
+                </a:schemeClr>
+              </a:buClr>
+              <a:buSzPct val="75000"/>
+              <a:buFont typeface="Wingdings" pitchFamily="2" charset="2"/>
+              <a:buChar char="n"/>
+            </a:pPr>
+            <a:r>
+              <a:rPr lang="en-US" sz="2400" dirty="0"/>
+              <a:t>Problem: Draw</a:t>
+            </a:r>
+          </a:p>
+          <a:p>
+            <a:pPr marL="800100" lvl="1" indent="-342900">
+              <a:spcBef>
+                <a:spcPts val="1200"/>
+              </a:spcBef>
+              <a:buClr>
+                <a:schemeClr val="accent4">
+                  <a:lumMod val="60000"/>
+                  <a:lumOff val="40000"/>
+                </a:schemeClr>
+              </a:buClr>
+              <a:buSzPct val="75000"/>
+              <a:buFont typeface="Wingdings" pitchFamily="2" charset="2"/>
+              <a:buChar char="n"/>
+            </a:pPr>
+            <a:r>
+              <a:rPr lang="en-US" sz="2000" b="1" dirty="0"/>
+              <a:t>a rocket ship </a:t>
+            </a:r>
+            <a:r>
+              <a:rPr lang="en-US" sz="2000" dirty="0"/>
+              <a:t>(which is a triangle over a rectangle over an inverted V), </a:t>
+            </a:r>
+          </a:p>
+          <a:p>
+            <a:pPr marL="800100" lvl="1" indent="-342900">
+              <a:spcBef>
+                <a:spcPts val="1200"/>
+              </a:spcBef>
+              <a:buClr>
+                <a:schemeClr val="accent4">
+                  <a:lumMod val="60000"/>
+                  <a:lumOff val="40000"/>
+                </a:schemeClr>
+              </a:buClr>
+              <a:buSzPct val="75000"/>
+              <a:buFont typeface="Wingdings" pitchFamily="2" charset="2"/>
+              <a:buChar char="n"/>
+            </a:pPr>
+            <a:r>
+              <a:rPr lang="en-US" sz="2000" b="1" dirty="0"/>
+              <a:t>a male stick figure </a:t>
+            </a:r>
+            <a:r>
+              <a:rPr lang="en-US" sz="2000" dirty="0"/>
+              <a:t>(a circle over a rectangle over an inverted V), and </a:t>
+            </a:r>
+          </a:p>
+          <a:p>
+            <a:pPr marL="800100" lvl="1" indent="-342900">
+              <a:spcBef>
+                <a:spcPts val="1200"/>
+              </a:spcBef>
+              <a:buClr>
+                <a:schemeClr val="accent4">
+                  <a:lumMod val="60000"/>
+                  <a:lumOff val="40000"/>
+                </a:schemeClr>
+              </a:buClr>
+              <a:buSzPct val="75000"/>
+              <a:buFont typeface="Wingdings" pitchFamily="2" charset="2"/>
+              <a:buChar char="n"/>
+            </a:pPr>
+            <a:r>
+              <a:rPr lang="en-US" sz="2000" b="1" dirty="0"/>
+              <a:t>a female stick figure </a:t>
+            </a:r>
+            <a:r>
+              <a:rPr lang="en-US" sz="2000" dirty="0"/>
+              <a:t>(a circle over a triangle over an inverted V)</a:t>
+            </a:r>
+          </a:p>
+          <a:p>
+            <a:pPr marL="800100" lvl="1" indent="-342900">
+              <a:spcBef>
+                <a:spcPts val="1200"/>
+              </a:spcBef>
+              <a:buClr>
+                <a:schemeClr val="accent4">
+                  <a:lumMod val="60000"/>
+                  <a:lumOff val="40000"/>
+                </a:schemeClr>
+              </a:buClr>
+              <a:buSzPct val="75000"/>
+              <a:buFont typeface="Wingdings" pitchFamily="2" charset="2"/>
+              <a:buChar char="n"/>
+            </a:pPr>
+            <a:endParaRPr lang="en-US" sz="2800" dirty="0"/>
+          </a:p>
+          <a:p>
+            <a:pPr marL="342900" indent="-342900">
+              <a:spcBef>
+                <a:spcPts val="1200"/>
+              </a:spcBef>
+              <a:buClr>
+                <a:schemeClr val="accent4">
+                  <a:lumMod val="60000"/>
+                  <a:lumOff val="40000"/>
+                </a:schemeClr>
+              </a:buClr>
+              <a:buSzPct val="75000"/>
+              <a:buFont typeface="Wingdings" pitchFamily="2" charset="2"/>
+              <a:buChar char="n"/>
+            </a:pPr>
+            <a:endParaRPr lang="en-US" sz="2400" dirty="0">
+              <a:solidFill>
+                <a:srgbClr val="0000FF"/>
+              </a:solidFill>
+            </a:endParaRPr>
+          </a:p>
+        </p:txBody>
+      </p:sp>
+      <p:sp>
+        <p:nvSpPr>
+          <p:cNvPr id="6" name="[Date Placeholder 3]"/>
+          <p:cNvSpPr>
+            <a:spLocks noGrp="1"/>
+          </p:cNvSpPr>
+          <p:nvPr>
+            <p:ph type="dt" sz="half" idx="10"/>
+          </p:nvPr>
+        </p:nvSpPr>
+        <p:spPr>
+          <a:xfrm>
+            <a:off x="457200" y="18288"/>
+            <a:ext cx="2895600" cy="329184"/>
+          </a:xfrm>
+        </p:spPr>
+        <p:txBody>
+          <a:bodyPr/>
+          <a:lstStyle/>
+          <a:p>
+            <a:pPr>
+              <a:defRPr/>
+            </a:pPr>
+            <a:r>
+              <a:rPr lang="en-US" dirty="0"/>
+              <a:t>© NUS</a:t>
+            </a:r>
+          </a:p>
+        </p:txBody>
+      </p:sp>
+      <p:grpSp>
+        <p:nvGrpSpPr>
+          <p:cNvPr id="7" name="Group 14"/>
+          <p:cNvGrpSpPr>
+            <a:grpSpLocks/>
+          </p:cNvGrpSpPr>
+          <p:nvPr/>
+        </p:nvGrpSpPr>
+        <p:grpSpPr bwMode="auto">
+          <a:xfrm>
+            <a:off x="7303037" y="1171575"/>
+            <a:ext cx="1498349" cy="5515563"/>
+            <a:chOff x="6349066" y="1359412"/>
+            <a:chExt cx="1499091" cy="5515978"/>
+          </a:xfrm>
+        </p:grpSpPr>
+        <p:pic>
+          <p:nvPicPr>
+            <p:cNvPr id="8" name="Picture 6"/>
+            <p:cNvPicPr>
+              <a:picLocks noChangeAspect="1" noChangeArrowheads="1"/>
+            </p:cNvPicPr>
+            <p:nvPr/>
+          </p:nvPicPr>
+          <p:blipFill>
+            <a:blip r:embed="rId3" cstate="print"/>
+            <a:srcRect/>
+            <a:stretch>
+              <a:fillRect/>
+            </a:stretch>
+          </p:blipFill>
+          <p:spPr bwMode="auto">
+            <a:xfrm>
+              <a:off x="6351709" y="1412510"/>
+              <a:ext cx="664111" cy="1722737"/>
+            </a:xfrm>
+            <a:prstGeom prst="rect">
+              <a:avLst/>
+            </a:prstGeom>
+            <a:noFill/>
+            <a:ln w="9525">
+              <a:noFill/>
+              <a:miter lim="800000"/>
+              <a:headEnd/>
+              <a:tailEnd/>
+            </a:ln>
+          </p:spPr>
+        </p:pic>
+        <p:pic>
+          <p:nvPicPr>
+            <p:cNvPr id="9" name="Picture 8"/>
+            <p:cNvPicPr>
+              <a:picLocks noChangeAspect="1" noChangeArrowheads="1"/>
+            </p:cNvPicPr>
+            <p:nvPr/>
+          </p:nvPicPr>
+          <p:blipFill>
+            <a:blip r:embed="rId4" cstate="print"/>
+            <a:srcRect/>
+            <a:stretch>
+              <a:fillRect/>
+            </a:stretch>
+          </p:blipFill>
+          <p:spPr bwMode="auto">
+            <a:xfrm>
+              <a:off x="6349066" y="3154299"/>
+              <a:ext cx="666754" cy="1785508"/>
+            </a:xfrm>
+            <a:prstGeom prst="rect">
+              <a:avLst/>
+            </a:prstGeom>
+            <a:noFill/>
+            <a:ln w="9525">
+              <a:noFill/>
+              <a:miter lim="800000"/>
+              <a:headEnd/>
+              <a:tailEnd/>
+            </a:ln>
+          </p:spPr>
+        </p:pic>
+        <p:pic>
+          <p:nvPicPr>
+            <p:cNvPr id="11" name="Picture 9"/>
+            <p:cNvPicPr>
+              <a:picLocks noChangeAspect="1" noChangeArrowheads="1"/>
+            </p:cNvPicPr>
+            <p:nvPr/>
+          </p:nvPicPr>
+          <p:blipFill>
+            <a:blip r:embed="rId5" cstate="print"/>
+            <a:srcRect/>
+            <a:stretch>
+              <a:fillRect/>
+            </a:stretch>
+          </p:blipFill>
+          <p:spPr bwMode="auto">
+            <a:xfrm>
+              <a:off x="6351704" y="4964528"/>
+              <a:ext cx="664116" cy="1910862"/>
+            </a:xfrm>
+            <a:prstGeom prst="rect">
+              <a:avLst/>
+            </a:prstGeom>
+            <a:noFill/>
+            <a:ln w="9525">
+              <a:noFill/>
+              <a:miter lim="800000"/>
+              <a:headEnd/>
+              <a:tailEnd/>
+            </a:ln>
+          </p:spPr>
+        </p:pic>
+        <p:sp>
+          <p:nvSpPr>
+            <p:cNvPr id="12" name="TextBox 11"/>
+            <p:cNvSpPr txBox="1">
+              <a:spLocks noChangeArrowheads="1"/>
+            </p:cNvSpPr>
+            <p:nvPr/>
+          </p:nvSpPr>
+          <p:spPr bwMode="auto">
+            <a:xfrm>
+              <a:off x="6942259" y="1359412"/>
+              <a:ext cx="820615" cy="338554"/>
+            </a:xfrm>
+            <a:prstGeom prst="rect">
+              <a:avLst/>
+            </a:prstGeom>
+            <a:noFill/>
+            <a:ln w="9525">
+              <a:noFill/>
+              <a:miter lim="800000"/>
+              <a:headEnd/>
+              <a:tailEnd/>
+            </a:ln>
+          </p:spPr>
+          <p:txBody>
+            <a:bodyPr>
+              <a:spAutoFit/>
+            </a:bodyPr>
+            <a:lstStyle/>
+            <a:p>
+              <a:pPr algn="ctr"/>
+              <a:r>
+                <a:rPr lang="en-US" sz="1600" i="1" dirty="0"/>
+                <a:t>rocket</a:t>
+              </a:r>
+              <a:endParaRPr lang="en-SG" sz="1600" i="1" dirty="0"/>
+            </a:p>
+          </p:txBody>
+        </p:sp>
+        <p:sp>
+          <p:nvSpPr>
+            <p:cNvPr id="13" name="TextBox 12"/>
+            <p:cNvSpPr txBox="1">
+              <a:spLocks noChangeArrowheads="1"/>
+            </p:cNvSpPr>
+            <p:nvPr/>
+          </p:nvSpPr>
+          <p:spPr bwMode="auto">
+            <a:xfrm>
+              <a:off x="6883643" y="3101143"/>
+              <a:ext cx="879231" cy="338554"/>
+            </a:xfrm>
+            <a:prstGeom prst="rect">
+              <a:avLst/>
+            </a:prstGeom>
+            <a:noFill/>
+            <a:ln w="9525">
+              <a:noFill/>
+              <a:miter lim="800000"/>
+              <a:headEnd/>
+              <a:tailEnd/>
+            </a:ln>
+          </p:spPr>
+          <p:txBody>
+            <a:bodyPr>
+              <a:spAutoFit/>
+            </a:bodyPr>
+            <a:lstStyle/>
+            <a:p>
+              <a:pPr algn="ctr"/>
+              <a:r>
+                <a:rPr lang="en-US" sz="1600" i="1" dirty="0"/>
+                <a:t>male</a:t>
+              </a:r>
+              <a:endParaRPr lang="en-SG" sz="1600" i="1" dirty="0"/>
+            </a:p>
+          </p:txBody>
+        </p:sp>
+        <p:sp>
+          <p:nvSpPr>
+            <p:cNvPr id="14" name="TextBox 13"/>
+            <p:cNvSpPr txBox="1">
+              <a:spLocks noChangeArrowheads="1"/>
+            </p:cNvSpPr>
+            <p:nvPr/>
+          </p:nvSpPr>
+          <p:spPr bwMode="auto">
+            <a:xfrm>
+              <a:off x="7015820" y="4915228"/>
+              <a:ext cx="832337" cy="338554"/>
+            </a:xfrm>
+            <a:prstGeom prst="rect">
+              <a:avLst/>
+            </a:prstGeom>
+            <a:noFill/>
+            <a:ln w="9525">
+              <a:noFill/>
+              <a:miter lim="800000"/>
+              <a:headEnd/>
+              <a:tailEnd/>
+            </a:ln>
+          </p:spPr>
+          <p:txBody>
+            <a:bodyPr>
+              <a:spAutoFit/>
+            </a:bodyPr>
+            <a:lstStyle/>
+            <a:p>
+              <a:pPr algn="ctr"/>
+              <a:r>
+                <a:rPr lang="en-US" sz="1600" i="1" dirty="0"/>
+                <a:t>female</a:t>
+              </a:r>
+              <a:endParaRPr lang="en-SG" sz="1600" i="1" dirty="0"/>
+            </a:p>
+          </p:txBody>
+        </p:sp>
+      </p:grpSp>
+      <p:sp>
+        <p:nvSpPr>
+          <p:cNvPr id="15" name="Rectangle 3"/>
+          <p:cNvSpPr txBox="1">
+            <a:spLocks noChangeArrowheads="1"/>
+          </p:cNvSpPr>
+          <p:nvPr/>
+        </p:nvSpPr>
+        <p:spPr bwMode="auto">
+          <a:xfrm>
+            <a:off x="582209" y="4727125"/>
+            <a:ext cx="5775325" cy="1092199"/>
+          </a:xfrm>
+          <a:prstGeom prst="rect">
+            <a:avLst/>
+          </a:prstGeom>
+          <a:noFill/>
+          <a:ln w="9525">
+            <a:noFill/>
+            <a:miter lim="800000"/>
+            <a:headEnd/>
+            <a:tailEnd/>
+          </a:ln>
+        </p:spPr>
+        <p:txBody>
+          <a:bodyPr/>
+          <a:lstStyle/>
+          <a:p>
+            <a:pPr marL="352425" indent="-352425">
+              <a:spcBef>
+                <a:spcPts val="1200"/>
+              </a:spcBef>
+              <a:buClr>
+                <a:schemeClr val="bg1">
+                  <a:lumMod val="50000"/>
+                </a:schemeClr>
+              </a:buClr>
+              <a:buSzPct val="100000"/>
+              <a:buFont typeface="Wingdings" panose="05000000000000000000" pitchFamily="2" charset="2"/>
+              <a:buChar char="§"/>
+              <a:defRPr/>
+            </a:pPr>
+            <a:endParaRPr lang="en-GB" sz="2000" kern="0" dirty="0">
+              <a:latin typeface="+mn-lt"/>
+              <a:cs typeface="+mn-cs"/>
+            </a:endParaRPr>
+          </a:p>
+        </p:txBody>
+      </p:sp>
+      <p:sp>
+        <p:nvSpPr>
+          <p:cNvPr id="17" name="HighlightTextShape201406241503265130"/>
+          <p:cNvSpPr>
+            <a:spLocks noChangeArrowheads="1"/>
+          </p:cNvSpPr>
+          <p:nvPr/>
+        </p:nvSpPr>
+        <p:spPr bwMode="auto">
+          <a:xfrm>
+            <a:off x="582209" y="4163016"/>
+            <a:ext cx="5957106" cy="1999659"/>
+          </a:xfrm>
+          <a:prstGeom prst="rect">
+            <a:avLst/>
+          </a:prstGeom>
+          <a:noFill/>
+          <a:ln w="9525">
+            <a:noFill/>
+            <a:miter lim="800000"/>
+            <a:headEnd/>
+            <a:tailEnd/>
+          </a:ln>
+        </p:spPr>
+        <p:txBody>
+          <a:bodyPr/>
+          <a:lstStyle/>
+          <a:p>
+            <a:pPr marL="342900" indent="-342900">
+              <a:spcBef>
+                <a:spcPts val="1200"/>
+              </a:spcBef>
+              <a:buClr>
+                <a:schemeClr val="accent4">
+                  <a:lumMod val="60000"/>
+                  <a:lumOff val="40000"/>
+                </a:schemeClr>
+              </a:buClr>
+              <a:buSzPct val="75000"/>
+              <a:buFont typeface="Wingdings" pitchFamily="2" charset="2"/>
+              <a:buChar char="n"/>
+            </a:pPr>
+            <a:r>
+              <a:rPr lang="en-US" sz="2400" dirty="0"/>
+              <a:t>Analysis:</a:t>
+            </a:r>
+          </a:p>
+          <a:p>
+            <a:pPr marL="800100" lvl="1" indent="-342900">
+              <a:spcBef>
+                <a:spcPts val="1200"/>
+              </a:spcBef>
+              <a:buClr>
+                <a:schemeClr val="accent4">
+                  <a:lumMod val="60000"/>
+                  <a:lumOff val="40000"/>
+                </a:schemeClr>
+              </a:buClr>
+              <a:buSzPct val="75000"/>
+              <a:buFont typeface="Wingdings" pitchFamily="2" charset="2"/>
+              <a:buChar char="n"/>
+            </a:pPr>
+            <a:r>
+              <a:rPr lang="en-US" sz="2000" dirty="0"/>
+              <a:t>No particular input / compute needed.</a:t>
+            </a:r>
+          </a:p>
+          <a:p>
+            <a:pPr marL="800100" lvl="1" indent="-342900">
+              <a:spcBef>
+                <a:spcPts val="1200"/>
+              </a:spcBef>
+              <a:buClr>
+                <a:schemeClr val="accent4">
+                  <a:lumMod val="60000"/>
+                  <a:lumOff val="40000"/>
+                </a:schemeClr>
+              </a:buClr>
+              <a:buSzPct val="75000"/>
+              <a:buFont typeface="Wingdings" pitchFamily="2" charset="2"/>
+              <a:buChar char="n"/>
+            </a:pPr>
+            <a:r>
+              <a:rPr lang="en-US" sz="2000" dirty="0"/>
+              <a:t>Just draw the needed 3 figures: 1 magic box for </a:t>
+            </a:r>
+            <a:r>
+              <a:rPr lang="en-US" sz="2000"/>
+              <a:t>each figure.</a:t>
+            </a:r>
+            <a:endParaRPr lang="en-US" sz="2000" dirty="0"/>
+          </a:p>
+          <a:p>
+            <a:pPr marL="800100" lvl="1" indent="-342900">
+              <a:spcBef>
+                <a:spcPts val="1200"/>
+              </a:spcBef>
+              <a:buClr>
+                <a:schemeClr val="accent4">
+                  <a:lumMod val="60000"/>
+                  <a:lumOff val="40000"/>
+                </a:schemeClr>
+              </a:buClr>
+              <a:buSzPct val="75000"/>
+              <a:buFont typeface="Wingdings" pitchFamily="2" charset="2"/>
+              <a:buChar char="n"/>
+            </a:pPr>
+            <a:r>
+              <a:rPr lang="en-US" sz="2000" dirty="0"/>
+              <a:t>There are common shapes shared by the 3 figures: 1 magic box for each shape.</a:t>
+            </a:r>
+          </a:p>
+        </p:txBody>
+      </p:sp>
+    </p:spTree>
+    <p:extLst>
+      <p:ext uri="{BB962C8B-B14F-4D97-AF65-F5344CB8AC3E}">
+        <p14:creationId xmlns:p14="http://schemas.microsoft.com/office/powerpoint/2010/main" val="2442193536"/>
+      </p:ext>
+    </p:extLst>
+  </p:cSld>
+  <p:clrMapOvr>
+    <a:masterClrMapping/>
+  </p:clrMapOvr>
+  <p:transition>
+    <p:fade/>
+  </p:transition>
+  <p:timing>
+    <p:tnLst>
+      <p:par>
+        <p:cTn id="1" dur="indefinite" restart="never" nodeType="tmRoot">
+          <p:childTnLst>
+            <p:seq concurrent="1" nextAc="seek">
+              <p:cTn id="2" dur="indefinite" nodeType="mainSeq">
+                <p:childTnLst>
+                  <p:par>
+                    <p:cTn id="3" fill="hold">
+                      <p:stCondLst>
+                        <p:cond delay="indefinite"/>
+                      </p:stCondLst>
+                      <p:childTnLst>
+                        <p:par>
+                          <p:cTn id="4" fill="hold">
+                            <p:stCondLst>
+                              <p:cond delay="0"/>
+                            </p:stCondLst>
+                            <p:childTnLst>
+                              <p:par>
+                                <p:cTn id="5" presetID="1" presetClass="entr" presetSubtype="0" fill="hold" grpId="0" nodeType="clickEffect">
+                                  <p:stCondLst>
+                                    <p:cond delay="0"/>
+                                  </p:stCondLst>
+                                  <p:childTnLst>
+                                    <p:set>
+                                      <p:cBhvr>
+                                        <p:cTn id="6" dur="1" fill="hold">
+                                          <p:stCondLst>
+                                            <p:cond delay="0"/>
+                                          </p:stCondLst>
+                                        </p:cTn>
+                                        <p:tgtEl>
+                                          <p:spTgt spid="17"/>
+                                        </p:tgtEl>
+                                        <p:attrNameLst>
+                                          <p:attrName>style.visibility</p:attrName>
+                                        </p:attrNameLst>
+                                      </p:cBhvr>
+                                      <p:to>
+                                        <p:strVal val="visible"/>
+                                      </p:to>
+                                    </p:set>
+                                  </p:childTnLst>
+                                </p:cTn>
+                              </p:par>
+                            </p:childTnLst>
+                          </p:cTn>
+                        </p:par>
+                      </p:childTnLst>
+                    </p:cTn>
+                  </p:par>
+                </p:childTnLst>
+              </p:cTn>
+              <p:prevCondLst>
+                <p:cond evt="onPrev" delay="0">
+                  <p:tgtEl>
+                    <p:sldTgt/>
+                  </p:tgtEl>
+                </p:cond>
+              </p:prevCondLst>
+              <p:nextCondLst>
+                <p:cond evt="onNext" delay="0">
+                  <p:tgtEl>
+                    <p:sldTgt/>
+                  </p:tgtEl>
+                </p:cond>
+              </p:nextCondLst>
+            </p:seq>
+          </p:childTnLst>
+        </p:cTn>
+      </p:par>
+    </p:tnLst>
+    <p:bldLst>
+      <p:bldP spid="17" grpId="0"/>
+    </p:bldLst>
+  </p:timing>
+</p:sld>
+</file>
+
+<file path=ppt/slides/slide15.xml><?xml version="1.0" encoding="utf-8"?>
+<p:sld xmlns:a="http://schemas.openxmlformats.org/drawingml/2006/main" xmlns:r="http://schemas.openxmlformats.org/officeDocument/2006/relationships" xmlns:p="http://schemas.openxmlformats.org/presentationml/2006/main">
+  <p:cSld>
+    <p:spTree>
+      <p:nvGrpSpPr>
+        <p:cNvPr id="1" name=""/>
+        <p:cNvGrpSpPr/>
+        <p:nvPr/>
+      </p:nvGrpSpPr>
+      <p:grpSpPr>
+        <a:xfrm>
+          <a:off x="0" y="0"/>
+          <a:ext cx="0" cy="0"/>
+          <a:chOff x="0" y="0"/>
+          <a:chExt cx="0" cy="0"/>
+        </a:xfrm>
+      </p:grpSpPr>
+      <p:sp>
+        <p:nvSpPr>
+          <p:cNvPr id="24578" name="Rectangle 2"/>
+          <p:cNvSpPr>
+            <a:spLocks noGrp="1" noChangeArrowheads="1"/>
+          </p:cNvSpPr>
+          <p:nvPr>
+            <p:ph type="title"/>
+          </p:nvPr>
+        </p:nvSpPr>
+        <p:spPr>
+          <a:xfrm>
+            <a:off x="533400" y="457200"/>
+            <a:ext cx="8153400" cy="685800"/>
+          </a:xfrm>
+        </p:spPr>
+        <p:txBody>
+          <a:bodyPr>
+            <a:normAutofit fontScale="90000"/>
+          </a:bodyPr>
+          <a:lstStyle/>
+          <a:p>
+            <a:r>
+              <a:rPr lang="en-GB" dirty="0">
+                <a:solidFill>
+                  <a:srgbClr val="0000FF"/>
+                </a:solidFill>
+              </a:rPr>
+              <a:t>Ex #1: A Simple “Drawing” Problem</a:t>
+            </a:r>
+          </a:p>
+        </p:txBody>
+      </p:sp>
+      <p:sp>
+        <p:nvSpPr>
+          <p:cNvPr id="24582" name="Footer Placeholder 41"/>
+          <p:cNvSpPr>
+            <a:spLocks noGrp="1"/>
+          </p:cNvSpPr>
+          <p:nvPr>
+            <p:ph type="ftr" sz="quarter" idx="11"/>
+          </p:nvPr>
+        </p:nvSpPr>
+        <p:spPr>
+          <a:noFill/>
+        </p:spPr>
+        <p:txBody>
+          <a:bodyPr/>
+          <a:lstStyle/>
+          <a:p>
+            <a:pPr algn="l"/>
+            <a:endParaRPr lang="en-US" dirty="0"/>
+          </a:p>
+        </p:txBody>
+      </p:sp>
+      <p:sp>
+        <p:nvSpPr>
+          <p:cNvPr id="43" name="Slide Number Placeholder 42"/>
+          <p:cNvSpPr>
+            <a:spLocks noGrp="1"/>
+          </p:cNvSpPr>
+          <p:nvPr>
+            <p:ph type="sldNum" sz="quarter" idx="12"/>
+          </p:nvPr>
+        </p:nvSpPr>
+        <p:spPr/>
+        <p:txBody>
+          <a:bodyPr>
+            <a:normAutofit/>
+          </a:bodyPr>
+          <a:lstStyle/>
+          <a:p>
+            <a:pPr>
+              <a:defRPr/>
+            </a:pPr>
+            <a:r>
+              <a:rPr lang="en-US" dirty="0"/>
+              <a:t>Unit3</a:t>
+            </a:r>
+            <a:r>
+              <a:rPr dirty="0"/>
+              <a:t> - </a:t>
+            </a:r>
+            <a:fld id="{628B8346-B709-406B-887E-3E0CC6DA1327}" type="slidenum">
+              <a:rPr smtClean="0"/>
+              <a:pPr>
+                <a:defRPr/>
+              </a:pPr>
+              <a:t>15</a:t>
+            </a:fld>
+            <a:endParaRPr dirty="0"/>
+          </a:p>
+        </p:txBody>
+      </p:sp>
+      <p:sp>
+        <p:nvSpPr>
+          <p:cNvPr id="6" name="[Date Placeholder 3]"/>
+          <p:cNvSpPr>
+            <a:spLocks noGrp="1"/>
+          </p:cNvSpPr>
+          <p:nvPr>
+            <p:ph type="dt" sz="half" idx="10"/>
+          </p:nvPr>
+        </p:nvSpPr>
+        <p:spPr>
+          <a:xfrm>
+            <a:off x="457200" y="18288"/>
+            <a:ext cx="2895600" cy="329184"/>
+          </a:xfrm>
+        </p:spPr>
+        <p:txBody>
+          <a:bodyPr/>
+          <a:lstStyle/>
+          <a:p>
+            <a:pPr>
+              <a:defRPr/>
+            </a:pPr>
+            <a:r>
+              <a:rPr lang="en-US" dirty="0"/>
+              <a:t>© NUS</a:t>
+            </a:r>
+          </a:p>
+        </p:txBody>
+      </p:sp>
+      <p:sp>
+        <p:nvSpPr>
+          <p:cNvPr id="15" name="Rectangle 3"/>
+          <p:cNvSpPr txBox="1">
+            <a:spLocks noChangeArrowheads="1"/>
+          </p:cNvSpPr>
+          <p:nvPr/>
+        </p:nvSpPr>
+        <p:spPr bwMode="auto">
+          <a:xfrm>
+            <a:off x="582209" y="4816025"/>
+            <a:ext cx="5775325" cy="1092199"/>
+          </a:xfrm>
+          <a:prstGeom prst="rect">
+            <a:avLst/>
+          </a:prstGeom>
+          <a:noFill/>
+          <a:ln w="9525">
+            <a:noFill/>
+            <a:miter lim="800000"/>
+            <a:headEnd/>
+            <a:tailEnd/>
+          </a:ln>
+        </p:spPr>
+        <p:txBody>
+          <a:bodyPr/>
+          <a:lstStyle/>
+          <a:p>
+            <a:pPr marL="352425" indent="-352425">
+              <a:spcBef>
+                <a:spcPts val="1200"/>
+              </a:spcBef>
+              <a:buClr>
+                <a:schemeClr val="bg1">
+                  <a:lumMod val="50000"/>
+                </a:schemeClr>
+              </a:buClr>
+              <a:buSzPct val="100000"/>
+              <a:buFont typeface="Wingdings" panose="05000000000000000000" pitchFamily="2" charset="2"/>
+              <a:buChar char="§"/>
+              <a:defRPr/>
+            </a:pPr>
+            <a:endParaRPr lang="en-GB" sz="2000" kern="0" dirty="0">
+              <a:latin typeface="+mn-lt"/>
+              <a:cs typeface="+mn-cs"/>
+            </a:endParaRPr>
+          </a:p>
+        </p:txBody>
+      </p:sp>
+      <p:sp>
+        <p:nvSpPr>
+          <p:cNvPr id="18" name="HighlightTextShape201406241503265130"/>
+          <p:cNvSpPr>
+            <a:spLocks noChangeArrowheads="1"/>
+          </p:cNvSpPr>
+          <p:nvPr/>
+        </p:nvSpPr>
+        <p:spPr bwMode="auto">
+          <a:xfrm>
+            <a:off x="491319" y="1219200"/>
+            <a:ext cx="5957106" cy="2438400"/>
+          </a:xfrm>
+          <a:prstGeom prst="rect">
+            <a:avLst/>
+          </a:prstGeom>
+          <a:noFill/>
+          <a:ln w="9525">
+            <a:noFill/>
+            <a:miter lim="800000"/>
+            <a:headEnd/>
+            <a:tailEnd/>
+          </a:ln>
+        </p:spPr>
+        <p:txBody>
+          <a:bodyPr/>
+          <a:lstStyle/>
+          <a:p>
+            <a:pPr marL="342900" indent="-342900">
+              <a:spcBef>
+                <a:spcPts val="1200"/>
+              </a:spcBef>
+              <a:buClr>
+                <a:schemeClr val="accent4">
+                  <a:lumMod val="60000"/>
+                  <a:lumOff val="40000"/>
+                </a:schemeClr>
+              </a:buClr>
+              <a:buSzPct val="75000"/>
+              <a:buFont typeface="Wingdings" pitchFamily="2" charset="2"/>
+              <a:buChar char="n"/>
+            </a:pPr>
+            <a:r>
+              <a:rPr lang="en-US" sz="2400" dirty="0"/>
+              <a:t>Problem: Draw</a:t>
+            </a:r>
+          </a:p>
+          <a:p>
+            <a:pPr marL="800100" lvl="1" indent="-342900">
+              <a:spcBef>
+                <a:spcPts val="1200"/>
+              </a:spcBef>
+              <a:buClr>
+                <a:schemeClr val="accent4">
+                  <a:lumMod val="60000"/>
+                  <a:lumOff val="40000"/>
+                </a:schemeClr>
+              </a:buClr>
+              <a:buSzPct val="75000"/>
+              <a:buFont typeface="Wingdings" pitchFamily="2" charset="2"/>
+              <a:buChar char="n"/>
+            </a:pPr>
+            <a:r>
+              <a:rPr lang="en-US" sz="2000" b="1" dirty="0"/>
+              <a:t>a rocket ship </a:t>
+            </a:r>
+            <a:r>
+              <a:rPr lang="en-US" sz="2000" dirty="0"/>
+              <a:t>(which is a triangle over a rectangle over an inverted V), </a:t>
+            </a:r>
+          </a:p>
+          <a:p>
+            <a:pPr marL="800100" lvl="1" indent="-342900">
+              <a:spcBef>
+                <a:spcPts val="1200"/>
+              </a:spcBef>
+              <a:buClr>
+                <a:schemeClr val="accent4">
+                  <a:lumMod val="60000"/>
+                  <a:lumOff val="40000"/>
+                </a:schemeClr>
+              </a:buClr>
+              <a:buSzPct val="75000"/>
+              <a:buFont typeface="Wingdings" pitchFamily="2" charset="2"/>
+              <a:buChar char="n"/>
+            </a:pPr>
+            <a:r>
+              <a:rPr lang="en-US" sz="2000" b="1" dirty="0"/>
+              <a:t>a male stick figure </a:t>
+            </a:r>
+            <a:r>
+              <a:rPr lang="en-US" sz="2000" dirty="0"/>
+              <a:t>(a circle over a rectangle over an inverted V), and </a:t>
+            </a:r>
+          </a:p>
+          <a:p>
+            <a:pPr marL="800100" lvl="1" indent="-342900">
+              <a:spcBef>
+                <a:spcPts val="1200"/>
+              </a:spcBef>
+              <a:buClr>
+                <a:schemeClr val="accent4">
+                  <a:lumMod val="60000"/>
+                  <a:lumOff val="40000"/>
+                </a:schemeClr>
+              </a:buClr>
+              <a:buSzPct val="75000"/>
+              <a:buFont typeface="Wingdings" pitchFamily="2" charset="2"/>
+              <a:buChar char="n"/>
+            </a:pPr>
+            <a:r>
+              <a:rPr lang="en-US" sz="2000" b="1" dirty="0"/>
+              <a:t>a female stick figure </a:t>
+            </a:r>
+            <a:r>
+              <a:rPr lang="en-US" sz="2000" dirty="0"/>
+              <a:t>(a circle over a triangle over an inverted V)</a:t>
+            </a:r>
+          </a:p>
+          <a:p>
+            <a:pPr marL="800100" lvl="1" indent="-342900">
+              <a:spcBef>
+                <a:spcPts val="1200"/>
+              </a:spcBef>
+              <a:buClr>
+                <a:schemeClr val="accent4">
+                  <a:lumMod val="60000"/>
+                  <a:lumOff val="40000"/>
+                </a:schemeClr>
+              </a:buClr>
+              <a:buSzPct val="75000"/>
+              <a:buFont typeface="Wingdings" pitchFamily="2" charset="2"/>
+              <a:buChar char="n"/>
+            </a:pPr>
+            <a:endParaRPr lang="en-US" sz="2000" dirty="0"/>
+          </a:p>
+          <a:p>
+            <a:pPr>
+              <a:spcBef>
+                <a:spcPts val="1200"/>
+              </a:spcBef>
+              <a:buClr>
+                <a:schemeClr val="accent4">
+                  <a:lumMod val="60000"/>
+                  <a:lumOff val="40000"/>
+                </a:schemeClr>
+              </a:buClr>
+              <a:buSzPct val="75000"/>
+            </a:pPr>
+            <a:endParaRPr lang="en-US" sz="2400" dirty="0"/>
+          </a:p>
+          <a:p>
+            <a:pPr marL="342900" indent="-342900">
+              <a:spcBef>
+                <a:spcPts val="1200"/>
+              </a:spcBef>
+              <a:buClr>
+                <a:schemeClr val="accent4">
+                  <a:lumMod val="60000"/>
+                  <a:lumOff val="40000"/>
+                </a:schemeClr>
+              </a:buClr>
+              <a:buSzPct val="75000"/>
+              <a:buFont typeface="Wingdings" pitchFamily="2" charset="2"/>
+              <a:buChar char="n"/>
+            </a:pPr>
+            <a:endParaRPr lang="en-US" sz="2400" dirty="0">
+              <a:solidFill>
+                <a:srgbClr val="0000FF"/>
+              </a:solidFill>
+            </a:endParaRPr>
+          </a:p>
+        </p:txBody>
+      </p:sp>
+      <p:sp>
+        <p:nvSpPr>
+          <p:cNvPr id="19" name="HighlightTextShape201406241503265130"/>
+          <p:cNvSpPr>
+            <a:spLocks noChangeArrowheads="1"/>
+          </p:cNvSpPr>
+          <p:nvPr/>
+        </p:nvSpPr>
+        <p:spPr bwMode="auto">
+          <a:xfrm>
+            <a:off x="580219" y="4159183"/>
+            <a:ext cx="5957106" cy="2438400"/>
+          </a:xfrm>
+          <a:prstGeom prst="rect">
+            <a:avLst/>
+          </a:prstGeom>
+          <a:noFill/>
+          <a:ln w="9525">
+            <a:noFill/>
+            <a:miter lim="800000"/>
+            <a:headEnd/>
+            <a:tailEnd/>
+          </a:ln>
+        </p:spPr>
+        <p:txBody>
+          <a:bodyPr/>
+          <a:lstStyle/>
+          <a:p>
+            <a:pPr marL="342900" indent="-342900">
+              <a:spcBef>
+                <a:spcPts val="1200"/>
+              </a:spcBef>
+              <a:buClr>
+                <a:schemeClr val="accent4">
+                  <a:lumMod val="60000"/>
+                  <a:lumOff val="40000"/>
+                </a:schemeClr>
+              </a:buClr>
+              <a:buSzPct val="75000"/>
+              <a:buFont typeface="Wingdings" pitchFamily="2" charset="2"/>
+              <a:buChar char="n"/>
+            </a:pPr>
+            <a:r>
+              <a:rPr lang="en-US" sz="2400" dirty="0"/>
+              <a:t>Design:</a:t>
+            </a:r>
+          </a:p>
+          <a:p>
+            <a:pPr marL="342900" indent="-342900">
+              <a:spcBef>
+                <a:spcPts val="1200"/>
+              </a:spcBef>
+              <a:buClr>
+                <a:schemeClr val="accent4">
+                  <a:lumMod val="60000"/>
+                  <a:lumOff val="40000"/>
+                </a:schemeClr>
+              </a:buClr>
+              <a:buSzPct val="75000"/>
+              <a:buFont typeface="Wingdings" pitchFamily="2" charset="2"/>
+              <a:buChar char="n"/>
+            </a:pPr>
+            <a:endParaRPr lang="en-US" sz="2400" dirty="0">
+              <a:solidFill>
+                <a:srgbClr val="0000FF"/>
+              </a:solidFill>
+            </a:endParaRPr>
+          </a:p>
+        </p:txBody>
+      </p:sp>
+      <p:grpSp>
+        <p:nvGrpSpPr>
+          <p:cNvPr id="20" name="Group 14"/>
+          <p:cNvGrpSpPr>
+            <a:grpSpLocks/>
+          </p:cNvGrpSpPr>
+          <p:nvPr/>
+        </p:nvGrpSpPr>
+        <p:grpSpPr bwMode="auto">
+          <a:xfrm>
+            <a:off x="7508056" y="1157478"/>
+            <a:ext cx="1302562" cy="3929462"/>
+            <a:chOff x="6349066" y="1330834"/>
+            <a:chExt cx="1841533" cy="5553048"/>
+          </a:xfrm>
+        </p:grpSpPr>
+        <p:pic>
+          <p:nvPicPr>
+            <p:cNvPr id="21" name="Picture 6"/>
+            <p:cNvPicPr>
+              <a:picLocks noChangeAspect="1" noChangeArrowheads="1"/>
+            </p:cNvPicPr>
+            <p:nvPr/>
+          </p:nvPicPr>
+          <p:blipFill>
+            <a:blip r:embed="rId3" cstate="print"/>
+            <a:srcRect/>
+            <a:stretch>
+              <a:fillRect/>
+            </a:stretch>
+          </p:blipFill>
+          <p:spPr bwMode="auto">
+            <a:xfrm>
+              <a:off x="6351709" y="1412510"/>
+              <a:ext cx="664111" cy="1722737"/>
+            </a:xfrm>
+            <a:prstGeom prst="rect">
+              <a:avLst/>
+            </a:prstGeom>
+            <a:noFill/>
+            <a:ln w="9525">
+              <a:noFill/>
+              <a:miter lim="800000"/>
+              <a:headEnd/>
+              <a:tailEnd/>
+            </a:ln>
+          </p:spPr>
+        </p:pic>
+        <p:pic>
+          <p:nvPicPr>
+            <p:cNvPr id="22" name="Picture 21"/>
+            <p:cNvPicPr>
+              <a:picLocks noChangeAspect="1" noChangeArrowheads="1"/>
+            </p:cNvPicPr>
+            <p:nvPr/>
+          </p:nvPicPr>
+          <p:blipFill>
+            <a:blip r:embed="rId4" cstate="print"/>
+            <a:srcRect/>
+            <a:stretch>
+              <a:fillRect/>
+            </a:stretch>
+          </p:blipFill>
+          <p:spPr bwMode="auto">
+            <a:xfrm>
+              <a:off x="6349066" y="3164447"/>
+              <a:ext cx="666754" cy="1785509"/>
+            </a:xfrm>
+            <a:prstGeom prst="rect">
+              <a:avLst/>
+            </a:prstGeom>
+            <a:noFill/>
+            <a:ln w="9525">
+              <a:noFill/>
+              <a:miter lim="800000"/>
+              <a:headEnd/>
+              <a:tailEnd/>
+            </a:ln>
+          </p:spPr>
+        </p:pic>
+        <p:pic>
+          <p:nvPicPr>
+            <p:cNvPr id="23" name="Picture 9"/>
+            <p:cNvPicPr>
+              <a:picLocks noChangeAspect="1" noChangeArrowheads="1"/>
+            </p:cNvPicPr>
+            <p:nvPr/>
+          </p:nvPicPr>
+          <p:blipFill>
+            <a:blip r:embed="rId5" cstate="print"/>
+            <a:srcRect/>
+            <a:stretch>
+              <a:fillRect/>
+            </a:stretch>
+          </p:blipFill>
+          <p:spPr bwMode="auto">
+            <a:xfrm>
+              <a:off x="6351704" y="4973020"/>
+              <a:ext cx="664116" cy="1910862"/>
+            </a:xfrm>
+            <a:prstGeom prst="rect">
+              <a:avLst/>
+            </a:prstGeom>
+            <a:noFill/>
+            <a:ln w="9525">
+              <a:noFill/>
+              <a:miter lim="800000"/>
+              <a:headEnd/>
+              <a:tailEnd/>
+            </a:ln>
+          </p:spPr>
+        </p:pic>
+        <p:sp>
+          <p:nvSpPr>
+            <p:cNvPr id="24" name="TextBox 23"/>
+            <p:cNvSpPr txBox="1">
+              <a:spLocks noChangeArrowheads="1"/>
+            </p:cNvSpPr>
+            <p:nvPr/>
+          </p:nvSpPr>
+          <p:spPr bwMode="auto">
+            <a:xfrm>
+              <a:off x="6942257" y="1330834"/>
+              <a:ext cx="1181011" cy="478439"/>
+            </a:xfrm>
+            <a:prstGeom prst="rect">
+              <a:avLst/>
+            </a:prstGeom>
+            <a:noFill/>
+            <a:ln w="9525">
+              <a:noFill/>
+              <a:miter lim="800000"/>
+              <a:headEnd/>
+              <a:tailEnd/>
+            </a:ln>
+          </p:spPr>
+          <p:txBody>
+            <a:bodyPr wrap="square">
+              <a:spAutoFit/>
+            </a:bodyPr>
+            <a:lstStyle/>
+            <a:p>
+              <a:pPr algn="ctr"/>
+              <a:r>
+                <a:rPr lang="en-US" sz="1600" i="1" dirty="0"/>
+                <a:t>rocket</a:t>
+              </a:r>
+              <a:endParaRPr lang="en-SG" sz="1600" i="1" dirty="0"/>
+            </a:p>
+          </p:txBody>
+        </p:sp>
+        <p:sp>
+          <p:nvSpPr>
+            <p:cNvPr id="25" name="TextBox 24"/>
+            <p:cNvSpPr txBox="1">
+              <a:spLocks noChangeArrowheads="1"/>
+            </p:cNvSpPr>
+            <p:nvPr/>
+          </p:nvSpPr>
+          <p:spPr bwMode="auto">
+            <a:xfrm>
+              <a:off x="6950973" y="3167824"/>
+              <a:ext cx="997353" cy="478439"/>
+            </a:xfrm>
+            <a:prstGeom prst="rect">
+              <a:avLst/>
+            </a:prstGeom>
+            <a:noFill/>
+            <a:ln w="9525">
+              <a:noFill/>
+              <a:miter lim="800000"/>
+              <a:headEnd/>
+              <a:tailEnd/>
+            </a:ln>
+          </p:spPr>
+          <p:txBody>
+            <a:bodyPr wrap="square">
+              <a:spAutoFit/>
+            </a:bodyPr>
+            <a:lstStyle/>
+            <a:p>
+              <a:pPr algn="ctr"/>
+              <a:r>
+                <a:rPr lang="en-US" sz="1600" i="1" dirty="0"/>
+                <a:t>male</a:t>
+              </a:r>
+              <a:endParaRPr lang="en-SG" sz="1600" i="1" dirty="0"/>
+            </a:p>
+          </p:txBody>
+        </p:sp>
+        <p:sp>
+          <p:nvSpPr>
+            <p:cNvPr id="26" name="TextBox 25"/>
+            <p:cNvSpPr txBox="1">
+              <a:spLocks noChangeArrowheads="1"/>
+            </p:cNvSpPr>
+            <p:nvPr/>
+          </p:nvSpPr>
+          <p:spPr bwMode="auto">
+            <a:xfrm>
+              <a:off x="6961955" y="4915229"/>
+              <a:ext cx="1228644" cy="478439"/>
+            </a:xfrm>
+            <a:prstGeom prst="rect">
+              <a:avLst/>
+            </a:prstGeom>
+            <a:noFill/>
+            <a:ln w="9525">
+              <a:noFill/>
+              <a:miter lim="800000"/>
+              <a:headEnd/>
+              <a:tailEnd/>
+            </a:ln>
+          </p:spPr>
+          <p:txBody>
+            <a:bodyPr wrap="square">
+              <a:spAutoFit/>
+            </a:bodyPr>
+            <a:lstStyle/>
+            <a:p>
+              <a:pPr algn="ctr"/>
+              <a:r>
+                <a:rPr lang="en-US" sz="1600" i="1" dirty="0"/>
+                <a:t>female</a:t>
+              </a:r>
+              <a:endParaRPr lang="en-SG" sz="1600" i="1" dirty="0"/>
+            </a:p>
+          </p:txBody>
+        </p:sp>
+      </p:grpSp>
+      <p:sp>
+        <p:nvSpPr>
+          <p:cNvPr id="37" name="Freeform 36"/>
+          <p:cNvSpPr/>
+          <p:nvPr/>
+        </p:nvSpPr>
+        <p:spPr>
+          <a:xfrm>
+            <a:off x="4312673" y="4830732"/>
+            <a:ext cx="795679" cy="397839"/>
+          </a:xfrm>
+          <a:custGeom>
+            <a:avLst/>
+            <a:gdLst>
+              <a:gd name="connsiteX0" fmla="*/ 0 w 795679"/>
+              <a:gd name="connsiteY0" fmla="*/ 0 h 397839"/>
+              <a:gd name="connsiteX1" fmla="*/ 795679 w 795679"/>
+              <a:gd name="connsiteY1" fmla="*/ 0 h 397839"/>
+              <a:gd name="connsiteX2" fmla="*/ 795679 w 795679"/>
+              <a:gd name="connsiteY2" fmla="*/ 397839 h 397839"/>
+              <a:gd name="connsiteX3" fmla="*/ 0 w 795679"/>
+              <a:gd name="connsiteY3" fmla="*/ 397839 h 397839"/>
+              <a:gd name="connsiteX4" fmla="*/ 0 w 795679"/>
+              <a:gd name="connsiteY4" fmla="*/ 0 h 397839"/>
+            </a:gdLst>
+            <a:ahLst/>
+            <a:cxnLst>
+              <a:cxn ang="0">
+                <a:pos x="connsiteX0" y="connsiteY0"/>
+              </a:cxn>
+              <a:cxn ang="0">
+                <a:pos x="connsiteX1" y="connsiteY1"/>
+              </a:cxn>
+              <a:cxn ang="0">
+                <a:pos x="connsiteX2" y="connsiteY2"/>
+              </a:cxn>
+              <a:cxn ang="0">
+                <a:pos x="connsiteX3" y="connsiteY3"/>
+              </a:cxn>
+              <a:cxn ang="0">
+                <a:pos x="connsiteX4" y="connsiteY4"/>
+              </a:cxn>
+            </a:cxnLst>
+            <a:rect l="l" t="t" r="r" b="b"/>
+            <a:pathLst>
+              <a:path w="795679" h="397839">
+                <a:moveTo>
+                  <a:pt x="0" y="0"/>
+                </a:moveTo>
+                <a:lnTo>
+                  <a:pt x="795679" y="0"/>
+                </a:lnTo>
+                <a:lnTo>
+                  <a:pt x="795679" y="397839"/>
+                </a:lnTo>
+                <a:lnTo>
+                  <a:pt x="0" y="397839"/>
+                </a:lnTo>
+                <a:lnTo>
+                  <a:pt x="0" y="0"/>
+                </a:lnTo>
+                <a:close/>
+              </a:path>
+            </a:pathLst>
+          </a:custGeom>
+          <a:scene3d>
+            <a:camera prst="orthographicFront"/>
+            <a:lightRig rig="flat" dir="t"/>
+          </a:scene3d>
+          <a:sp3d prstMaterial="dkEdge">
+            <a:bevelT w="8200" h="38100"/>
+          </a:sp3d>
+        </p:spPr>
+        <p:style>
+          <a:lnRef idx="0">
+            <a:schemeClr val="lt1">
+              <a:hueOff val="0"/>
+              <a:satOff val="0"/>
+              <a:lumOff val="0"/>
+              <a:alphaOff val="0"/>
+            </a:schemeClr>
+          </a:lnRef>
+          <a:fillRef idx="2">
+            <a:schemeClr val="accent1">
+              <a:hueOff val="0"/>
+              <a:satOff val="0"/>
+              <a:lumOff val="0"/>
+              <a:alphaOff val="0"/>
+            </a:schemeClr>
+          </a:fillRef>
+          <a:effectRef idx="1">
+            <a:schemeClr val="accent1">
+              <a:hueOff val="0"/>
+              <a:satOff val="0"/>
+              <a:lumOff val="0"/>
+              <a:alphaOff val="0"/>
+            </a:schemeClr>
+          </a:effectRef>
+          <a:fontRef idx="minor">
+            <a:schemeClr val="dk1"/>
+          </a:fontRef>
+        </p:style>
+        <p:txBody>
+          <a:bodyPr spcFirstLastPara="0" vert="horz" wrap="square" lIns="6350" tIns="6350" rIns="6350" bIns="6350" numCol="1" spcCol="1270" anchor="ctr" anchorCtr="0">
+            <a:noAutofit/>
+          </a:bodyPr>
+          <a:lstStyle/>
+          <a:p>
+            <a:pPr lvl="0" algn="ctr" defTabSz="444500">
+              <a:lnSpc>
+                <a:spcPct val="90000"/>
+              </a:lnSpc>
+              <a:spcBef>
+                <a:spcPct val="0"/>
+              </a:spcBef>
+              <a:spcAft>
+                <a:spcPct val="35000"/>
+              </a:spcAft>
+            </a:pPr>
+            <a:r>
+              <a:rPr lang="en-US" sz="1000" kern="1200" dirty="0"/>
+              <a:t>Draw 3 Figures</a:t>
+            </a:r>
+          </a:p>
+        </p:txBody>
+      </p:sp>
+      <p:grpSp>
+        <p:nvGrpSpPr>
+          <p:cNvPr id="56" name="Group 55"/>
+          <p:cNvGrpSpPr/>
+          <p:nvPr/>
+        </p:nvGrpSpPr>
+        <p:grpSpPr>
+          <a:xfrm>
+            <a:off x="1424358" y="5228572"/>
+            <a:ext cx="6572309" cy="564931"/>
+            <a:chOff x="1424358" y="5228572"/>
+            <a:chExt cx="6572309" cy="564931"/>
+          </a:xfrm>
+        </p:grpSpPr>
+        <p:sp>
+          <p:nvSpPr>
+            <p:cNvPr id="32" name="Freeform 31"/>
+            <p:cNvSpPr/>
+            <p:nvPr/>
+          </p:nvSpPr>
+          <p:spPr>
+            <a:xfrm>
+              <a:off x="4664793" y="5228572"/>
+              <a:ext cx="91440" cy="167092"/>
+            </a:xfrm>
+            <a:custGeom>
+              <a:avLst/>
+              <a:gdLst/>
+              <a:ahLst/>
+              <a:cxnLst/>
+              <a:rect l="0" t="0" r="0" b="0"/>
+              <a:pathLst>
+                <a:path>
+                  <a:moveTo>
+                    <a:pt x="45720" y="0"/>
+                  </a:moveTo>
+                  <a:lnTo>
+                    <a:pt x="45720" y="167092"/>
+                  </a:lnTo>
+                </a:path>
+              </a:pathLst>
+            </a:custGeom>
+            <a:noFill/>
+          </p:spPr>
+          <p:style>
+            <a:lnRef idx="2">
+              <a:schemeClr val="accent1">
+                <a:shade val="60000"/>
+                <a:hueOff val="0"/>
+                <a:satOff val="0"/>
+                <a:lumOff val="0"/>
+                <a:alphaOff val="0"/>
+              </a:schemeClr>
+            </a:lnRef>
+            <a:fillRef idx="0">
+              <a:scrgbClr r="0" g="0" b="0"/>
+            </a:fillRef>
+            <a:effectRef idx="0">
+              <a:schemeClr val="accent1">
+                <a:hueOff val="0"/>
+                <a:satOff val="0"/>
+                <a:lumOff val="0"/>
+                <a:alphaOff val="0"/>
+              </a:schemeClr>
+            </a:effectRef>
+            <a:fontRef idx="minor">
+              <a:schemeClr val="tx1">
+                <a:hueOff val="0"/>
+                <a:satOff val="0"/>
+                <a:lumOff val="0"/>
+                <a:alphaOff val="0"/>
+              </a:schemeClr>
+            </a:fontRef>
+          </p:style>
+        </p:sp>
+        <p:grpSp>
+          <p:nvGrpSpPr>
+            <p:cNvPr id="51" name="Group 50"/>
+            <p:cNvGrpSpPr/>
+            <p:nvPr/>
+          </p:nvGrpSpPr>
+          <p:grpSpPr>
+            <a:xfrm>
+              <a:off x="1424358" y="5228572"/>
+              <a:ext cx="6572309" cy="564931"/>
+              <a:chOff x="1424358" y="5228572"/>
+              <a:chExt cx="6572309" cy="564931"/>
+            </a:xfrm>
+          </p:grpSpPr>
+          <p:sp>
+            <p:nvSpPr>
+              <p:cNvPr id="28" name="Freeform 27"/>
+              <p:cNvSpPr/>
+              <p:nvPr/>
+            </p:nvSpPr>
+            <p:spPr>
+              <a:xfrm>
+                <a:off x="4710513" y="5228572"/>
+                <a:ext cx="2888315" cy="167092"/>
+              </a:xfrm>
+              <a:custGeom>
+                <a:avLst/>
+                <a:gdLst/>
+                <a:ahLst/>
+                <a:cxnLst/>
+                <a:rect l="0" t="0" r="0" b="0"/>
+                <a:pathLst>
+                  <a:path>
+                    <a:moveTo>
+                      <a:pt x="0" y="0"/>
+                    </a:moveTo>
+                    <a:lnTo>
+                      <a:pt x="0" y="83546"/>
+                    </a:lnTo>
+                    <a:lnTo>
+                      <a:pt x="2888315" y="83546"/>
+                    </a:lnTo>
+                    <a:lnTo>
+                      <a:pt x="2888315" y="167092"/>
+                    </a:lnTo>
+                  </a:path>
+                </a:pathLst>
+              </a:custGeom>
+              <a:noFill/>
+            </p:spPr>
+            <p:style>
+              <a:lnRef idx="2">
+                <a:schemeClr val="accent1">
+                  <a:shade val="60000"/>
+                  <a:hueOff val="0"/>
+                  <a:satOff val="0"/>
+                  <a:lumOff val="0"/>
+                  <a:alphaOff val="0"/>
+                </a:schemeClr>
+              </a:lnRef>
+              <a:fillRef idx="0">
+                <a:scrgbClr r="0" g="0" b="0"/>
+              </a:fillRef>
+              <a:effectRef idx="0">
+                <a:schemeClr val="accent1">
+                  <a:hueOff val="0"/>
+                  <a:satOff val="0"/>
+                  <a:lumOff val="0"/>
+                  <a:alphaOff val="0"/>
+                </a:schemeClr>
+              </a:effectRef>
+              <a:fontRef idx="minor">
+                <a:schemeClr val="tx1">
+                  <a:hueOff val="0"/>
+                  <a:satOff val="0"/>
+                  <a:lumOff val="0"/>
+                  <a:alphaOff val="0"/>
+                </a:schemeClr>
+              </a:fontRef>
+            </p:style>
+          </p:sp>
+          <p:sp>
+            <p:nvSpPr>
+              <p:cNvPr id="36" name="Freeform 35"/>
+              <p:cNvSpPr/>
+              <p:nvPr/>
+            </p:nvSpPr>
+            <p:spPr>
+              <a:xfrm>
+                <a:off x="1822198" y="5228572"/>
+                <a:ext cx="2888315" cy="167092"/>
+              </a:xfrm>
+              <a:custGeom>
+                <a:avLst/>
+                <a:gdLst/>
+                <a:ahLst/>
+                <a:cxnLst/>
+                <a:rect l="0" t="0" r="0" b="0"/>
+                <a:pathLst>
+                  <a:path>
+                    <a:moveTo>
+                      <a:pt x="2888315" y="0"/>
+                    </a:moveTo>
+                    <a:lnTo>
+                      <a:pt x="2888315" y="83546"/>
+                    </a:lnTo>
+                    <a:lnTo>
+                      <a:pt x="0" y="83546"/>
+                    </a:lnTo>
+                    <a:lnTo>
+                      <a:pt x="0" y="167092"/>
+                    </a:lnTo>
+                  </a:path>
+                </a:pathLst>
+              </a:custGeom>
+              <a:noFill/>
+            </p:spPr>
+            <p:style>
+              <a:lnRef idx="2">
+                <a:schemeClr val="accent1">
+                  <a:shade val="60000"/>
+                  <a:hueOff val="0"/>
+                  <a:satOff val="0"/>
+                  <a:lumOff val="0"/>
+                  <a:alphaOff val="0"/>
+                </a:schemeClr>
+              </a:lnRef>
+              <a:fillRef idx="0">
+                <a:scrgbClr r="0" g="0" b="0"/>
+              </a:fillRef>
+              <a:effectRef idx="0">
+                <a:schemeClr val="accent1">
+                  <a:hueOff val="0"/>
+                  <a:satOff val="0"/>
+                  <a:lumOff val="0"/>
+                  <a:alphaOff val="0"/>
+                </a:schemeClr>
+              </a:effectRef>
+              <a:fontRef idx="minor">
+                <a:schemeClr val="tx1">
+                  <a:hueOff val="0"/>
+                  <a:satOff val="0"/>
+                  <a:lumOff val="0"/>
+                  <a:alphaOff val="0"/>
+                </a:schemeClr>
+              </a:fontRef>
+            </p:style>
+          </p:sp>
+          <p:sp>
+            <p:nvSpPr>
+              <p:cNvPr id="38" name="Freeform 37"/>
+              <p:cNvSpPr/>
+              <p:nvPr/>
+            </p:nvSpPr>
+            <p:spPr>
+              <a:xfrm>
+                <a:off x="1424358" y="5395664"/>
+                <a:ext cx="795679" cy="397839"/>
+              </a:xfrm>
+              <a:custGeom>
+                <a:avLst/>
+                <a:gdLst>
+                  <a:gd name="connsiteX0" fmla="*/ 0 w 795679"/>
+                  <a:gd name="connsiteY0" fmla="*/ 0 h 397839"/>
+                  <a:gd name="connsiteX1" fmla="*/ 795679 w 795679"/>
+                  <a:gd name="connsiteY1" fmla="*/ 0 h 397839"/>
+                  <a:gd name="connsiteX2" fmla="*/ 795679 w 795679"/>
+                  <a:gd name="connsiteY2" fmla="*/ 397839 h 397839"/>
+                  <a:gd name="connsiteX3" fmla="*/ 0 w 795679"/>
+                  <a:gd name="connsiteY3" fmla="*/ 397839 h 397839"/>
+                  <a:gd name="connsiteX4" fmla="*/ 0 w 795679"/>
+                  <a:gd name="connsiteY4" fmla="*/ 0 h 397839"/>
+                </a:gdLst>
+                <a:ahLst/>
+                <a:cxnLst>
+                  <a:cxn ang="0">
+                    <a:pos x="connsiteX0" y="connsiteY0"/>
+                  </a:cxn>
+                  <a:cxn ang="0">
+                    <a:pos x="connsiteX1" y="connsiteY1"/>
+                  </a:cxn>
+                  <a:cxn ang="0">
+                    <a:pos x="connsiteX2" y="connsiteY2"/>
+                  </a:cxn>
+                  <a:cxn ang="0">
+                    <a:pos x="connsiteX3" y="connsiteY3"/>
+                  </a:cxn>
+                  <a:cxn ang="0">
+                    <a:pos x="connsiteX4" y="connsiteY4"/>
+                  </a:cxn>
+                </a:cxnLst>
+                <a:rect l="l" t="t" r="r" b="b"/>
+                <a:pathLst>
+                  <a:path w="795679" h="397839">
+                    <a:moveTo>
+                      <a:pt x="0" y="0"/>
+                    </a:moveTo>
+                    <a:lnTo>
+                      <a:pt x="795679" y="0"/>
+                    </a:lnTo>
+                    <a:lnTo>
+                      <a:pt x="795679" y="397839"/>
+                    </a:lnTo>
+                    <a:lnTo>
+                      <a:pt x="0" y="397839"/>
+                    </a:lnTo>
+                    <a:lnTo>
+                      <a:pt x="0" y="0"/>
+                    </a:lnTo>
+                    <a:close/>
+                  </a:path>
+                </a:pathLst>
+              </a:custGeom>
+              <a:scene3d>
+                <a:camera prst="orthographicFront"/>
+                <a:lightRig rig="flat" dir="t"/>
+              </a:scene3d>
+              <a:sp3d prstMaterial="dkEdge">
+                <a:bevelT w="8200" h="38100"/>
+              </a:sp3d>
+            </p:spPr>
+            <p:style>
+              <a:lnRef idx="0">
+                <a:schemeClr val="lt1">
+                  <a:hueOff val="0"/>
+                  <a:satOff val="0"/>
+                  <a:lumOff val="0"/>
+                  <a:alphaOff val="0"/>
+                </a:schemeClr>
+              </a:lnRef>
+              <a:fillRef idx="2">
+                <a:schemeClr val="accent1">
+                  <a:hueOff val="0"/>
+                  <a:satOff val="0"/>
+                  <a:lumOff val="0"/>
+                  <a:alphaOff val="0"/>
+                </a:schemeClr>
+              </a:fillRef>
+              <a:effectRef idx="1">
+                <a:schemeClr val="accent1">
+                  <a:hueOff val="0"/>
+                  <a:satOff val="0"/>
+                  <a:lumOff val="0"/>
+                  <a:alphaOff val="0"/>
+                </a:schemeClr>
+              </a:effectRef>
+              <a:fontRef idx="minor">
+                <a:schemeClr val="dk1"/>
+              </a:fontRef>
+            </p:style>
+            <p:txBody>
+              <a:bodyPr spcFirstLastPara="0" vert="horz" wrap="square" lIns="6350" tIns="6350" rIns="6350" bIns="6350" numCol="1" spcCol="1270" anchor="ctr" anchorCtr="0">
+                <a:noAutofit/>
+              </a:bodyPr>
+              <a:lstStyle/>
+              <a:p>
+                <a:pPr lvl="0" algn="ctr" defTabSz="444500">
+                  <a:lnSpc>
+                    <a:spcPct val="90000"/>
+                  </a:lnSpc>
+                  <a:spcBef>
+                    <a:spcPct val="0"/>
+                  </a:spcBef>
+                  <a:spcAft>
+                    <a:spcPct val="35000"/>
+                  </a:spcAft>
+                </a:pPr>
+                <a:r>
+                  <a:rPr lang="en-US" sz="1000" kern="1200" dirty="0"/>
+                  <a:t>Draw Rocket Ship</a:t>
+                </a:r>
+              </a:p>
+            </p:txBody>
+          </p:sp>
+          <p:sp>
+            <p:nvSpPr>
+              <p:cNvPr id="42" name="Freeform 41"/>
+              <p:cNvSpPr/>
+              <p:nvPr/>
+            </p:nvSpPr>
+            <p:spPr>
+              <a:xfrm>
+                <a:off x="4312673" y="5395664"/>
+                <a:ext cx="795679" cy="397839"/>
+              </a:xfrm>
+              <a:custGeom>
+                <a:avLst/>
+                <a:gdLst>
+                  <a:gd name="connsiteX0" fmla="*/ 0 w 795679"/>
+                  <a:gd name="connsiteY0" fmla="*/ 0 h 397839"/>
+                  <a:gd name="connsiteX1" fmla="*/ 795679 w 795679"/>
+                  <a:gd name="connsiteY1" fmla="*/ 0 h 397839"/>
+                  <a:gd name="connsiteX2" fmla="*/ 795679 w 795679"/>
+                  <a:gd name="connsiteY2" fmla="*/ 397839 h 397839"/>
+                  <a:gd name="connsiteX3" fmla="*/ 0 w 795679"/>
+                  <a:gd name="connsiteY3" fmla="*/ 397839 h 397839"/>
+                  <a:gd name="connsiteX4" fmla="*/ 0 w 795679"/>
+                  <a:gd name="connsiteY4" fmla="*/ 0 h 397839"/>
+                </a:gdLst>
+                <a:ahLst/>
+                <a:cxnLst>
+                  <a:cxn ang="0">
+                    <a:pos x="connsiteX0" y="connsiteY0"/>
+                  </a:cxn>
+                  <a:cxn ang="0">
+                    <a:pos x="connsiteX1" y="connsiteY1"/>
+                  </a:cxn>
+                  <a:cxn ang="0">
+                    <a:pos x="connsiteX2" y="connsiteY2"/>
+                  </a:cxn>
+                  <a:cxn ang="0">
+                    <a:pos x="connsiteX3" y="connsiteY3"/>
+                  </a:cxn>
+                  <a:cxn ang="0">
+                    <a:pos x="connsiteX4" y="connsiteY4"/>
+                  </a:cxn>
+                </a:cxnLst>
+                <a:rect l="l" t="t" r="r" b="b"/>
+                <a:pathLst>
+                  <a:path w="795679" h="397839">
+                    <a:moveTo>
+                      <a:pt x="0" y="0"/>
+                    </a:moveTo>
+                    <a:lnTo>
+                      <a:pt x="795679" y="0"/>
+                    </a:lnTo>
+                    <a:lnTo>
+                      <a:pt x="795679" y="397839"/>
+                    </a:lnTo>
+                    <a:lnTo>
+                      <a:pt x="0" y="397839"/>
+                    </a:lnTo>
+                    <a:lnTo>
+                      <a:pt x="0" y="0"/>
+                    </a:lnTo>
+                    <a:close/>
+                  </a:path>
+                </a:pathLst>
+              </a:custGeom>
+              <a:scene3d>
+                <a:camera prst="orthographicFront"/>
+                <a:lightRig rig="flat" dir="t"/>
+              </a:scene3d>
+              <a:sp3d prstMaterial="dkEdge">
+                <a:bevelT w="8200" h="38100"/>
+              </a:sp3d>
+            </p:spPr>
+            <p:style>
+              <a:lnRef idx="0">
+                <a:schemeClr val="lt1">
+                  <a:hueOff val="0"/>
+                  <a:satOff val="0"/>
+                  <a:lumOff val="0"/>
+                  <a:alphaOff val="0"/>
+                </a:schemeClr>
+              </a:lnRef>
+              <a:fillRef idx="2">
+                <a:schemeClr val="accent1">
+                  <a:hueOff val="0"/>
+                  <a:satOff val="0"/>
+                  <a:lumOff val="0"/>
+                  <a:alphaOff val="0"/>
+                </a:schemeClr>
+              </a:fillRef>
+              <a:effectRef idx="1">
+                <a:schemeClr val="accent1">
+                  <a:hueOff val="0"/>
+                  <a:satOff val="0"/>
+                  <a:lumOff val="0"/>
+                  <a:alphaOff val="0"/>
+                </a:schemeClr>
+              </a:effectRef>
+              <a:fontRef idx="minor">
+                <a:schemeClr val="dk1"/>
+              </a:fontRef>
+            </p:style>
+            <p:txBody>
+              <a:bodyPr spcFirstLastPara="0" vert="horz" wrap="square" lIns="6350" tIns="6350" rIns="6350" bIns="6350" numCol="1" spcCol="1270" anchor="ctr" anchorCtr="0">
+                <a:noAutofit/>
+              </a:bodyPr>
+              <a:lstStyle/>
+              <a:p>
+                <a:pPr lvl="0" algn="ctr" defTabSz="444500">
+                  <a:lnSpc>
+                    <a:spcPct val="90000"/>
+                  </a:lnSpc>
+                  <a:spcBef>
+                    <a:spcPct val="0"/>
+                  </a:spcBef>
+                  <a:spcAft>
+                    <a:spcPct val="35000"/>
+                  </a:spcAft>
+                </a:pPr>
+                <a:r>
+                  <a:rPr lang="en-US" sz="1000" kern="1200" dirty="0"/>
+                  <a:t>Draw Male Stick Figure</a:t>
+                </a:r>
+              </a:p>
+            </p:txBody>
+          </p:sp>
+          <p:sp>
+            <p:nvSpPr>
+              <p:cNvPr id="47" name="Freeform 46"/>
+              <p:cNvSpPr/>
+              <p:nvPr/>
+            </p:nvSpPr>
+            <p:spPr>
+              <a:xfrm>
+                <a:off x="7200988" y="5395664"/>
+                <a:ext cx="795679" cy="397839"/>
+              </a:xfrm>
+              <a:custGeom>
+                <a:avLst/>
+                <a:gdLst>
+                  <a:gd name="connsiteX0" fmla="*/ 0 w 795679"/>
+                  <a:gd name="connsiteY0" fmla="*/ 0 h 397839"/>
+                  <a:gd name="connsiteX1" fmla="*/ 795679 w 795679"/>
+                  <a:gd name="connsiteY1" fmla="*/ 0 h 397839"/>
+                  <a:gd name="connsiteX2" fmla="*/ 795679 w 795679"/>
+                  <a:gd name="connsiteY2" fmla="*/ 397839 h 397839"/>
+                  <a:gd name="connsiteX3" fmla="*/ 0 w 795679"/>
+                  <a:gd name="connsiteY3" fmla="*/ 397839 h 397839"/>
+                  <a:gd name="connsiteX4" fmla="*/ 0 w 795679"/>
+                  <a:gd name="connsiteY4" fmla="*/ 0 h 397839"/>
+                </a:gdLst>
+                <a:ahLst/>
+                <a:cxnLst>
+                  <a:cxn ang="0">
+                    <a:pos x="connsiteX0" y="connsiteY0"/>
+                  </a:cxn>
+                  <a:cxn ang="0">
+                    <a:pos x="connsiteX1" y="connsiteY1"/>
+                  </a:cxn>
+                  <a:cxn ang="0">
+                    <a:pos x="connsiteX2" y="connsiteY2"/>
+                  </a:cxn>
+                  <a:cxn ang="0">
+                    <a:pos x="connsiteX3" y="connsiteY3"/>
+                  </a:cxn>
+                  <a:cxn ang="0">
+                    <a:pos x="connsiteX4" y="connsiteY4"/>
+                  </a:cxn>
+                </a:cxnLst>
+                <a:rect l="l" t="t" r="r" b="b"/>
+                <a:pathLst>
+                  <a:path w="795679" h="397839">
+                    <a:moveTo>
+                      <a:pt x="0" y="0"/>
+                    </a:moveTo>
+                    <a:lnTo>
+                      <a:pt x="795679" y="0"/>
+                    </a:lnTo>
+                    <a:lnTo>
+                      <a:pt x="795679" y="397839"/>
+                    </a:lnTo>
+                    <a:lnTo>
+                      <a:pt x="0" y="397839"/>
+                    </a:lnTo>
+                    <a:lnTo>
+                      <a:pt x="0" y="0"/>
+                    </a:lnTo>
+                    <a:close/>
+                  </a:path>
+                </a:pathLst>
+              </a:custGeom>
+              <a:scene3d>
+                <a:camera prst="orthographicFront"/>
+                <a:lightRig rig="flat" dir="t"/>
+              </a:scene3d>
+              <a:sp3d prstMaterial="dkEdge">
+                <a:bevelT w="8200" h="38100"/>
+              </a:sp3d>
+            </p:spPr>
+            <p:style>
+              <a:lnRef idx="0">
+                <a:schemeClr val="lt1">
+                  <a:hueOff val="0"/>
+                  <a:satOff val="0"/>
+                  <a:lumOff val="0"/>
+                  <a:alphaOff val="0"/>
+                </a:schemeClr>
+              </a:lnRef>
+              <a:fillRef idx="2">
+                <a:schemeClr val="accent1">
+                  <a:hueOff val="0"/>
+                  <a:satOff val="0"/>
+                  <a:lumOff val="0"/>
+                  <a:alphaOff val="0"/>
+                </a:schemeClr>
+              </a:fillRef>
+              <a:effectRef idx="1">
+                <a:schemeClr val="accent1">
+                  <a:hueOff val="0"/>
+                  <a:satOff val="0"/>
+                  <a:lumOff val="0"/>
+                  <a:alphaOff val="0"/>
+                </a:schemeClr>
+              </a:effectRef>
+              <a:fontRef idx="minor">
+                <a:schemeClr val="dk1"/>
+              </a:fontRef>
+            </p:style>
+            <p:txBody>
+              <a:bodyPr spcFirstLastPara="0" vert="horz" wrap="square" lIns="6350" tIns="6350" rIns="6350" bIns="6350" numCol="1" spcCol="1270" anchor="ctr" anchorCtr="0">
+                <a:noAutofit/>
+              </a:bodyPr>
+              <a:lstStyle/>
+              <a:p>
+                <a:pPr lvl="0" algn="ctr" defTabSz="444500">
+                  <a:lnSpc>
+                    <a:spcPct val="90000"/>
+                  </a:lnSpc>
+                  <a:spcBef>
+                    <a:spcPct val="0"/>
+                  </a:spcBef>
+                  <a:spcAft>
+                    <a:spcPct val="35000"/>
+                  </a:spcAft>
+                </a:pPr>
+                <a:r>
+                  <a:rPr lang="en-US" sz="1000" kern="1200" dirty="0"/>
+                  <a:t>Draw Female Stick Figure</a:t>
+                </a:r>
+                <a:endParaRPr lang="en-US" sz="1000" kern="1200" dirty="0">
+                  <a:solidFill>
+                    <a:srgbClr val="FF0000"/>
+                  </a:solidFill>
+                </a:endParaRPr>
+              </a:p>
+            </p:txBody>
+          </p:sp>
+        </p:grpSp>
+      </p:grpSp>
+      <p:grpSp>
+        <p:nvGrpSpPr>
+          <p:cNvPr id="53" name="Group 52"/>
+          <p:cNvGrpSpPr/>
+          <p:nvPr/>
+        </p:nvGrpSpPr>
+        <p:grpSpPr>
+          <a:xfrm>
+            <a:off x="461587" y="5793504"/>
+            <a:ext cx="2721222" cy="564931"/>
+            <a:chOff x="461587" y="5793504"/>
+            <a:chExt cx="2721222" cy="564931"/>
+          </a:xfrm>
+        </p:grpSpPr>
+        <p:sp>
+          <p:nvSpPr>
+            <p:cNvPr id="33" name="Freeform 32"/>
+            <p:cNvSpPr/>
+            <p:nvPr/>
+          </p:nvSpPr>
+          <p:spPr>
+            <a:xfrm>
+              <a:off x="1822198" y="5793504"/>
+              <a:ext cx="962771" cy="167092"/>
+            </a:xfrm>
+            <a:custGeom>
+              <a:avLst/>
+              <a:gdLst/>
+              <a:ahLst/>
+              <a:cxnLst/>
+              <a:rect l="0" t="0" r="0" b="0"/>
+              <a:pathLst>
+                <a:path>
+                  <a:moveTo>
+                    <a:pt x="0" y="0"/>
+                  </a:moveTo>
+                  <a:lnTo>
+                    <a:pt x="0" y="83546"/>
+                  </a:lnTo>
+                  <a:lnTo>
+                    <a:pt x="962771" y="83546"/>
+                  </a:lnTo>
+                  <a:lnTo>
+                    <a:pt x="962771" y="167092"/>
+                  </a:lnTo>
+                </a:path>
+              </a:pathLst>
+            </a:custGeom>
+            <a:noFill/>
+          </p:spPr>
+          <p:style>
+            <a:lnRef idx="2">
+              <a:schemeClr val="accent1">
+                <a:shade val="80000"/>
+                <a:hueOff val="0"/>
+                <a:satOff val="0"/>
+                <a:lumOff val="0"/>
+                <a:alphaOff val="0"/>
+              </a:schemeClr>
+            </a:lnRef>
+            <a:fillRef idx="0">
+              <a:scrgbClr r="0" g="0" b="0"/>
+            </a:fillRef>
+            <a:effectRef idx="0">
+              <a:schemeClr val="accent1">
+                <a:hueOff val="0"/>
+                <a:satOff val="0"/>
+                <a:lumOff val="0"/>
+                <a:alphaOff val="0"/>
+              </a:schemeClr>
+            </a:effectRef>
+            <a:fontRef idx="minor">
+              <a:schemeClr val="tx1">
+                <a:hueOff val="0"/>
+                <a:satOff val="0"/>
+                <a:lumOff val="0"/>
+                <a:alphaOff val="0"/>
+              </a:schemeClr>
+            </a:fontRef>
+          </p:style>
+        </p:sp>
+        <p:sp>
+          <p:nvSpPr>
+            <p:cNvPr id="34" name="Freeform 33"/>
+            <p:cNvSpPr/>
+            <p:nvPr/>
+          </p:nvSpPr>
+          <p:spPr>
+            <a:xfrm>
+              <a:off x="1776478" y="5793504"/>
+              <a:ext cx="91440" cy="167092"/>
+            </a:xfrm>
+            <a:custGeom>
+              <a:avLst/>
+              <a:gdLst/>
+              <a:ahLst/>
+              <a:cxnLst/>
+              <a:rect l="0" t="0" r="0" b="0"/>
+              <a:pathLst>
+                <a:path>
+                  <a:moveTo>
+                    <a:pt x="45720" y="0"/>
+                  </a:moveTo>
+                  <a:lnTo>
+                    <a:pt x="45720" y="167092"/>
+                  </a:lnTo>
+                </a:path>
+              </a:pathLst>
+            </a:custGeom>
+            <a:noFill/>
+          </p:spPr>
+          <p:style>
+            <a:lnRef idx="2">
+              <a:schemeClr val="accent1">
+                <a:shade val="80000"/>
+                <a:hueOff val="0"/>
+                <a:satOff val="0"/>
+                <a:lumOff val="0"/>
+                <a:alphaOff val="0"/>
+              </a:schemeClr>
+            </a:lnRef>
+            <a:fillRef idx="0">
+              <a:scrgbClr r="0" g="0" b="0"/>
+            </a:fillRef>
+            <a:effectRef idx="0">
+              <a:schemeClr val="accent1">
+                <a:hueOff val="0"/>
+                <a:satOff val="0"/>
+                <a:lumOff val="0"/>
+                <a:alphaOff val="0"/>
+              </a:schemeClr>
+            </a:effectRef>
+            <a:fontRef idx="minor">
+              <a:schemeClr val="tx1">
+                <a:hueOff val="0"/>
+                <a:satOff val="0"/>
+                <a:lumOff val="0"/>
+                <a:alphaOff val="0"/>
+              </a:schemeClr>
+            </a:fontRef>
+          </p:style>
+        </p:sp>
+        <p:sp>
+          <p:nvSpPr>
+            <p:cNvPr id="35" name="Freeform 34"/>
+            <p:cNvSpPr/>
+            <p:nvPr/>
+          </p:nvSpPr>
+          <p:spPr>
+            <a:xfrm>
+              <a:off x="859426" y="5793504"/>
+              <a:ext cx="962771" cy="167092"/>
+            </a:xfrm>
+            <a:custGeom>
+              <a:avLst/>
+              <a:gdLst/>
+              <a:ahLst/>
+              <a:cxnLst/>
+              <a:rect l="0" t="0" r="0" b="0"/>
+              <a:pathLst>
+                <a:path>
+                  <a:moveTo>
+                    <a:pt x="962771" y="0"/>
+                  </a:moveTo>
+                  <a:lnTo>
+                    <a:pt x="962771" y="83546"/>
+                  </a:lnTo>
+                  <a:lnTo>
+                    <a:pt x="0" y="83546"/>
+                  </a:lnTo>
+                  <a:lnTo>
+                    <a:pt x="0" y="167092"/>
+                  </a:lnTo>
+                </a:path>
+              </a:pathLst>
+            </a:custGeom>
+            <a:noFill/>
+          </p:spPr>
+          <p:style>
+            <a:lnRef idx="2">
+              <a:schemeClr val="accent1">
+                <a:shade val="80000"/>
+                <a:hueOff val="0"/>
+                <a:satOff val="0"/>
+                <a:lumOff val="0"/>
+                <a:alphaOff val="0"/>
+              </a:schemeClr>
+            </a:lnRef>
+            <a:fillRef idx="0">
+              <a:scrgbClr r="0" g="0" b="0"/>
+            </a:fillRef>
+            <a:effectRef idx="0">
+              <a:schemeClr val="accent1">
+                <a:hueOff val="0"/>
+                <a:satOff val="0"/>
+                <a:lumOff val="0"/>
+                <a:alphaOff val="0"/>
+              </a:schemeClr>
+            </a:effectRef>
+            <a:fontRef idx="minor">
+              <a:schemeClr val="tx1">
+                <a:hueOff val="0"/>
+                <a:satOff val="0"/>
+                <a:lumOff val="0"/>
+                <a:alphaOff val="0"/>
+              </a:schemeClr>
+            </a:fontRef>
+          </p:style>
+        </p:sp>
+        <p:sp>
+          <p:nvSpPr>
+            <p:cNvPr id="39" name="Freeform 38"/>
+            <p:cNvSpPr/>
+            <p:nvPr/>
+          </p:nvSpPr>
+          <p:spPr>
+            <a:xfrm>
+              <a:off x="461587" y="5960596"/>
+              <a:ext cx="795679" cy="397839"/>
+            </a:xfrm>
+            <a:custGeom>
+              <a:avLst/>
+              <a:gdLst>
+                <a:gd name="connsiteX0" fmla="*/ 0 w 795679"/>
+                <a:gd name="connsiteY0" fmla="*/ 0 h 397839"/>
+                <a:gd name="connsiteX1" fmla="*/ 795679 w 795679"/>
+                <a:gd name="connsiteY1" fmla="*/ 0 h 397839"/>
+                <a:gd name="connsiteX2" fmla="*/ 795679 w 795679"/>
+                <a:gd name="connsiteY2" fmla="*/ 397839 h 397839"/>
+                <a:gd name="connsiteX3" fmla="*/ 0 w 795679"/>
+                <a:gd name="connsiteY3" fmla="*/ 397839 h 397839"/>
+                <a:gd name="connsiteX4" fmla="*/ 0 w 795679"/>
+                <a:gd name="connsiteY4" fmla="*/ 0 h 397839"/>
+              </a:gdLst>
+              <a:ahLst/>
+              <a:cxnLst>
+                <a:cxn ang="0">
+                  <a:pos x="connsiteX0" y="connsiteY0"/>
+                </a:cxn>
+                <a:cxn ang="0">
+                  <a:pos x="connsiteX1" y="connsiteY1"/>
+                </a:cxn>
+                <a:cxn ang="0">
+                  <a:pos x="connsiteX2" y="connsiteY2"/>
+                </a:cxn>
+                <a:cxn ang="0">
+                  <a:pos x="connsiteX3" y="connsiteY3"/>
+                </a:cxn>
+                <a:cxn ang="0">
+                  <a:pos x="connsiteX4" y="connsiteY4"/>
+                </a:cxn>
+              </a:cxnLst>
+              <a:rect l="l" t="t" r="r" b="b"/>
+              <a:pathLst>
+                <a:path w="795679" h="397839">
+                  <a:moveTo>
+                    <a:pt x="0" y="0"/>
+                  </a:moveTo>
+                  <a:lnTo>
+                    <a:pt x="795679" y="0"/>
+                  </a:lnTo>
+                  <a:lnTo>
+                    <a:pt x="795679" y="397839"/>
+                  </a:lnTo>
+                  <a:lnTo>
+                    <a:pt x="0" y="397839"/>
+                  </a:lnTo>
+                  <a:lnTo>
+                    <a:pt x="0" y="0"/>
+                  </a:lnTo>
+                  <a:close/>
+                </a:path>
+              </a:pathLst>
+            </a:custGeom>
+            <a:gradFill rotWithShape="0">
+              <a:gsLst>
+                <a:gs pos="0">
+                  <a:srgbClr val="E6DCAC"/>
+                </a:gs>
+                <a:gs pos="12000">
+                  <a:srgbClr val="E6D78A"/>
+                </a:gs>
+                <a:gs pos="30000">
+                  <a:srgbClr val="C7AC4C"/>
+                </a:gs>
+                <a:gs pos="45000">
+                  <a:srgbClr val="E6D78A"/>
+                </a:gs>
+                <a:gs pos="77000">
+                  <a:srgbClr val="C7AC4C"/>
+                </a:gs>
+                <a:gs pos="100000">
+                  <a:srgbClr val="E6DCAC"/>
+                </a:gs>
+              </a:gsLst>
+              <a:lin ang="16200000" scaled="0"/>
+            </a:gradFill>
+            <a:scene3d>
+              <a:camera prst="orthographicFront"/>
+              <a:lightRig rig="flat" dir="t"/>
+            </a:scene3d>
+            <a:sp3d prstMaterial="dkEdge">
+              <a:bevelT w="8200" h="38100"/>
+            </a:sp3d>
+          </p:spPr>
+          <p:style>
+            <a:lnRef idx="0">
+              <a:schemeClr val="lt1">
+                <a:hueOff val="0"/>
+                <a:satOff val="0"/>
+                <a:lumOff val="0"/>
+                <a:alphaOff val="0"/>
+              </a:schemeClr>
+            </a:lnRef>
+            <a:fillRef idx="2">
+              <a:scrgbClr r="0" g="0" b="0"/>
+            </a:fillRef>
+            <a:effectRef idx="1">
+              <a:schemeClr val="accent1">
+                <a:hueOff val="0"/>
+                <a:satOff val="0"/>
+                <a:lumOff val="0"/>
+                <a:alphaOff val="0"/>
+              </a:schemeClr>
+            </a:effectRef>
+            <a:fontRef idx="minor">
+              <a:schemeClr val="dk1"/>
+            </a:fontRef>
+          </p:style>
+          <p:txBody>
+            <a:bodyPr spcFirstLastPara="0" vert="horz" wrap="square" lIns="6350" tIns="6350" rIns="6350" bIns="6350" numCol="1" spcCol="1270" anchor="ctr" anchorCtr="0">
+              <a:noAutofit/>
+            </a:bodyPr>
+            <a:lstStyle/>
+            <a:p>
+              <a:pPr lvl="0" algn="ctr" defTabSz="444500">
+                <a:lnSpc>
+                  <a:spcPct val="90000"/>
+                </a:lnSpc>
+                <a:spcBef>
+                  <a:spcPct val="0"/>
+                </a:spcBef>
+                <a:spcAft>
+                  <a:spcPct val="35000"/>
+                </a:spcAft>
+              </a:pPr>
+              <a:r>
+                <a:rPr lang="en-US" sz="1000" kern="1200" dirty="0"/>
+                <a:t>Draw Triangle</a:t>
+              </a:r>
+            </a:p>
+          </p:txBody>
+        </p:sp>
+        <p:sp>
+          <p:nvSpPr>
+            <p:cNvPr id="40" name="Freeform 39"/>
+            <p:cNvSpPr/>
+            <p:nvPr/>
+          </p:nvSpPr>
+          <p:spPr>
+            <a:xfrm>
+              <a:off x="1424358" y="5960596"/>
+              <a:ext cx="795679" cy="397839"/>
+            </a:xfrm>
+            <a:custGeom>
+              <a:avLst/>
+              <a:gdLst>
+                <a:gd name="connsiteX0" fmla="*/ 0 w 795679"/>
+                <a:gd name="connsiteY0" fmla="*/ 0 h 397839"/>
+                <a:gd name="connsiteX1" fmla="*/ 795679 w 795679"/>
+                <a:gd name="connsiteY1" fmla="*/ 0 h 397839"/>
+                <a:gd name="connsiteX2" fmla="*/ 795679 w 795679"/>
+                <a:gd name="connsiteY2" fmla="*/ 397839 h 397839"/>
+                <a:gd name="connsiteX3" fmla="*/ 0 w 795679"/>
+                <a:gd name="connsiteY3" fmla="*/ 397839 h 397839"/>
+                <a:gd name="connsiteX4" fmla="*/ 0 w 795679"/>
+                <a:gd name="connsiteY4" fmla="*/ 0 h 397839"/>
+              </a:gdLst>
+              <a:ahLst/>
+              <a:cxnLst>
+                <a:cxn ang="0">
+                  <a:pos x="connsiteX0" y="connsiteY0"/>
+                </a:cxn>
+                <a:cxn ang="0">
+                  <a:pos x="connsiteX1" y="connsiteY1"/>
+                </a:cxn>
+                <a:cxn ang="0">
+                  <a:pos x="connsiteX2" y="connsiteY2"/>
+                </a:cxn>
+                <a:cxn ang="0">
+                  <a:pos x="connsiteX3" y="connsiteY3"/>
+                </a:cxn>
+                <a:cxn ang="0">
+                  <a:pos x="connsiteX4" y="connsiteY4"/>
+                </a:cxn>
+              </a:cxnLst>
+              <a:rect l="l" t="t" r="r" b="b"/>
+              <a:pathLst>
+                <a:path w="795679" h="397839">
+                  <a:moveTo>
+                    <a:pt x="0" y="0"/>
+                  </a:moveTo>
+                  <a:lnTo>
+                    <a:pt x="795679" y="0"/>
+                  </a:lnTo>
+                  <a:lnTo>
+                    <a:pt x="795679" y="397839"/>
+                  </a:lnTo>
+                  <a:lnTo>
+                    <a:pt x="0" y="397839"/>
+                  </a:lnTo>
+                  <a:lnTo>
+                    <a:pt x="0" y="0"/>
+                  </a:lnTo>
+                  <a:close/>
+                </a:path>
+              </a:pathLst>
+            </a:custGeom>
+            <a:gradFill rotWithShape="0">
+              <a:gsLst>
+                <a:gs pos="0">
+                  <a:srgbClr val="5E9EFF"/>
+                </a:gs>
+                <a:gs pos="39999">
+                  <a:srgbClr val="85C2FF"/>
+                </a:gs>
+                <a:gs pos="70000">
+                  <a:srgbClr val="C4D6EB"/>
+                </a:gs>
+                <a:gs pos="100000">
+                  <a:srgbClr val="FFEBFA"/>
+                </a:gs>
+              </a:gsLst>
+              <a:lin ang="16200000" scaled="0"/>
+            </a:gradFill>
+            <a:scene3d>
+              <a:camera prst="orthographicFront"/>
+              <a:lightRig rig="flat" dir="t"/>
+            </a:scene3d>
+            <a:sp3d prstMaterial="dkEdge">
+              <a:bevelT w="8200" h="38100"/>
+            </a:sp3d>
+          </p:spPr>
+          <p:style>
+            <a:lnRef idx="0">
+              <a:schemeClr val="lt1">
+                <a:hueOff val="0"/>
+                <a:satOff val="0"/>
+                <a:lumOff val="0"/>
+                <a:alphaOff val="0"/>
+              </a:schemeClr>
+            </a:lnRef>
+            <a:fillRef idx="2">
+              <a:scrgbClr r="0" g="0" b="0"/>
+            </a:fillRef>
+            <a:effectRef idx="1">
+              <a:schemeClr val="accent1">
+                <a:hueOff val="0"/>
+                <a:satOff val="0"/>
+                <a:lumOff val="0"/>
+                <a:alphaOff val="0"/>
+              </a:schemeClr>
+            </a:effectRef>
+            <a:fontRef idx="minor">
+              <a:schemeClr val="dk1"/>
+            </a:fontRef>
+          </p:style>
+          <p:txBody>
+            <a:bodyPr spcFirstLastPara="0" vert="horz" wrap="square" lIns="6350" tIns="6350" rIns="6350" bIns="6350" numCol="1" spcCol="1270" anchor="ctr" anchorCtr="0">
+              <a:noAutofit/>
+            </a:bodyPr>
+            <a:lstStyle/>
+            <a:p>
+              <a:pPr lvl="0" algn="ctr" defTabSz="444500">
+                <a:lnSpc>
+                  <a:spcPct val="90000"/>
+                </a:lnSpc>
+                <a:spcBef>
+                  <a:spcPct val="0"/>
+                </a:spcBef>
+                <a:spcAft>
+                  <a:spcPct val="35000"/>
+                </a:spcAft>
+              </a:pPr>
+              <a:r>
+                <a:rPr lang="en-US" sz="1000" kern="1200" dirty="0"/>
+                <a:t>Draw Rectangle</a:t>
+              </a:r>
+            </a:p>
+          </p:txBody>
+        </p:sp>
+        <p:sp>
+          <p:nvSpPr>
+            <p:cNvPr id="41" name="Freeform 40"/>
+            <p:cNvSpPr/>
+            <p:nvPr/>
+          </p:nvSpPr>
+          <p:spPr>
+            <a:xfrm>
+              <a:off x="2387130" y="5960596"/>
+              <a:ext cx="795679" cy="397839"/>
+            </a:xfrm>
+            <a:custGeom>
+              <a:avLst/>
+              <a:gdLst>
+                <a:gd name="connsiteX0" fmla="*/ 0 w 795679"/>
+                <a:gd name="connsiteY0" fmla="*/ 0 h 397839"/>
+                <a:gd name="connsiteX1" fmla="*/ 795679 w 795679"/>
+                <a:gd name="connsiteY1" fmla="*/ 0 h 397839"/>
+                <a:gd name="connsiteX2" fmla="*/ 795679 w 795679"/>
+                <a:gd name="connsiteY2" fmla="*/ 397839 h 397839"/>
+                <a:gd name="connsiteX3" fmla="*/ 0 w 795679"/>
+                <a:gd name="connsiteY3" fmla="*/ 397839 h 397839"/>
+                <a:gd name="connsiteX4" fmla="*/ 0 w 795679"/>
+                <a:gd name="connsiteY4" fmla="*/ 0 h 397839"/>
+              </a:gdLst>
+              <a:ahLst/>
+              <a:cxnLst>
+                <a:cxn ang="0">
+                  <a:pos x="connsiteX0" y="connsiteY0"/>
+                </a:cxn>
+                <a:cxn ang="0">
+                  <a:pos x="connsiteX1" y="connsiteY1"/>
+                </a:cxn>
+                <a:cxn ang="0">
+                  <a:pos x="connsiteX2" y="connsiteY2"/>
+                </a:cxn>
+                <a:cxn ang="0">
+                  <a:pos x="connsiteX3" y="connsiteY3"/>
+                </a:cxn>
+                <a:cxn ang="0">
+                  <a:pos x="connsiteX4" y="connsiteY4"/>
+                </a:cxn>
+              </a:cxnLst>
+              <a:rect l="l" t="t" r="r" b="b"/>
+              <a:pathLst>
+                <a:path w="795679" h="397839">
+                  <a:moveTo>
+                    <a:pt x="0" y="0"/>
+                  </a:moveTo>
+                  <a:lnTo>
+                    <a:pt x="795679" y="0"/>
+                  </a:lnTo>
+                  <a:lnTo>
+                    <a:pt x="795679" y="397839"/>
+                  </a:lnTo>
+                  <a:lnTo>
+                    <a:pt x="0" y="397839"/>
+                  </a:lnTo>
+                  <a:lnTo>
+                    <a:pt x="0" y="0"/>
+                  </a:lnTo>
+                  <a:close/>
+                </a:path>
+              </a:pathLst>
+            </a:custGeom>
+            <a:gradFill rotWithShape="0">
+              <a:gsLst>
+                <a:gs pos="0">
+                  <a:srgbClr val="FBEAC7"/>
+                </a:gs>
+                <a:gs pos="17999">
+                  <a:srgbClr val="FEE7F2"/>
+                </a:gs>
+                <a:gs pos="36000">
+                  <a:srgbClr val="FAC77D"/>
+                </a:gs>
+                <a:gs pos="61000">
+                  <a:srgbClr val="FBA97D"/>
+                </a:gs>
+                <a:gs pos="82001">
+                  <a:srgbClr val="FBD49C"/>
+                </a:gs>
+                <a:gs pos="100000">
+                  <a:srgbClr val="FEE7F2"/>
+                </a:gs>
+              </a:gsLst>
+              <a:lin ang="16200000" scaled="0"/>
+            </a:gradFill>
+            <a:scene3d>
+              <a:camera prst="orthographicFront"/>
+              <a:lightRig rig="flat" dir="t"/>
+            </a:scene3d>
+            <a:sp3d prstMaterial="dkEdge">
+              <a:bevelT w="8200" h="38100"/>
+            </a:sp3d>
+          </p:spPr>
+          <p:style>
+            <a:lnRef idx="0">
+              <a:schemeClr val="lt1">
+                <a:hueOff val="0"/>
+                <a:satOff val="0"/>
+                <a:lumOff val="0"/>
+                <a:alphaOff val="0"/>
+              </a:schemeClr>
+            </a:lnRef>
+            <a:fillRef idx="2">
+              <a:scrgbClr r="0" g="0" b="0"/>
+            </a:fillRef>
+            <a:effectRef idx="1">
+              <a:schemeClr val="accent1">
+                <a:hueOff val="0"/>
+                <a:satOff val="0"/>
+                <a:lumOff val="0"/>
+                <a:alphaOff val="0"/>
+              </a:schemeClr>
+            </a:effectRef>
+            <a:fontRef idx="minor">
+              <a:schemeClr val="dk1"/>
+            </a:fontRef>
+          </p:style>
+          <p:txBody>
+            <a:bodyPr spcFirstLastPara="0" vert="horz" wrap="square" lIns="6350" tIns="6350" rIns="6350" bIns="6350" numCol="1" spcCol="1270" anchor="ctr" anchorCtr="0">
+              <a:noAutofit/>
+            </a:bodyPr>
+            <a:lstStyle/>
+            <a:p>
+              <a:pPr lvl="0" algn="ctr" defTabSz="444500">
+                <a:lnSpc>
+                  <a:spcPct val="90000"/>
+                </a:lnSpc>
+                <a:spcBef>
+                  <a:spcPct val="0"/>
+                </a:spcBef>
+                <a:spcAft>
+                  <a:spcPct val="35000"/>
+                </a:spcAft>
+              </a:pPr>
+              <a:r>
+                <a:rPr lang="en-US" sz="1000" kern="1200" dirty="0"/>
+                <a:t>Draw Inverted V</a:t>
+              </a:r>
+            </a:p>
+          </p:txBody>
+        </p:sp>
+      </p:grpSp>
+      <p:grpSp>
+        <p:nvGrpSpPr>
+          <p:cNvPr id="54" name="Group 53"/>
+          <p:cNvGrpSpPr/>
+          <p:nvPr/>
+        </p:nvGrpSpPr>
+        <p:grpSpPr>
+          <a:xfrm>
+            <a:off x="3349902" y="5793504"/>
+            <a:ext cx="2721222" cy="564931"/>
+            <a:chOff x="3349902" y="5793504"/>
+            <a:chExt cx="2721222" cy="564931"/>
+          </a:xfrm>
+        </p:grpSpPr>
+        <p:sp>
+          <p:nvSpPr>
+            <p:cNvPr id="29" name="Freeform 28"/>
+            <p:cNvSpPr/>
+            <p:nvPr/>
+          </p:nvSpPr>
+          <p:spPr>
+            <a:xfrm>
+              <a:off x="4710513" y="5793504"/>
+              <a:ext cx="962771" cy="167092"/>
+            </a:xfrm>
+            <a:custGeom>
+              <a:avLst/>
+              <a:gdLst/>
+              <a:ahLst/>
+              <a:cxnLst/>
+              <a:rect l="0" t="0" r="0" b="0"/>
+              <a:pathLst>
+                <a:path>
+                  <a:moveTo>
+                    <a:pt x="0" y="0"/>
+                  </a:moveTo>
+                  <a:lnTo>
+                    <a:pt x="0" y="83546"/>
+                  </a:lnTo>
+                  <a:lnTo>
+                    <a:pt x="962771" y="83546"/>
+                  </a:lnTo>
+                  <a:lnTo>
+                    <a:pt x="962771" y="167092"/>
+                  </a:lnTo>
+                </a:path>
+              </a:pathLst>
+            </a:custGeom>
+            <a:noFill/>
+          </p:spPr>
+          <p:style>
+            <a:lnRef idx="2">
+              <a:schemeClr val="accent1">
+                <a:shade val="80000"/>
+                <a:hueOff val="0"/>
+                <a:satOff val="0"/>
+                <a:lumOff val="0"/>
+                <a:alphaOff val="0"/>
+              </a:schemeClr>
+            </a:lnRef>
+            <a:fillRef idx="0">
+              <a:scrgbClr r="0" g="0" b="0"/>
+            </a:fillRef>
+            <a:effectRef idx="0">
+              <a:schemeClr val="accent1">
+                <a:hueOff val="0"/>
+                <a:satOff val="0"/>
+                <a:lumOff val="0"/>
+                <a:alphaOff val="0"/>
+              </a:schemeClr>
+            </a:effectRef>
+            <a:fontRef idx="minor">
+              <a:schemeClr val="tx1">
+                <a:hueOff val="0"/>
+                <a:satOff val="0"/>
+                <a:lumOff val="0"/>
+                <a:alphaOff val="0"/>
+              </a:schemeClr>
+            </a:fontRef>
+          </p:style>
+        </p:sp>
+        <p:sp>
+          <p:nvSpPr>
+            <p:cNvPr id="30" name="Freeform 29"/>
+            <p:cNvSpPr/>
+            <p:nvPr/>
+          </p:nvSpPr>
+          <p:spPr>
+            <a:xfrm>
+              <a:off x="4664793" y="5793504"/>
+              <a:ext cx="91440" cy="167092"/>
+            </a:xfrm>
+            <a:custGeom>
+              <a:avLst/>
+              <a:gdLst/>
+              <a:ahLst/>
+              <a:cxnLst/>
+              <a:rect l="0" t="0" r="0" b="0"/>
+              <a:pathLst>
+                <a:path>
+                  <a:moveTo>
+                    <a:pt x="45720" y="0"/>
+                  </a:moveTo>
+                  <a:lnTo>
+                    <a:pt x="45720" y="167092"/>
+                  </a:lnTo>
+                </a:path>
+              </a:pathLst>
+            </a:custGeom>
+            <a:noFill/>
+          </p:spPr>
+          <p:style>
+            <a:lnRef idx="2">
+              <a:schemeClr val="accent1">
+                <a:shade val="80000"/>
+                <a:hueOff val="0"/>
+                <a:satOff val="0"/>
+                <a:lumOff val="0"/>
+                <a:alphaOff val="0"/>
+              </a:schemeClr>
+            </a:lnRef>
+            <a:fillRef idx="0">
+              <a:scrgbClr r="0" g="0" b="0"/>
+            </a:fillRef>
+            <a:effectRef idx="0">
+              <a:schemeClr val="accent1">
+                <a:hueOff val="0"/>
+                <a:satOff val="0"/>
+                <a:lumOff val="0"/>
+                <a:alphaOff val="0"/>
+              </a:schemeClr>
+            </a:effectRef>
+            <a:fontRef idx="minor">
+              <a:schemeClr val="tx1">
+                <a:hueOff val="0"/>
+                <a:satOff val="0"/>
+                <a:lumOff val="0"/>
+                <a:alphaOff val="0"/>
+              </a:schemeClr>
+            </a:fontRef>
+          </p:style>
+        </p:sp>
+        <p:sp>
+          <p:nvSpPr>
+            <p:cNvPr id="31" name="Freeform 30"/>
+            <p:cNvSpPr/>
+            <p:nvPr/>
+          </p:nvSpPr>
+          <p:spPr>
+            <a:xfrm>
+              <a:off x="3747741" y="5793504"/>
+              <a:ext cx="962771" cy="167092"/>
+            </a:xfrm>
+            <a:custGeom>
+              <a:avLst/>
+              <a:gdLst/>
+              <a:ahLst/>
+              <a:cxnLst/>
+              <a:rect l="0" t="0" r="0" b="0"/>
+              <a:pathLst>
+                <a:path>
+                  <a:moveTo>
+                    <a:pt x="962771" y="0"/>
+                  </a:moveTo>
+                  <a:lnTo>
+                    <a:pt x="962771" y="83546"/>
+                  </a:lnTo>
+                  <a:lnTo>
+                    <a:pt x="0" y="83546"/>
+                  </a:lnTo>
+                  <a:lnTo>
+                    <a:pt x="0" y="167092"/>
+                  </a:lnTo>
+                </a:path>
+              </a:pathLst>
+            </a:custGeom>
+            <a:noFill/>
+          </p:spPr>
+          <p:style>
+            <a:lnRef idx="2">
+              <a:schemeClr val="accent1">
+                <a:shade val="80000"/>
+                <a:hueOff val="0"/>
+                <a:satOff val="0"/>
+                <a:lumOff val="0"/>
+                <a:alphaOff val="0"/>
+              </a:schemeClr>
+            </a:lnRef>
+            <a:fillRef idx="0">
+              <a:scrgbClr r="0" g="0" b="0"/>
+            </a:fillRef>
+            <a:effectRef idx="0">
+              <a:schemeClr val="accent1">
+                <a:hueOff val="0"/>
+                <a:satOff val="0"/>
+                <a:lumOff val="0"/>
+                <a:alphaOff val="0"/>
+              </a:schemeClr>
+            </a:effectRef>
+            <a:fontRef idx="minor">
+              <a:schemeClr val="tx1">
+                <a:hueOff val="0"/>
+                <a:satOff val="0"/>
+                <a:lumOff val="0"/>
+                <a:alphaOff val="0"/>
+              </a:schemeClr>
+            </a:fontRef>
+          </p:style>
+        </p:sp>
+        <p:sp>
+          <p:nvSpPr>
+            <p:cNvPr id="44" name="Freeform 43"/>
+            <p:cNvSpPr/>
+            <p:nvPr/>
+          </p:nvSpPr>
+          <p:spPr>
+            <a:xfrm>
+              <a:off x="3349902" y="5960596"/>
+              <a:ext cx="795679" cy="397839"/>
+            </a:xfrm>
+            <a:custGeom>
+              <a:avLst/>
+              <a:gdLst>
+                <a:gd name="connsiteX0" fmla="*/ 0 w 795679"/>
+                <a:gd name="connsiteY0" fmla="*/ 0 h 397839"/>
+                <a:gd name="connsiteX1" fmla="*/ 795679 w 795679"/>
+                <a:gd name="connsiteY1" fmla="*/ 0 h 397839"/>
+                <a:gd name="connsiteX2" fmla="*/ 795679 w 795679"/>
+                <a:gd name="connsiteY2" fmla="*/ 397839 h 397839"/>
+                <a:gd name="connsiteX3" fmla="*/ 0 w 795679"/>
+                <a:gd name="connsiteY3" fmla="*/ 397839 h 397839"/>
+                <a:gd name="connsiteX4" fmla="*/ 0 w 795679"/>
+                <a:gd name="connsiteY4" fmla="*/ 0 h 397839"/>
+              </a:gdLst>
+              <a:ahLst/>
+              <a:cxnLst>
+                <a:cxn ang="0">
+                  <a:pos x="connsiteX0" y="connsiteY0"/>
+                </a:cxn>
+                <a:cxn ang="0">
+                  <a:pos x="connsiteX1" y="connsiteY1"/>
+                </a:cxn>
+                <a:cxn ang="0">
+                  <a:pos x="connsiteX2" y="connsiteY2"/>
+                </a:cxn>
+                <a:cxn ang="0">
+                  <a:pos x="connsiteX3" y="connsiteY3"/>
+                </a:cxn>
+                <a:cxn ang="0">
+                  <a:pos x="connsiteX4" y="connsiteY4"/>
+                </a:cxn>
+              </a:cxnLst>
+              <a:rect l="l" t="t" r="r" b="b"/>
+              <a:pathLst>
+                <a:path w="795679" h="397839">
+                  <a:moveTo>
+                    <a:pt x="0" y="0"/>
+                  </a:moveTo>
+                  <a:lnTo>
+                    <a:pt x="795679" y="0"/>
+                  </a:lnTo>
+                  <a:lnTo>
+                    <a:pt x="795679" y="397839"/>
+                  </a:lnTo>
+                  <a:lnTo>
+                    <a:pt x="0" y="397839"/>
+                  </a:lnTo>
+                  <a:lnTo>
+                    <a:pt x="0" y="0"/>
+                  </a:lnTo>
+                  <a:close/>
+                </a:path>
+              </a:pathLst>
+            </a:custGeom>
+            <a:gradFill rotWithShape="0">
+              <a:gsLst>
+                <a:gs pos="0">
+                  <a:srgbClr val="DDEBCF"/>
+                </a:gs>
+                <a:gs pos="50000">
+                  <a:srgbClr val="9CB86E"/>
+                </a:gs>
+                <a:gs pos="100000">
+                  <a:srgbClr val="156B13"/>
+                </a:gs>
+              </a:gsLst>
+              <a:lin ang="16200000" scaled="0"/>
+            </a:gradFill>
+            <a:scene3d>
+              <a:camera prst="orthographicFront"/>
+              <a:lightRig rig="flat" dir="t"/>
+            </a:scene3d>
+            <a:sp3d prstMaterial="dkEdge">
+              <a:bevelT w="8200" h="38100"/>
+            </a:sp3d>
+          </p:spPr>
+          <p:style>
+            <a:lnRef idx="0">
+              <a:schemeClr val="lt1">
+                <a:hueOff val="0"/>
+                <a:satOff val="0"/>
+                <a:lumOff val="0"/>
+                <a:alphaOff val="0"/>
+              </a:schemeClr>
+            </a:lnRef>
+            <a:fillRef idx="2">
+              <a:scrgbClr r="0" g="0" b="0"/>
+            </a:fillRef>
+            <a:effectRef idx="1">
+              <a:schemeClr val="accent1">
+                <a:hueOff val="0"/>
+                <a:satOff val="0"/>
+                <a:lumOff val="0"/>
+                <a:alphaOff val="0"/>
+              </a:schemeClr>
+            </a:effectRef>
+            <a:fontRef idx="minor">
+              <a:schemeClr val="dk1"/>
+            </a:fontRef>
+          </p:style>
+          <p:txBody>
+            <a:bodyPr spcFirstLastPara="0" vert="horz" wrap="square" lIns="6350" tIns="6350" rIns="6350" bIns="6350" numCol="1" spcCol="1270" anchor="ctr" anchorCtr="0">
+              <a:noAutofit/>
+            </a:bodyPr>
+            <a:lstStyle/>
+            <a:p>
+              <a:pPr lvl="0" algn="ctr" defTabSz="444500">
+                <a:lnSpc>
+                  <a:spcPct val="90000"/>
+                </a:lnSpc>
+                <a:spcBef>
+                  <a:spcPct val="0"/>
+                </a:spcBef>
+                <a:spcAft>
+                  <a:spcPct val="35000"/>
+                </a:spcAft>
+              </a:pPr>
+              <a:r>
+                <a:rPr lang="en-US" sz="1000" kern="1200" dirty="0"/>
+                <a:t>Draw Circle</a:t>
+              </a:r>
+            </a:p>
+          </p:txBody>
+        </p:sp>
+        <p:sp>
+          <p:nvSpPr>
+            <p:cNvPr id="45" name="Freeform 44"/>
+            <p:cNvSpPr/>
+            <p:nvPr/>
+          </p:nvSpPr>
+          <p:spPr>
+            <a:xfrm>
+              <a:off x="4312673" y="5960596"/>
+              <a:ext cx="795679" cy="397839"/>
+            </a:xfrm>
+            <a:custGeom>
+              <a:avLst/>
+              <a:gdLst>
+                <a:gd name="connsiteX0" fmla="*/ 0 w 795679"/>
+                <a:gd name="connsiteY0" fmla="*/ 0 h 397839"/>
+                <a:gd name="connsiteX1" fmla="*/ 795679 w 795679"/>
+                <a:gd name="connsiteY1" fmla="*/ 0 h 397839"/>
+                <a:gd name="connsiteX2" fmla="*/ 795679 w 795679"/>
+                <a:gd name="connsiteY2" fmla="*/ 397839 h 397839"/>
+                <a:gd name="connsiteX3" fmla="*/ 0 w 795679"/>
+                <a:gd name="connsiteY3" fmla="*/ 397839 h 397839"/>
+                <a:gd name="connsiteX4" fmla="*/ 0 w 795679"/>
+                <a:gd name="connsiteY4" fmla="*/ 0 h 397839"/>
+              </a:gdLst>
+              <a:ahLst/>
+              <a:cxnLst>
+                <a:cxn ang="0">
+                  <a:pos x="connsiteX0" y="connsiteY0"/>
+                </a:cxn>
+                <a:cxn ang="0">
+                  <a:pos x="connsiteX1" y="connsiteY1"/>
+                </a:cxn>
+                <a:cxn ang="0">
+                  <a:pos x="connsiteX2" y="connsiteY2"/>
+                </a:cxn>
+                <a:cxn ang="0">
+                  <a:pos x="connsiteX3" y="connsiteY3"/>
+                </a:cxn>
+                <a:cxn ang="0">
+                  <a:pos x="connsiteX4" y="connsiteY4"/>
+                </a:cxn>
+              </a:cxnLst>
+              <a:rect l="l" t="t" r="r" b="b"/>
+              <a:pathLst>
+                <a:path w="795679" h="397839">
+                  <a:moveTo>
+                    <a:pt x="0" y="0"/>
+                  </a:moveTo>
+                  <a:lnTo>
+                    <a:pt x="795679" y="0"/>
+                  </a:lnTo>
+                  <a:lnTo>
+                    <a:pt x="795679" y="397839"/>
+                  </a:lnTo>
+                  <a:lnTo>
+                    <a:pt x="0" y="397839"/>
+                  </a:lnTo>
+                  <a:lnTo>
+                    <a:pt x="0" y="0"/>
+                  </a:lnTo>
+                  <a:close/>
+                </a:path>
+              </a:pathLst>
+            </a:custGeom>
+            <a:gradFill rotWithShape="0">
+              <a:gsLst>
+                <a:gs pos="0">
+                  <a:srgbClr val="5E9EFF"/>
+                </a:gs>
+                <a:gs pos="39999">
+                  <a:srgbClr val="85C2FF"/>
+                </a:gs>
+                <a:gs pos="70000">
+                  <a:srgbClr val="C4D6EB"/>
+                </a:gs>
+                <a:gs pos="100000">
+                  <a:srgbClr val="FFEBFA"/>
+                </a:gs>
+              </a:gsLst>
+              <a:lin ang="16200000" scaled="0"/>
+            </a:gradFill>
+            <a:scene3d>
+              <a:camera prst="orthographicFront"/>
+              <a:lightRig rig="flat" dir="t"/>
+            </a:scene3d>
+            <a:sp3d prstMaterial="dkEdge">
+              <a:bevelT w="8200" h="38100"/>
+            </a:sp3d>
+          </p:spPr>
+          <p:style>
+            <a:lnRef idx="0">
+              <a:schemeClr val="lt1">
+                <a:hueOff val="0"/>
+                <a:satOff val="0"/>
+                <a:lumOff val="0"/>
+                <a:alphaOff val="0"/>
+              </a:schemeClr>
+            </a:lnRef>
+            <a:fillRef idx="2">
+              <a:scrgbClr r="0" g="0" b="0"/>
+            </a:fillRef>
+            <a:effectRef idx="1">
+              <a:schemeClr val="accent1">
+                <a:hueOff val="0"/>
+                <a:satOff val="0"/>
+                <a:lumOff val="0"/>
+                <a:alphaOff val="0"/>
+              </a:schemeClr>
+            </a:effectRef>
+            <a:fontRef idx="minor">
+              <a:schemeClr val="dk1"/>
+            </a:fontRef>
+          </p:style>
+          <p:txBody>
+            <a:bodyPr spcFirstLastPara="0" vert="horz" wrap="square" lIns="6350" tIns="6350" rIns="6350" bIns="6350" numCol="1" spcCol="1270" anchor="ctr" anchorCtr="0">
+              <a:noAutofit/>
+            </a:bodyPr>
+            <a:lstStyle/>
+            <a:p>
+              <a:pPr lvl="0" algn="ctr" defTabSz="444500">
+                <a:lnSpc>
+                  <a:spcPct val="90000"/>
+                </a:lnSpc>
+                <a:spcBef>
+                  <a:spcPct val="0"/>
+                </a:spcBef>
+                <a:spcAft>
+                  <a:spcPct val="35000"/>
+                </a:spcAft>
+              </a:pPr>
+              <a:r>
+                <a:rPr lang="en-US" sz="1000" kern="1200" dirty="0"/>
+                <a:t>Draw Rectangle</a:t>
+              </a:r>
+            </a:p>
+          </p:txBody>
+        </p:sp>
+        <p:sp>
+          <p:nvSpPr>
+            <p:cNvPr id="46" name="Freeform 45"/>
+            <p:cNvSpPr/>
+            <p:nvPr/>
+          </p:nvSpPr>
+          <p:spPr>
+            <a:xfrm>
+              <a:off x="5275445" y="5960596"/>
+              <a:ext cx="795679" cy="397839"/>
+            </a:xfrm>
+            <a:custGeom>
+              <a:avLst/>
+              <a:gdLst>
+                <a:gd name="connsiteX0" fmla="*/ 0 w 795679"/>
+                <a:gd name="connsiteY0" fmla="*/ 0 h 397839"/>
+                <a:gd name="connsiteX1" fmla="*/ 795679 w 795679"/>
+                <a:gd name="connsiteY1" fmla="*/ 0 h 397839"/>
+                <a:gd name="connsiteX2" fmla="*/ 795679 w 795679"/>
+                <a:gd name="connsiteY2" fmla="*/ 397839 h 397839"/>
+                <a:gd name="connsiteX3" fmla="*/ 0 w 795679"/>
+                <a:gd name="connsiteY3" fmla="*/ 397839 h 397839"/>
+                <a:gd name="connsiteX4" fmla="*/ 0 w 795679"/>
+                <a:gd name="connsiteY4" fmla="*/ 0 h 397839"/>
+              </a:gdLst>
+              <a:ahLst/>
+              <a:cxnLst>
+                <a:cxn ang="0">
+                  <a:pos x="connsiteX0" y="connsiteY0"/>
+                </a:cxn>
+                <a:cxn ang="0">
+                  <a:pos x="connsiteX1" y="connsiteY1"/>
+                </a:cxn>
+                <a:cxn ang="0">
+                  <a:pos x="connsiteX2" y="connsiteY2"/>
+                </a:cxn>
+                <a:cxn ang="0">
+                  <a:pos x="connsiteX3" y="connsiteY3"/>
+                </a:cxn>
+                <a:cxn ang="0">
+                  <a:pos x="connsiteX4" y="connsiteY4"/>
+                </a:cxn>
+              </a:cxnLst>
+              <a:rect l="l" t="t" r="r" b="b"/>
+              <a:pathLst>
+                <a:path w="795679" h="397839">
+                  <a:moveTo>
+                    <a:pt x="0" y="0"/>
+                  </a:moveTo>
+                  <a:lnTo>
+                    <a:pt x="795679" y="0"/>
+                  </a:lnTo>
+                  <a:lnTo>
+                    <a:pt x="795679" y="397839"/>
+                  </a:lnTo>
+                  <a:lnTo>
+                    <a:pt x="0" y="397839"/>
+                  </a:lnTo>
+                  <a:lnTo>
+                    <a:pt x="0" y="0"/>
+                  </a:lnTo>
+                  <a:close/>
+                </a:path>
+              </a:pathLst>
+            </a:custGeom>
+            <a:gradFill rotWithShape="0">
+              <a:gsLst>
+                <a:gs pos="0">
+                  <a:srgbClr val="FBEAC7"/>
+                </a:gs>
+                <a:gs pos="17999">
+                  <a:srgbClr val="FEE7F2"/>
+                </a:gs>
+                <a:gs pos="36000">
+                  <a:srgbClr val="FAC77D"/>
+                </a:gs>
+                <a:gs pos="61000">
+                  <a:srgbClr val="FBA97D"/>
+                </a:gs>
+                <a:gs pos="82001">
+                  <a:srgbClr val="FBD49C"/>
+                </a:gs>
+                <a:gs pos="100000">
+                  <a:srgbClr val="FEE7F2"/>
+                </a:gs>
+              </a:gsLst>
+              <a:lin ang="16200000" scaled="0"/>
+            </a:gradFill>
+            <a:scene3d>
+              <a:camera prst="orthographicFront"/>
+              <a:lightRig rig="flat" dir="t"/>
+            </a:scene3d>
+            <a:sp3d prstMaterial="dkEdge">
+              <a:bevelT w="8200" h="38100"/>
+            </a:sp3d>
+          </p:spPr>
+          <p:style>
+            <a:lnRef idx="0">
+              <a:schemeClr val="lt1">
+                <a:hueOff val="0"/>
+                <a:satOff val="0"/>
+                <a:lumOff val="0"/>
+                <a:alphaOff val="0"/>
+              </a:schemeClr>
+            </a:lnRef>
+            <a:fillRef idx="2">
+              <a:scrgbClr r="0" g="0" b="0"/>
+            </a:fillRef>
+            <a:effectRef idx="1">
+              <a:schemeClr val="accent1">
+                <a:hueOff val="0"/>
+                <a:satOff val="0"/>
+                <a:lumOff val="0"/>
+                <a:alphaOff val="0"/>
+              </a:schemeClr>
+            </a:effectRef>
+            <a:fontRef idx="minor">
+              <a:schemeClr val="dk1"/>
+            </a:fontRef>
+          </p:style>
+          <p:txBody>
+            <a:bodyPr spcFirstLastPara="0" vert="horz" wrap="square" lIns="6350" tIns="6350" rIns="6350" bIns="6350" numCol="1" spcCol="1270" anchor="ctr" anchorCtr="0">
+              <a:noAutofit/>
+            </a:bodyPr>
+            <a:lstStyle/>
+            <a:p>
+              <a:pPr lvl="0" algn="ctr" defTabSz="444500">
+                <a:lnSpc>
+                  <a:spcPct val="90000"/>
+                </a:lnSpc>
+                <a:spcBef>
+                  <a:spcPct val="0"/>
+                </a:spcBef>
+                <a:spcAft>
+                  <a:spcPct val="35000"/>
+                </a:spcAft>
+              </a:pPr>
+              <a:r>
+                <a:rPr lang="en-US" sz="1000" kern="1200" dirty="0"/>
+                <a:t>Draw Inverted V</a:t>
+              </a:r>
+            </a:p>
+          </p:txBody>
+        </p:sp>
+      </p:grpSp>
+      <p:grpSp>
+        <p:nvGrpSpPr>
+          <p:cNvPr id="55" name="Group 54"/>
+          <p:cNvGrpSpPr/>
+          <p:nvPr/>
+        </p:nvGrpSpPr>
+        <p:grpSpPr>
+          <a:xfrm>
+            <a:off x="6238217" y="5793504"/>
+            <a:ext cx="2721222" cy="564931"/>
+            <a:chOff x="6238217" y="5793504"/>
+            <a:chExt cx="2721222" cy="564931"/>
+          </a:xfrm>
+        </p:grpSpPr>
+        <p:sp>
+          <p:nvSpPr>
+            <p:cNvPr id="4" name="Freeform 3"/>
+            <p:cNvSpPr/>
+            <p:nvPr/>
+          </p:nvSpPr>
+          <p:spPr>
+            <a:xfrm>
+              <a:off x="7598828" y="5793504"/>
+              <a:ext cx="962771" cy="167092"/>
+            </a:xfrm>
+            <a:custGeom>
+              <a:avLst/>
+              <a:gdLst/>
+              <a:ahLst/>
+              <a:cxnLst/>
+              <a:rect l="0" t="0" r="0" b="0"/>
+              <a:pathLst>
+                <a:path>
+                  <a:moveTo>
+                    <a:pt x="0" y="0"/>
+                  </a:moveTo>
+                  <a:lnTo>
+                    <a:pt x="0" y="83546"/>
+                  </a:lnTo>
+                  <a:lnTo>
+                    <a:pt x="962771" y="83546"/>
+                  </a:lnTo>
+                  <a:lnTo>
+                    <a:pt x="962771" y="167092"/>
+                  </a:lnTo>
+                </a:path>
+              </a:pathLst>
+            </a:custGeom>
+            <a:noFill/>
+          </p:spPr>
+          <p:style>
+            <a:lnRef idx="2">
+              <a:schemeClr val="accent1">
+                <a:shade val="80000"/>
+                <a:hueOff val="0"/>
+                <a:satOff val="0"/>
+                <a:lumOff val="0"/>
+                <a:alphaOff val="0"/>
+              </a:schemeClr>
+            </a:lnRef>
+            <a:fillRef idx="0">
+              <a:scrgbClr r="0" g="0" b="0"/>
+            </a:fillRef>
+            <a:effectRef idx="0">
+              <a:schemeClr val="accent1">
+                <a:hueOff val="0"/>
+                <a:satOff val="0"/>
+                <a:lumOff val="0"/>
+                <a:alphaOff val="0"/>
+              </a:schemeClr>
+            </a:effectRef>
+            <a:fontRef idx="minor">
+              <a:schemeClr val="tx1">
+                <a:hueOff val="0"/>
+                <a:satOff val="0"/>
+                <a:lumOff val="0"/>
+                <a:alphaOff val="0"/>
+              </a:schemeClr>
+            </a:fontRef>
+          </p:style>
+        </p:sp>
+        <p:sp>
+          <p:nvSpPr>
+            <p:cNvPr id="5" name="Freeform 4"/>
+            <p:cNvSpPr/>
+            <p:nvPr/>
+          </p:nvSpPr>
+          <p:spPr>
+            <a:xfrm>
+              <a:off x="7553108" y="5793504"/>
+              <a:ext cx="91440" cy="167092"/>
+            </a:xfrm>
+            <a:custGeom>
+              <a:avLst/>
+              <a:gdLst/>
+              <a:ahLst/>
+              <a:cxnLst/>
+              <a:rect l="0" t="0" r="0" b="0"/>
+              <a:pathLst>
+                <a:path>
+                  <a:moveTo>
+                    <a:pt x="45720" y="0"/>
+                  </a:moveTo>
+                  <a:lnTo>
+                    <a:pt x="45720" y="167092"/>
+                  </a:lnTo>
+                </a:path>
+              </a:pathLst>
+            </a:custGeom>
+            <a:noFill/>
+          </p:spPr>
+          <p:style>
+            <a:lnRef idx="2">
+              <a:schemeClr val="accent1">
+                <a:shade val="80000"/>
+                <a:hueOff val="0"/>
+                <a:satOff val="0"/>
+                <a:lumOff val="0"/>
+                <a:alphaOff val="0"/>
+              </a:schemeClr>
+            </a:lnRef>
+            <a:fillRef idx="0">
+              <a:scrgbClr r="0" g="0" b="0"/>
+            </a:fillRef>
+            <a:effectRef idx="0">
+              <a:schemeClr val="accent1">
+                <a:hueOff val="0"/>
+                <a:satOff val="0"/>
+                <a:lumOff val="0"/>
+                <a:alphaOff val="0"/>
+              </a:schemeClr>
+            </a:effectRef>
+            <a:fontRef idx="minor">
+              <a:schemeClr val="tx1">
+                <a:hueOff val="0"/>
+                <a:satOff val="0"/>
+                <a:lumOff val="0"/>
+                <a:alphaOff val="0"/>
+              </a:schemeClr>
+            </a:fontRef>
+          </p:style>
+        </p:sp>
+        <p:sp>
+          <p:nvSpPr>
+            <p:cNvPr id="27" name="Freeform 26"/>
+            <p:cNvSpPr/>
+            <p:nvPr/>
+          </p:nvSpPr>
+          <p:spPr>
+            <a:xfrm>
+              <a:off x="6636056" y="5793504"/>
+              <a:ext cx="962771" cy="167092"/>
+            </a:xfrm>
+            <a:custGeom>
+              <a:avLst/>
+              <a:gdLst/>
+              <a:ahLst/>
+              <a:cxnLst/>
+              <a:rect l="0" t="0" r="0" b="0"/>
+              <a:pathLst>
+                <a:path>
+                  <a:moveTo>
+                    <a:pt x="962771" y="0"/>
+                  </a:moveTo>
+                  <a:lnTo>
+                    <a:pt x="962771" y="83546"/>
+                  </a:lnTo>
+                  <a:lnTo>
+                    <a:pt x="0" y="83546"/>
+                  </a:lnTo>
+                  <a:lnTo>
+                    <a:pt x="0" y="167092"/>
+                  </a:lnTo>
+                </a:path>
+              </a:pathLst>
+            </a:custGeom>
+            <a:noFill/>
+          </p:spPr>
+          <p:style>
+            <a:lnRef idx="2">
+              <a:schemeClr val="accent1">
+                <a:shade val="80000"/>
+                <a:hueOff val="0"/>
+                <a:satOff val="0"/>
+                <a:lumOff val="0"/>
+                <a:alphaOff val="0"/>
+              </a:schemeClr>
+            </a:lnRef>
+            <a:fillRef idx="0">
+              <a:scrgbClr r="0" g="0" b="0"/>
+            </a:fillRef>
+            <a:effectRef idx="0">
+              <a:schemeClr val="accent1">
+                <a:hueOff val="0"/>
+                <a:satOff val="0"/>
+                <a:lumOff val="0"/>
+                <a:alphaOff val="0"/>
+              </a:schemeClr>
+            </a:effectRef>
+            <a:fontRef idx="minor">
+              <a:schemeClr val="tx1">
+                <a:hueOff val="0"/>
+                <a:satOff val="0"/>
+                <a:lumOff val="0"/>
+                <a:alphaOff val="0"/>
+              </a:schemeClr>
+            </a:fontRef>
+          </p:style>
+        </p:sp>
+        <p:sp>
+          <p:nvSpPr>
+            <p:cNvPr id="48" name="Freeform 47"/>
+            <p:cNvSpPr/>
+            <p:nvPr/>
+          </p:nvSpPr>
+          <p:spPr>
+            <a:xfrm>
+              <a:off x="6238217" y="5960596"/>
+              <a:ext cx="795679" cy="397839"/>
+            </a:xfrm>
+            <a:custGeom>
+              <a:avLst/>
+              <a:gdLst>
+                <a:gd name="connsiteX0" fmla="*/ 0 w 795679"/>
+                <a:gd name="connsiteY0" fmla="*/ 0 h 397839"/>
+                <a:gd name="connsiteX1" fmla="*/ 795679 w 795679"/>
+                <a:gd name="connsiteY1" fmla="*/ 0 h 397839"/>
+                <a:gd name="connsiteX2" fmla="*/ 795679 w 795679"/>
+                <a:gd name="connsiteY2" fmla="*/ 397839 h 397839"/>
+                <a:gd name="connsiteX3" fmla="*/ 0 w 795679"/>
+                <a:gd name="connsiteY3" fmla="*/ 397839 h 397839"/>
+                <a:gd name="connsiteX4" fmla="*/ 0 w 795679"/>
+                <a:gd name="connsiteY4" fmla="*/ 0 h 397839"/>
+              </a:gdLst>
+              <a:ahLst/>
+              <a:cxnLst>
+                <a:cxn ang="0">
+                  <a:pos x="connsiteX0" y="connsiteY0"/>
+                </a:cxn>
+                <a:cxn ang="0">
+                  <a:pos x="connsiteX1" y="connsiteY1"/>
+                </a:cxn>
+                <a:cxn ang="0">
+                  <a:pos x="connsiteX2" y="connsiteY2"/>
+                </a:cxn>
+                <a:cxn ang="0">
+                  <a:pos x="connsiteX3" y="connsiteY3"/>
+                </a:cxn>
+                <a:cxn ang="0">
+                  <a:pos x="connsiteX4" y="connsiteY4"/>
+                </a:cxn>
+              </a:cxnLst>
+              <a:rect l="l" t="t" r="r" b="b"/>
+              <a:pathLst>
+                <a:path w="795679" h="397839">
+                  <a:moveTo>
+                    <a:pt x="0" y="0"/>
+                  </a:moveTo>
+                  <a:lnTo>
+                    <a:pt x="795679" y="0"/>
+                  </a:lnTo>
+                  <a:lnTo>
+                    <a:pt x="795679" y="397839"/>
+                  </a:lnTo>
+                  <a:lnTo>
+                    <a:pt x="0" y="397839"/>
+                  </a:lnTo>
+                  <a:lnTo>
+                    <a:pt x="0" y="0"/>
+                  </a:lnTo>
+                  <a:close/>
+                </a:path>
+              </a:pathLst>
+            </a:custGeom>
+            <a:gradFill rotWithShape="0">
+              <a:gsLst>
+                <a:gs pos="0">
+                  <a:srgbClr val="DDEBCF"/>
+                </a:gs>
+                <a:gs pos="50000">
+                  <a:srgbClr val="9CB86E"/>
+                </a:gs>
+                <a:gs pos="100000">
+                  <a:srgbClr val="156B13"/>
+                </a:gs>
+              </a:gsLst>
+              <a:lin ang="16200000" scaled="0"/>
+            </a:gradFill>
+            <a:scene3d>
+              <a:camera prst="orthographicFront"/>
+              <a:lightRig rig="flat" dir="t"/>
+            </a:scene3d>
+            <a:sp3d prstMaterial="dkEdge">
+              <a:bevelT w="8200" h="38100"/>
+            </a:sp3d>
+          </p:spPr>
+          <p:style>
+            <a:lnRef idx="0">
+              <a:schemeClr val="lt1">
+                <a:hueOff val="0"/>
+                <a:satOff val="0"/>
+                <a:lumOff val="0"/>
+                <a:alphaOff val="0"/>
+              </a:schemeClr>
+            </a:lnRef>
+            <a:fillRef idx="2">
+              <a:scrgbClr r="0" g="0" b="0"/>
+            </a:fillRef>
+            <a:effectRef idx="1">
+              <a:schemeClr val="accent1">
+                <a:hueOff val="0"/>
+                <a:satOff val="0"/>
+                <a:lumOff val="0"/>
+                <a:alphaOff val="0"/>
+              </a:schemeClr>
+            </a:effectRef>
+            <a:fontRef idx="minor">
+              <a:schemeClr val="dk1"/>
+            </a:fontRef>
+          </p:style>
+          <p:txBody>
+            <a:bodyPr spcFirstLastPara="0" vert="horz" wrap="square" lIns="6350" tIns="6350" rIns="6350" bIns="6350" numCol="1" spcCol="1270" anchor="ctr" anchorCtr="0">
+              <a:noAutofit/>
+            </a:bodyPr>
+            <a:lstStyle/>
+            <a:p>
+              <a:pPr lvl="0" algn="ctr" defTabSz="444500">
+                <a:lnSpc>
+                  <a:spcPct val="90000"/>
+                </a:lnSpc>
+                <a:spcBef>
+                  <a:spcPct val="0"/>
+                </a:spcBef>
+                <a:spcAft>
+                  <a:spcPct val="35000"/>
+                </a:spcAft>
+              </a:pPr>
+              <a:r>
+                <a:rPr lang="en-US" sz="1000" kern="1200" dirty="0"/>
+                <a:t>Draw Circle</a:t>
+              </a:r>
+            </a:p>
+          </p:txBody>
+        </p:sp>
+        <p:sp>
+          <p:nvSpPr>
+            <p:cNvPr id="49" name="Freeform 48"/>
+            <p:cNvSpPr/>
+            <p:nvPr/>
+          </p:nvSpPr>
+          <p:spPr>
+            <a:xfrm>
+              <a:off x="7200988" y="5960596"/>
+              <a:ext cx="795679" cy="397839"/>
+            </a:xfrm>
+            <a:custGeom>
+              <a:avLst/>
+              <a:gdLst>
+                <a:gd name="connsiteX0" fmla="*/ 0 w 795679"/>
+                <a:gd name="connsiteY0" fmla="*/ 0 h 397839"/>
+                <a:gd name="connsiteX1" fmla="*/ 795679 w 795679"/>
+                <a:gd name="connsiteY1" fmla="*/ 0 h 397839"/>
+                <a:gd name="connsiteX2" fmla="*/ 795679 w 795679"/>
+                <a:gd name="connsiteY2" fmla="*/ 397839 h 397839"/>
+                <a:gd name="connsiteX3" fmla="*/ 0 w 795679"/>
+                <a:gd name="connsiteY3" fmla="*/ 397839 h 397839"/>
+                <a:gd name="connsiteX4" fmla="*/ 0 w 795679"/>
+                <a:gd name="connsiteY4" fmla="*/ 0 h 397839"/>
+              </a:gdLst>
+              <a:ahLst/>
+              <a:cxnLst>
+                <a:cxn ang="0">
+                  <a:pos x="connsiteX0" y="connsiteY0"/>
+                </a:cxn>
+                <a:cxn ang="0">
+                  <a:pos x="connsiteX1" y="connsiteY1"/>
+                </a:cxn>
+                <a:cxn ang="0">
+                  <a:pos x="connsiteX2" y="connsiteY2"/>
+                </a:cxn>
+                <a:cxn ang="0">
+                  <a:pos x="connsiteX3" y="connsiteY3"/>
+                </a:cxn>
+                <a:cxn ang="0">
+                  <a:pos x="connsiteX4" y="connsiteY4"/>
+                </a:cxn>
+              </a:cxnLst>
+              <a:rect l="l" t="t" r="r" b="b"/>
+              <a:pathLst>
+                <a:path w="795679" h="397839">
+                  <a:moveTo>
+                    <a:pt x="0" y="0"/>
+                  </a:moveTo>
+                  <a:lnTo>
+                    <a:pt x="795679" y="0"/>
+                  </a:lnTo>
+                  <a:lnTo>
+                    <a:pt x="795679" y="397839"/>
+                  </a:lnTo>
+                  <a:lnTo>
+                    <a:pt x="0" y="397839"/>
+                  </a:lnTo>
+                  <a:lnTo>
+                    <a:pt x="0" y="0"/>
+                  </a:lnTo>
+                  <a:close/>
+                </a:path>
+              </a:pathLst>
+            </a:custGeom>
+            <a:gradFill rotWithShape="0">
+              <a:gsLst>
+                <a:gs pos="0">
+                  <a:srgbClr val="E6DCAC"/>
+                </a:gs>
+                <a:gs pos="12000">
+                  <a:srgbClr val="E6D78A"/>
+                </a:gs>
+                <a:gs pos="30000">
+                  <a:srgbClr val="C7AC4C"/>
+                </a:gs>
+                <a:gs pos="45000">
+                  <a:srgbClr val="E6D78A"/>
+                </a:gs>
+                <a:gs pos="77000">
+                  <a:srgbClr val="C7AC4C"/>
+                </a:gs>
+                <a:gs pos="100000">
+                  <a:srgbClr val="E6DCAC"/>
+                </a:gs>
+              </a:gsLst>
+              <a:lin ang="16200000" scaled="0"/>
+            </a:gradFill>
+            <a:scene3d>
+              <a:camera prst="orthographicFront"/>
+              <a:lightRig rig="flat" dir="t"/>
+            </a:scene3d>
+            <a:sp3d prstMaterial="dkEdge">
+              <a:bevelT w="8200" h="38100"/>
+            </a:sp3d>
+          </p:spPr>
+          <p:style>
+            <a:lnRef idx="0">
+              <a:schemeClr val="lt1">
+                <a:hueOff val="0"/>
+                <a:satOff val="0"/>
+                <a:lumOff val="0"/>
+                <a:alphaOff val="0"/>
+              </a:schemeClr>
+            </a:lnRef>
+            <a:fillRef idx="2">
+              <a:scrgbClr r="0" g="0" b="0"/>
+            </a:fillRef>
+            <a:effectRef idx="1">
+              <a:schemeClr val="accent1">
+                <a:hueOff val="0"/>
+                <a:satOff val="0"/>
+                <a:lumOff val="0"/>
+                <a:alphaOff val="0"/>
+              </a:schemeClr>
+            </a:effectRef>
+            <a:fontRef idx="minor">
+              <a:schemeClr val="dk1"/>
+            </a:fontRef>
+          </p:style>
+          <p:txBody>
+            <a:bodyPr spcFirstLastPara="0" vert="horz" wrap="square" lIns="6350" tIns="6350" rIns="6350" bIns="6350" numCol="1" spcCol="1270" anchor="ctr" anchorCtr="0">
+              <a:noAutofit/>
+            </a:bodyPr>
+            <a:lstStyle/>
+            <a:p>
+              <a:pPr lvl="0" algn="ctr" defTabSz="444500">
+                <a:lnSpc>
+                  <a:spcPct val="90000"/>
+                </a:lnSpc>
+                <a:spcBef>
+                  <a:spcPct val="0"/>
+                </a:spcBef>
+                <a:spcAft>
+                  <a:spcPct val="35000"/>
+                </a:spcAft>
+              </a:pPr>
+              <a:r>
+                <a:rPr lang="en-US" sz="1000" kern="1200" dirty="0"/>
+                <a:t>Draw Triangle</a:t>
+              </a:r>
+            </a:p>
+          </p:txBody>
+        </p:sp>
+        <p:sp>
+          <p:nvSpPr>
+            <p:cNvPr id="50" name="Freeform 49"/>
+            <p:cNvSpPr/>
+            <p:nvPr/>
+          </p:nvSpPr>
+          <p:spPr>
+            <a:xfrm>
+              <a:off x="8163760" y="5960596"/>
+              <a:ext cx="795679" cy="397839"/>
+            </a:xfrm>
+            <a:custGeom>
+              <a:avLst/>
+              <a:gdLst>
+                <a:gd name="connsiteX0" fmla="*/ 0 w 795679"/>
+                <a:gd name="connsiteY0" fmla="*/ 0 h 397839"/>
+                <a:gd name="connsiteX1" fmla="*/ 795679 w 795679"/>
+                <a:gd name="connsiteY1" fmla="*/ 0 h 397839"/>
+                <a:gd name="connsiteX2" fmla="*/ 795679 w 795679"/>
+                <a:gd name="connsiteY2" fmla="*/ 397839 h 397839"/>
+                <a:gd name="connsiteX3" fmla="*/ 0 w 795679"/>
+                <a:gd name="connsiteY3" fmla="*/ 397839 h 397839"/>
+                <a:gd name="connsiteX4" fmla="*/ 0 w 795679"/>
+                <a:gd name="connsiteY4" fmla="*/ 0 h 397839"/>
+              </a:gdLst>
+              <a:ahLst/>
+              <a:cxnLst>
+                <a:cxn ang="0">
+                  <a:pos x="connsiteX0" y="connsiteY0"/>
+                </a:cxn>
+                <a:cxn ang="0">
+                  <a:pos x="connsiteX1" y="connsiteY1"/>
+                </a:cxn>
+                <a:cxn ang="0">
+                  <a:pos x="connsiteX2" y="connsiteY2"/>
+                </a:cxn>
+                <a:cxn ang="0">
+                  <a:pos x="connsiteX3" y="connsiteY3"/>
+                </a:cxn>
+                <a:cxn ang="0">
+                  <a:pos x="connsiteX4" y="connsiteY4"/>
+                </a:cxn>
+              </a:cxnLst>
+              <a:rect l="l" t="t" r="r" b="b"/>
+              <a:pathLst>
+                <a:path w="795679" h="397839">
+                  <a:moveTo>
+                    <a:pt x="0" y="0"/>
+                  </a:moveTo>
+                  <a:lnTo>
+                    <a:pt x="795679" y="0"/>
+                  </a:lnTo>
+                  <a:lnTo>
+                    <a:pt x="795679" y="397839"/>
+                  </a:lnTo>
+                  <a:lnTo>
+                    <a:pt x="0" y="397839"/>
+                  </a:lnTo>
+                  <a:lnTo>
+                    <a:pt x="0" y="0"/>
+                  </a:lnTo>
+                  <a:close/>
+                </a:path>
+              </a:pathLst>
+            </a:custGeom>
+            <a:gradFill rotWithShape="0">
+              <a:gsLst>
+                <a:gs pos="0">
+                  <a:srgbClr val="FBEAC7"/>
+                </a:gs>
+                <a:gs pos="17999">
+                  <a:srgbClr val="FEE7F2"/>
+                </a:gs>
+                <a:gs pos="36000">
+                  <a:srgbClr val="FAC77D"/>
+                </a:gs>
+                <a:gs pos="61000">
+                  <a:srgbClr val="FBA97D"/>
+                </a:gs>
+                <a:gs pos="82001">
+                  <a:srgbClr val="FBD49C"/>
+                </a:gs>
+                <a:gs pos="100000">
+                  <a:srgbClr val="FEE7F2"/>
+                </a:gs>
+              </a:gsLst>
+              <a:lin ang="16200000" scaled="0"/>
+            </a:gradFill>
+            <a:scene3d>
+              <a:camera prst="orthographicFront"/>
+              <a:lightRig rig="flat" dir="t"/>
+            </a:scene3d>
+            <a:sp3d prstMaterial="dkEdge">
+              <a:bevelT w="8200" h="38100"/>
+            </a:sp3d>
+          </p:spPr>
+          <p:style>
+            <a:lnRef idx="0">
+              <a:schemeClr val="lt1">
+                <a:hueOff val="0"/>
+                <a:satOff val="0"/>
+                <a:lumOff val="0"/>
+                <a:alphaOff val="0"/>
+              </a:schemeClr>
+            </a:lnRef>
+            <a:fillRef idx="2">
+              <a:scrgbClr r="0" g="0" b="0"/>
+            </a:fillRef>
+            <a:effectRef idx="1">
+              <a:schemeClr val="accent1">
+                <a:hueOff val="0"/>
+                <a:satOff val="0"/>
+                <a:lumOff val="0"/>
+                <a:alphaOff val="0"/>
+              </a:schemeClr>
+            </a:effectRef>
+            <a:fontRef idx="minor">
+              <a:schemeClr val="dk1"/>
+            </a:fontRef>
+          </p:style>
+          <p:txBody>
+            <a:bodyPr spcFirstLastPara="0" vert="horz" wrap="square" lIns="6350" tIns="6350" rIns="6350" bIns="6350" numCol="1" spcCol="1270" anchor="ctr" anchorCtr="0">
+              <a:noAutofit/>
+            </a:bodyPr>
+            <a:lstStyle/>
+            <a:p>
+              <a:pPr lvl="0" algn="ctr" defTabSz="444500">
+                <a:lnSpc>
+                  <a:spcPct val="90000"/>
+                </a:lnSpc>
+                <a:spcBef>
+                  <a:spcPct val="0"/>
+                </a:spcBef>
+                <a:spcAft>
+                  <a:spcPct val="35000"/>
+                </a:spcAft>
+              </a:pPr>
+              <a:r>
+                <a:rPr lang="en-US" sz="1000" kern="1200" dirty="0"/>
+                <a:t>Draw Inverted V</a:t>
+              </a:r>
+            </a:p>
+          </p:txBody>
+        </p:sp>
+      </p:grpSp>
+    </p:spTree>
+    <p:extLst>
+      <p:ext uri="{BB962C8B-B14F-4D97-AF65-F5344CB8AC3E}">
+        <p14:creationId xmlns:p14="http://schemas.microsoft.com/office/powerpoint/2010/main" val="3813214823"/>
+      </p:ext>
+    </p:extLst>
+  </p:cSld>
+  <p:clrMapOvr>
+    <a:masterClrMapping/>
+  </p:clrMapOvr>
+  <p:transition>
+    <p:fade/>
+  </p:transition>
+  <p:timing>
+    <p:tnLst>
+      <p:par>
+        <p:cTn id="1" dur="indefinite" restart="never" nodeType="tmRoot">
+          <p:childTnLst>
+            <p:seq concurrent="1" nextAc="seek">
+              <p:cTn id="2" dur="indefinite" nodeType="mainSeq">
+                <p:childTnLst>
+                  <p:par>
+                    <p:cTn id="3" fill="hold">
+                      <p:stCondLst>
+                        <p:cond delay="indefinite"/>
+                      </p:stCondLst>
+                      <p:childTnLst>
+                        <p:par>
+                          <p:cTn id="4" fill="hold">
+                            <p:stCondLst>
+                              <p:cond delay="0"/>
+                            </p:stCondLst>
+                            <p:childTnLst>
+                              <p:par>
+                                <p:cTn id="5" presetID="1" presetClass="entr" presetSubtype="0" fill="hold" grpId="0" nodeType="clickEffect">
+                                  <p:stCondLst>
+                                    <p:cond delay="0"/>
+                                  </p:stCondLst>
+                                  <p:childTnLst>
+                                    <p:set>
+                                      <p:cBhvr>
+                                        <p:cTn id="6" dur="1" fill="hold">
+                                          <p:stCondLst>
+                                            <p:cond delay="0"/>
+                                          </p:stCondLst>
+                                        </p:cTn>
+                                        <p:tgtEl>
+                                          <p:spTgt spid="37"/>
+                                        </p:tgtEl>
+                                        <p:attrNameLst>
+                                          <p:attrName>style.visibility</p:attrName>
+                                        </p:attrNameLst>
+                                      </p:cBhvr>
+                                      <p:to>
+                                        <p:strVal val="visible"/>
+                                      </p:to>
+                                    </p:set>
+                                  </p:childTnLst>
+                                </p:cTn>
+                              </p:par>
+                            </p:childTnLst>
+                          </p:cTn>
+                        </p:par>
+                      </p:childTnLst>
+                    </p:cTn>
+                  </p:par>
+                  <p:par>
+                    <p:cTn id="7" fill="hold">
+                      <p:stCondLst>
+                        <p:cond delay="indefinite"/>
+                      </p:stCondLst>
+                      <p:childTnLst>
+                        <p:par>
+                          <p:cTn id="8" fill="hold">
+                            <p:stCondLst>
+                              <p:cond delay="0"/>
+                            </p:stCondLst>
+                            <p:childTnLst>
+                              <p:par>
+                                <p:cTn id="9" presetID="1" presetClass="entr" presetSubtype="0" fill="hold" nodeType="clickEffect">
+                                  <p:stCondLst>
+                                    <p:cond delay="0"/>
+                                  </p:stCondLst>
+                                  <p:childTnLst>
+                                    <p:set>
+                                      <p:cBhvr>
+                                        <p:cTn id="10" dur="1" fill="hold">
+                                          <p:stCondLst>
+                                            <p:cond delay="0"/>
+                                          </p:stCondLst>
+                                        </p:cTn>
+                                        <p:tgtEl>
+                                          <p:spTgt spid="56"/>
+                                        </p:tgtEl>
+                                        <p:attrNameLst>
+                                          <p:attrName>style.visibility</p:attrName>
+                                        </p:attrNameLst>
+                                      </p:cBhvr>
+                                      <p:to>
+                                        <p:strVal val="visible"/>
+                                      </p:to>
+                                    </p:set>
+                                  </p:childTnLst>
+                                </p:cTn>
+                              </p:par>
+                            </p:childTnLst>
+                          </p:cTn>
+                        </p:par>
+                      </p:childTnLst>
+                    </p:cTn>
+                  </p:par>
+                  <p:par>
+                    <p:cTn id="11" fill="hold">
+                      <p:stCondLst>
+                        <p:cond delay="indefinite"/>
+                      </p:stCondLst>
+                      <p:childTnLst>
+                        <p:par>
+                          <p:cTn id="12" fill="hold">
+                            <p:stCondLst>
+                              <p:cond delay="0"/>
+                            </p:stCondLst>
+                            <p:childTnLst>
+                              <p:par>
+                                <p:cTn id="13" presetID="1" presetClass="entr" presetSubtype="0" fill="hold" nodeType="clickEffect">
+                                  <p:stCondLst>
+                                    <p:cond delay="0"/>
+                                  </p:stCondLst>
+                                  <p:childTnLst>
+                                    <p:set>
+                                      <p:cBhvr>
+                                        <p:cTn id="14" dur="1" fill="hold">
+                                          <p:stCondLst>
+                                            <p:cond delay="0"/>
+                                          </p:stCondLst>
+                                        </p:cTn>
+                                        <p:tgtEl>
+                                          <p:spTgt spid="53"/>
+                                        </p:tgtEl>
+                                        <p:attrNameLst>
+                                          <p:attrName>style.visibility</p:attrName>
+                                        </p:attrNameLst>
+                                      </p:cBhvr>
+                                      <p:to>
+                                        <p:strVal val="visible"/>
+                                      </p:to>
+                                    </p:set>
+                                  </p:childTnLst>
+                                </p:cTn>
+                              </p:par>
+                            </p:childTnLst>
+                          </p:cTn>
+                        </p:par>
+                      </p:childTnLst>
+                    </p:cTn>
+                  </p:par>
+                  <p:par>
+                    <p:cTn id="15" fill="hold">
+                      <p:stCondLst>
+                        <p:cond delay="indefinite"/>
+                      </p:stCondLst>
+                      <p:childTnLst>
+                        <p:par>
+                          <p:cTn id="16" fill="hold">
+                            <p:stCondLst>
+                              <p:cond delay="0"/>
+                            </p:stCondLst>
+                            <p:childTnLst>
+                              <p:par>
+                                <p:cTn id="17" presetID="1" presetClass="entr" presetSubtype="0" fill="hold" nodeType="clickEffect">
+                                  <p:stCondLst>
+                                    <p:cond delay="0"/>
+                                  </p:stCondLst>
+                                  <p:childTnLst>
+                                    <p:set>
+                                      <p:cBhvr>
+                                        <p:cTn id="18" dur="1" fill="hold">
+                                          <p:stCondLst>
+                                            <p:cond delay="0"/>
+                                          </p:stCondLst>
+                                        </p:cTn>
+                                        <p:tgtEl>
+                                          <p:spTgt spid="54"/>
+                                        </p:tgtEl>
+                                        <p:attrNameLst>
+                                          <p:attrName>style.visibility</p:attrName>
+                                        </p:attrNameLst>
+                                      </p:cBhvr>
+                                      <p:to>
+                                        <p:strVal val="visible"/>
+                                      </p:to>
+                                    </p:set>
+                                  </p:childTnLst>
+                                </p:cTn>
+                              </p:par>
+                            </p:childTnLst>
+                          </p:cTn>
+                        </p:par>
+                      </p:childTnLst>
+                    </p:cTn>
+                  </p:par>
+                  <p:par>
+                    <p:cTn id="19" fill="hold">
+                      <p:stCondLst>
+                        <p:cond delay="indefinite"/>
+                      </p:stCondLst>
+                      <p:childTnLst>
+                        <p:par>
+                          <p:cTn id="20" fill="hold">
+                            <p:stCondLst>
+                              <p:cond delay="0"/>
+                            </p:stCondLst>
+                            <p:childTnLst>
+                              <p:par>
+                                <p:cTn id="21" presetID="1" presetClass="entr" presetSubtype="0" fill="hold" nodeType="clickEffect">
+                                  <p:stCondLst>
+                                    <p:cond delay="0"/>
+                                  </p:stCondLst>
+                                  <p:childTnLst>
+                                    <p:set>
+                                      <p:cBhvr>
+                                        <p:cTn id="22" dur="1" fill="hold">
+                                          <p:stCondLst>
+                                            <p:cond delay="0"/>
+                                          </p:stCondLst>
+                                        </p:cTn>
+                                        <p:tgtEl>
+                                          <p:spTgt spid="55"/>
+                                        </p:tgtEl>
+                                        <p:attrNameLst>
+                                          <p:attrName>style.visibility</p:attrName>
+                                        </p:attrNameLst>
+                                      </p:cBhvr>
+                                      <p:to>
+                                        <p:strVal val="visible"/>
+                                      </p:to>
+                                    </p:set>
+                                  </p:childTnLst>
+                                </p:cTn>
+                              </p:par>
+                            </p:childTnLst>
+                          </p:cTn>
+                        </p:par>
+                      </p:childTnLst>
+                    </p:cTn>
+                  </p:par>
+                </p:childTnLst>
+              </p:cTn>
+              <p:prevCondLst>
+                <p:cond evt="onPrev" delay="0">
+                  <p:tgtEl>
+                    <p:sldTgt/>
+                  </p:tgtEl>
+                </p:cond>
+              </p:prevCondLst>
+              <p:nextCondLst>
+                <p:cond evt="onNext" delay="0">
+                  <p:tgtEl>
+                    <p:sldTgt/>
+                  </p:tgtEl>
+                </p:cond>
+              </p:nextCondLst>
+            </p:seq>
+          </p:childTnLst>
+        </p:cTn>
+      </p:par>
+    </p:tnLst>
+    <p:bldLst>
+      <p:bldP spid="37" grpId="0" animBg="1"/>
+    </p:bldLst>
+  </p:timing>
+</p:sld>
+</file>
+
+<file path=ppt/slides/slide16.xml><?xml version="1.0" encoding="utf-8"?>
+<p:sld xmlns:a="http://schemas.openxmlformats.org/drawingml/2006/main" xmlns:r="http://schemas.openxmlformats.org/officeDocument/2006/relationships" xmlns:p="http://schemas.openxmlformats.org/presentationml/2006/main">
+  <p:cSld>
+    <p:spTree>
+      <p:nvGrpSpPr>
+        <p:cNvPr id="1" name=""/>
+        <p:cNvGrpSpPr/>
+        <p:nvPr/>
+      </p:nvGrpSpPr>
+      <p:grpSpPr>
+        <a:xfrm>
+          <a:off x="0" y="0"/>
+          <a:ext cx="0" cy="0"/>
+          <a:chOff x="0" y="0"/>
+          <a:chExt cx="0" cy="0"/>
+        </a:xfrm>
+      </p:grpSpPr>
+      <p:sp>
+        <p:nvSpPr>
+          <p:cNvPr id="24578" name="Rectangle 2"/>
+          <p:cNvSpPr>
+            <a:spLocks noGrp="1" noChangeArrowheads="1"/>
+          </p:cNvSpPr>
+          <p:nvPr>
+            <p:ph type="title"/>
+          </p:nvPr>
+        </p:nvSpPr>
+        <p:spPr>
+          <a:xfrm>
+            <a:off x="533400" y="457200"/>
+            <a:ext cx="8153400" cy="685800"/>
+          </a:xfrm>
+        </p:spPr>
+        <p:txBody>
+          <a:bodyPr>
+            <a:normAutofit fontScale="90000"/>
+          </a:bodyPr>
+          <a:lstStyle/>
+          <a:p>
+            <a:pPr eaLnBrk="1" hangingPunct="1"/>
+            <a:r>
+              <a:rPr lang="en-GB" dirty="0">
+                <a:solidFill>
+                  <a:srgbClr val="0000FF"/>
+                </a:solidFill>
+              </a:rPr>
+              <a:t>Even more examples</a:t>
+            </a:r>
+          </a:p>
+        </p:txBody>
+      </p:sp>
+      <p:sp>
+        <p:nvSpPr>
+          <p:cNvPr id="24582" name="Footer Placeholder 41"/>
+          <p:cNvSpPr>
+            <a:spLocks noGrp="1"/>
+          </p:cNvSpPr>
+          <p:nvPr>
+            <p:ph type="ftr" sz="quarter" idx="11"/>
+          </p:nvPr>
+        </p:nvSpPr>
+        <p:spPr>
+          <a:noFill/>
+        </p:spPr>
+        <p:txBody>
+          <a:bodyPr/>
+          <a:lstStyle/>
+          <a:p>
+            <a:pPr algn="l"/>
+            <a:endParaRPr lang="en-US" dirty="0"/>
+          </a:p>
+        </p:txBody>
+      </p:sp>
+      <p:sp>
+        <p:nvSpPr>
+          <p:cNvPr id="43" name="Slide Number Placeholder 42"/>
+          <p:cNvSpPr>
+            <a:spLocks noGrp="1"/>
+          </p:cNvSpPr>
+          <p:nvPr>
+            <p:ph type="sldNum" sz="quarter" idx="12"/>
+          </p:nvPr>
+        </p:nvSpPr>
+        <p:spPr/>
+        <p:txBody>
+          <a:bodyPr>
+            <a:normAutofit/>
+          </a:bodyPr>
+          <a:lstStyle/>
+          <a:p>
+            <a:pPr>
+              <a:defRPr/>
+            </a:pPr>
+            <a:r>
+              <a:rPr lang="en-US" dirty="0"/>
+              <a:t>Unit3</a:t>
+            </a:r>
+            <a:r>
+              <a:rPr dirty="0"/>
+              <a:t> - </a:t>
+            </a:r>
+            <a:fld id="{628B8346-B709-406B-887E-3E0CC6DA1327}" type="slidenum">
+              <a:rPr smtClean="0"/>
+              <a:pPr>
+                <a:defRPr/>
+              </a:pPr>
+              <a:t>16</a:t>
             </a:fld>
             <a:endParaRPr dirty="0"/>
           </a:p>
@@ -9372,7 +14417,7 @@
               <a:buChar char="n"/>
             </a:pPr>
             <a:r>
-              <a:rPr lang="en-US" sz="2400" dirty="0" smtClean="0"/>
+              <a:rPr lang="en-US" sz="2400" dirty="0"/>
               <a:t>Problem: Find the maximum among a list of numbers</a:t>
             </a:r>
           </a:p>
@@ -9409,7 +14454,7 @@
               <a:buChar char="n"/>
             </a:pPr>
             <a:r>
-              <a:rPr lang="en-US" sz="2400" dirty="0" smtClean="0"/>
+              <a:rPr lang="en-US" sz="2400" dirty="0"/>
               <a:t>Solution from Week 1: use a function max (L, k) that computes the maximum of a given list L of k numbers.</a:t>
             </a:r>
           </a:p>
@@ -9457,17 +14502,10 @@
   <p:transition>
     <p:fade/>
   </p:transition>
-  <p:timing>
-    <p:tnLst>
-      <p:par>
-        <p:cTn id="1" dur="indefinite" restart="never" nodeType="tmRoot"/>
-      </p:par>
-    </p:tnLst>
-  </p:timing>
 </p:sld>
 </file>
 
-<file path=ppt/slides/slide15.xml><?xml version="1.0" encoding="utf-8"?>
+<file path=ppt/slides/slide17.xml><?xml version="1.0" encoding="utf-8"?>
 <p:sld xmlns:a="http://schemas.openxmlformats.org/drawingml/2006/main" xmlns:r="http://schemas.openxmlformats.org/officeDocument/2006/relationships" xmlns:p="http://schemas.openxmlformats.org/presentationml/2006/main">
   <p:cSld>
     <p:spTree>
@@ -9508,18 +14546,13 @@
           <a:p>
             <a:pPr eaLnBrk="1" hangingPunct="1"/>
             <a:r>
-              <a:rPr lang="en-GB" dirty="0" smtClean="0">
+              <a:rPr lang="en-GB" dirty="0">
                 <a:solidFill>
                   <a:srgbClr val="0000FF"/>
                 </a:solidFill>
               </a:rPr>
               <a:t>Even more examples</a:t>
             </a:r>
-            <a:endParaRPr lang="en-GB" dirty="0">
-              <a:solidFill>
-                <a:srgbClr val="0000FF"/>
-              </a:solidFill>
-            </a:endParaRPr>
           </a:p>
         </p:txBody>
       </p:sp>
@@ -9566,23 +14599,19 @@
               <a:defRPr/>
             </a:pPr>
             <a:r>
-              <a:rPr lang="en-US" dirty="0" smtClean="0"/>
+              <a:rPr lang="en-US" dirty="0"/>
               <a:t>Unit3</a:t>
             </a:r>
             <a:r>
-              <a:rPr dirty="0" smtClean="0"/>
-              <a:t> </a:t>
-            </a:r>
-            <a:r>
               <a:rPr dirty="0"/>
-              <a:t>- </a:t>
+              <a:t> - </a:t>
             </a:r>
             <a:fld id="{628B8346-B709-406B-887E-3E0CC6DA1327}" type="slidenum">
               <a:rPr smtClean="0"/>
               <a:pPr>
                 <a:defRPr/>
               </a:pPr>
-              <a:t>15</a:t>
+              <a:t>17</a:t>
             </a:fld>
             <a:endParaRPr dirty="0"/>
           </a:p>
@@ -9661,42 +14690,38 @@
               <a:buChar char="n"/>
             </a:pPr>
             <a:r>
-              <a:rPr lang="en-US" sz="2400" dirty="0" smtClean="0"/>
+              <a:rPr lang="en-US" sz="2400" dirty="0"/>
               <a:t>Alternative solution: use a function max' (L, </a:t>
             </a:r>
             <a:r>
-              <a:rPr lang="en-US" sz="2400" dirty="0" err="1" smtClean="0"/>
+              <a:rPr lang="en-US" sz="2400" dirty="0" err="1"/>
               <a:t>i</a:t>
             </a:r>
             <a:r>
-              <a:rPr lang="en-US" sz="2400" dirty="0" smtClean="0"/>
+              <a:rPr lang="en-US" sz="2400" dirty="0"/>
               <a:t>, j) which computes the maximum among L</a:t>
             </a:r>
             <a:r>
-              <a:rPr lang="en-US" sz="2400" baseline="-25000" dirty="0" smtClean="0"/>
+              <a:rPr lang="en-US" sz="2400" baseline="-25000" dirty="0"/>
               <a:t>i</a:t>
             </a:r>
             <a:r>
-              <a:rPr lang="en-US" sz="2400" dirty="0" smtClean="0"/>
+              <a:rPr lang="en-US" sz="2400" dirty="0"/>
               <a:t>…</a:t>
             </a:r>
             <a:r>
-              <a:rPr lang="en-US" sz="2400" dirty="0" err="1" smtClean="0"/>
+              <a:rPr lang="en-US" sz="2400" dirty="0" err="1"/>
               <a:t>L</a:t>
             </a:r>
             <a:r>
-              <a:rPr lang="en-US" sz="2400" baseline="-25000" dirty="0" err="1" smtClean="0"/>
+              <a:rPr lang="en-US" sz="2400" baseline="-25000" dirty="0" err="1"/>
               <a:t>j</a:t>
             </a:r>
             <a:r>
               <a:rPr lang="en-US" sz="2400" dirty="0"/>
-              <a:t> </a:t>
-            </a:r>
-            <a:r>
-              <a:rPr lang="en-US" sz="2400" dirty="0" smtClean="0"/>
-              <a:t>in a given list L</a:t>
-            </a:r>
-            <a:endParaRPr lang="en-US" sz="2400" baseline="-25000" dirty="0" smtClean="0"/>
+              <a:t> in a given list L</a:t>
+            </a:r>
+            <a:endParaRPr lang="en-US" sz="2400" baseline="-25000" dirty="0"/>
           </a:p>
           <a:p>
             <a:pPr marL="800100" lvl="1" indent="-342900">
@@ -9730,7 +14755,7 @@
               <a:buFont typeface="Wingdings" pitchFamily="2" charset="2"/>
               <a:buChar char="n"/>
             </a:pPr>
-            <a:endParaRPr lang="en-US" sz="2400" dirty="0" smtClean="0"/>
+            <a:endParaRPr lang="en-US" sz="2400" dirty="0"/>
           </a:p>
           <a:p>
             <a:pPr marL="800100" lvl="1" indent="-342900">
@@ -9764,7 +14789,7 @@
               <a:buFont typeface="Wingdings" pitchFamily="2" charset="2"/>
               <a:buChar char="n"/>
             </a:pPr>
-            <a:endParaRPr lang="en-US" sz="2400" dirty="0" smtClean="0"/>
+            <a:endParaRPr lang="en-US" sz="2400" dirty="0"/>
           </a:p>
           <a:p>
             <a:pPr marL="800100" lvl="1" indent="-342900">
@@ -9798,7 +14823,7 @@
               <a:buFont typeface="Wingdings" pitchFamily="2" charset="2"/>
               <a:buChar char="n"/>
             </a:pPr>
-            <a:endParaRPr lang="en-US" sz="900" dirty="0" smtClean="0"/>
+            <a:endParaRPr lang="en-US" sz="900" dirty="0"/>
           </a:p>
           <a:p>
             <a:pPr marL="342900" indent="-342900">
@@ -9816,11 +14841,11 @@
               <a:buChar char="n"/>
             </a:pPr>
             <a:r>
-              <a:rPr lang="en-US" sz="2400" dirty="0" smtClean="0"/>
+              <a:rPr lang="en-US" sz="2400" dirty="0"/>
               <a:t>E.g., Let say L = {</a:t>
             </a:r>
             <a:r>
-              <a:rPr lang="en-US" sz="2400" dirty="0" smtClean="0">
+              <a:rPr lang="en-US" sz="2400" dirty="0">
                 <a:solidFill>
                   <a:srgbClr val="0000FF"/>
                 </a:solidFill>
@@ -9828,22 +14853,22 @@
               <a:t>5, 9, 8, 1, 3, 2</a:t>
             </a:r>
             <a:r>
-              <a:rPr lang="en-US" sz="2400" dirty="0" smtClean="0"/>
+              <a:rPr lang="en-US" sz="2400" dirty="0"/>
               <a:t>}, </a:t>
             </a:r>
             <a:r>
-              <a:rPr lang="en-US" sz="2400" dirty="0" err="1" smtClean="0"/>
+              <a:rPr lang="en-US" sz="2400" dirty="0" err="1"/>
               <a:t>i</a:t>
             </a:r>
             <a:r>
-              <a:rPr lang="en-US" sz="2400" dirty="0" smtClean="0"/>
+              <a:rPr lang="en-US" sz="2400" dirty="0"/>
               <a:t> = 0, j = 5. </a:t>
             </a:r>
             <a:br>
-              <a:rPr lang="en-US" sz="2400" dirty="0" smtClean="0"/>
+              <a:rPr lang="en-US" sz="2400" dirty="0"/>
             </a:br>
             <a:r>
-              <a:rPr lang="en-US" sz="2400" dirty="0" smtClean="0"/>
+              <a:rPr lang="en-US" sz="2400" dirty="0"/>
               <a:t>max' (L, 0, 5) = …</a:t>
             </a:r>
           </a:p>
@@ -9863,41 +14888,41 @@
               <a:buChar char="n"/>
             </a:pPr>
             <a:r>
-              <a:rPr lang="en-US" sz="2000" dirty="0" err="1" smtClean="0">
+              <a:rPr lang="en-US" sz="2000" dirty="0" err="1">
                 <a:sym typeface="Wingdings" panose="05000000000000000000" pitchFamily="2" charset="2"/>
               </a:rPr>
               <a:t>i</a:t>
             </a:r>
             <a:r>
-              <a:rPr lang="en-US" sz="2000" dirty="0" smtClean="0">
+              <a:rPr lang="en-US" sz="2000" dirty="0">
                 <a:sym typeface="Wingdings" panose="05000000000000000000" pitchFamily="2" charset="2"/>
               </a:rPr>
               <a:t> (0) == j (5)?  No. m is</a:t>
             </a:r>
             <a:r>
-              <a:rPr lang="en-US" sz="2000" dirty="0" smtClean="0"/>
+              <a:rPr lang="en-US" sz="2000" dirty="0"/>
               <a:t> max' (L, 1, 5) = 9 </a:t>
             </a:r>
             <a:r>
-              <a:rPr lang="en-US" sz="2000" dirty="0" smtClean="0">
+              <a:rPr lang="en-US" sz="2000" dirty="0">
                 <a:sym typeface="Wingdings" panose="05000000000000000000" pitchFamily="2" charset="2"/>
               </a:rPr>
               <a:t> l</a:t>
             </a:r>
             <a:r>
-              <a:rPr lang="en-US" sz="2000" baseline="-25000" dirty="0" smtClean="0">
+              <a:rPr lang="en-US" sz="2000" baseline="-25000" dirty="0">
                 <a:sym typeface="Wingdings" panose="05000000000000000000" pitchFamily="2" charset="2"/>
               </a:rPr>
               <a:t>0</a:t>
             </a:r>
             <a:r>
-              <a:rPr lang="en-US" sz="2000" dirty="0" smtClean="0">
+              <a:rPr lang="en-US" sz="2000" dirty="0">
                 <a:sym typeface="Wingdings" panose="05000000000000000000" pitchFamily="2" charset="2"/>
               </a:rPr>
               <a:t> (5) &gt; m (9)?  No. The answer is </a:t>
             </a:r>
             <a:r>
-              <a:rPr lang="en-US" sz="2000" dirty="0" smtClean="0">
+              <a:rPr lang="en-US" sz="2000" dirty="0">
                 <a:solidFill>
                   <a:srgbClr val="0000FF"/>
                 </a:solidFill>
@@ -9906,12 +14931,12 @@
               <a:t>m (9)</a:t>
             </a:r>
             <a:r>
-              <a:rPr lang="en-US" sz="2000" dirty="0" smtClean="0">
+              <a:rPr lang="en-US" sz="2000" dirty="0">
                 <a:sym typeface="Wingdings" panose="05000000000000000000" pitchFamily="2" charset="2"/>
               </a:rPr>
               <a:t>, which is the same as max (L, k). </a:t>
             </a:r>
-            <a:endParaRPr lang="en-US" sz="2000" dirty="0" smtClean="0"/>
+            <a:endParaRPr lang="en-US" sz="2000" dirty="0"/>
           </a:p>
           <a:p>
             <a:pPr marL="800100" lvl="1" indent="-342900">
@@ -9949,7 +14974,7 @@
               <a:buFont typeface="Wingdings" pitchFamily="2" charset="2"/>
               <a:buChar char="n"/>
             </a:pPr>
-            <a:endParaRPr lang="en-US" sz="2400" dirty="0" smtClean="0"/>
+            <a:endParaRPr lang="en-US" sz="2400" dirty="0"/>
           </a:p>
         </p:txBody>
       </p:sp>
@@ -9995,17 +15020,10 @@
   <p:transition>
     <p:fade/>
   </p:transition>
-  <p:timing>
-    <p:tnLst>
-      <p:par>
-        <p:cTn id="1" dur="indefinite" restart="never" nodeType="tmRoot"/>
-      </p:par>
-    </p:tnLst>
-  </p:timing>
 </p:sld>
 </file>
 
-<file path=ppt/slides/slide16.xml><?xml version="1.0" encoding="utf-8"?>
+<file path=ppt/slides/slide18.xml><?xml version="1.0" encoding="utf-8"?>
 <p:sld xmlns:a="http://schemas.openxmlformats.org/drawingml/2006/main" xmlns:r="http://schemas.openxmlformats.org/officeDocument/2006/relationships" xmlns:p="http://schemas.openxmlformats.org/presentationml/2006/main">
   <p:cSld>
     <p:spTree>
@@ -10046,18 +15064,13 @@
           <a:p>
             <a:pPr eaLnBrk="1" hangingPunct="1"/>
             <a:r>
-              <a:rPr lang="en-GB" dirty="0" smtClean="0">
+              <a:rPr lang="en-GB" dirty="0">
                 <a:solidFill>
                   <a:srgbClr val="0000FF"/>
                 </a:solidFill>
               </a:rPr>
               <a:t>Even more examples</a:t>
             </a:r>
-            <a:endParaRPr lang="en-GB" dirty="0">
-              <a:solidFill>
-                <a:srgbClr val="0000FF"/>
-              </a:solidFill>
-            </a:endParaRPr>
           </a:p>
         </p:txBody>
       </p:sp>
@@ -10104,23 +15117,19 @@
               <a:defRPr/>
             </a:pPr>
             <a:r>
-              <a:rPr lang="en-US" dirty="0" smtClean="0"/>
+              <a:rPr lang="en-US" dirty="0"/>
               <a:t>Unit3</a:t>
             </a:r>
             <a:r>
-              <a:rPr dirty="0" smtClean="0"/>
-              <a:t> </a:t>
-            </a:r>
-            <a:r>
               <a:rPr dirty="0"/>
-              <a:t>- </a:t>
+              <a:t> - </a:t>
             </a:r>
             <a:fld id="{628B8346-B709-406B-887E-3E0CC6DA1327}" type="slidenum">
               <a:rPr smtClean="0"/>
               <a:pPr>
                 <a:defRPr/>
               </a:pPr>
-              <a:t>16</a:t>
+              <a:t>18</a:t>
             </a:fld>
             <a:endParaRPr dirty="0"/>
           </a:p>
@@ -10199,7 +15208,7 @@
               <a:buChar char="n"/>
             </a:pPr>
             <a:r>
-              <a:rPr lang="en-US" sz="2400" dirty="0" smtClean="0"/>
+              <a:rPr lang="en-US" sz="2400" dirty="0"/>
               <a:t>Problem: Compute the factorial of n </a:t>
             </a:r>
           </a:p>
@@ -10219,7 +15228,7 @@
               <a:buChar char="n"/>
             </a:pPr>
             <a:r>
-              <a:rPr lang="en-US" sz="2400" dirty="0" smtClean="0"/>
+              <a:rPr lang="en-US" sz="2400" dirty="0"/>
               <a:t>E.g., Let n = 4, n! = 4! = 1*2*3*4 = 24</a:t>
             </a:r>
           </a:p>
@@ -10256,10 +15265,9 @@
               <a:buChar char="n"/>
             </a:pPr>
             <a:r>
-              <a:rPr lang="en-US" sz="2400" dirty="0" smtClean="0"/>
+              <a:rPr lang="en-US" sz="2400" dirty="0"/>
               <a:t>Solution: Use a function factorial (n) which computes factorial n???</a:t>
             </a:r>
-            <a:endParaRPr lang="en-US" sz="2400" dirty="0"/>
           </a:p>
           <a:p>
             <a:pPr marL="800100" lvl="1" indent="-342900">
@@ -10276,7 +15284,7 @@
               <a:buFont typeface="Wingdings" pitchFamily="2" charset="2"/>
               <a:buChar char="n"/>
             </a:pPr>
-            <a:endParaRPr lang="en-US" sz="2400" dirty="0" smtClean="0"/>
+            <a:endParaRPr lang="en-US" sz="2400" dirty="0"/>
           </a:p>
           <a:p>
             <a:pPr marL="800100" lvl="1" indent="-342900">
@@ -10310,7 +15318,7 @@
               <a:buFont typeface="Wingdings" pitchFamily="2" charset="2"/>
               <a:buChar char="n"/>
             </a:pPr>
-            <a:endParaRPr lang="en-US" sz="2400" dirty="0" smtClean="0"/>
+            <a:endParaRPr lang="en-US" sz="2400" dirty="0"/>
           </a:p>
           <a:p>
             <a:pPr marL="800100" lvl="1" indent="-342900">
@@ -10365,7 +15373,7 @@
               <a:buFont typeface="Wingdings" pitchFamily="2" charset="2"/>
               <a:buChar char="n"/>
             </a:pPr>
-            <a:endParaRPr lang="en-US" sz="2400" dirty="0" smtClean="0"/>
+            <a:endParaRPr lang="en-US" sz="2400" dirty="0"/>
           </a:p>
         </p:txBody>
       </p:sp>
@@ -10382,17 +15390,10 @@
   <p:transition>
     <p:fade/>
   </p:transition>
-  <p:timing>
-    <p:tnLst>
-      <p:par>
-        <p:cTn id="1" dur="indefinite" restart="never" nodeType="tmRoot"/>
-      </p:par>
-    </p:tnLst>
-  </p:timing>
 </p:sld>
 </file>
 
-<file path=ppt/slides/slide17.xml><?xml version="1.0" encoding="utf-8"?>
+<file path=ppt/slides/slide19.xml><?xml version="1.0" encoding="utf-8"?>
 <p:sld xmlns:a="http://schemas.openxmlformats.org/drawingml/2006/main" xmlns:r="http://schemas.openxmlformats.org/officeDocument/2006/relationships" xmlns:p="http://schemas.openxmlformats.org/presentationml/2006/main">
   <p:cSld>
     <p:spTree>
@@ -10433,18 +15434,13 @@
           <a:p>
             <a:pPr eaLnBrk="1" hangingPunct="1"/>
             <a:r>
-              <a:rPr lang="en-GB" dirty="0" smtClean="0">
+              <a:rPr lang="en-GB" dirty="0">
                 <a:solidFill>
                   <a:srgbClr val="0000FF"/>
                 </a:solidFill>
               </a:rPr>
               <a:t>Even more examples</a:t>
             </a:r>
-            <a:endParaRPr lang="en-GB" dirty="0">
-              <a:solidFill>
-                <a:srgbClr val="0000FF"/>
-              </a:solidFill>
-            </a:endParaRPr>
           </a:p>
         </p:txBody>
       </p:sp>
@@ -10491,23 +15487,19 @@
               <a:defRPr/>
             </a:pPr>
             <a:r>
-              <a:rPr lang="en-US" dirty="0" smtClean="0"/>
+              <a:rPr lang="en-US" dirty="0"/>
               <a:t>Unit3</a:t>
             </a:r>
             <a:r>
-              <a:rPr dirty="0" smtClean="0"/>
-              <a:t> </a:t>
-            </a:r>
-            <a:r>
               <a:rPr dirty="0"/>
-              <a:t>- </a:t>
+              <a:t> - </a:t>
             </a:r>
             <a:fld id="{628B8346-B709-406B-887E-3E0CC6DA1327}" type="slidenum">
               <a:rPr smtClean="0"/>
               <a:pPr>
                 <a:defRPr/>
               </a:pPr>
-              <a:t>17</a:t>
+              <a:t>19</a:t>
             </a:fld>
             <a:endParaRPr dirty="0"/>
           </a:p>
@@ -10586,7 +15578,7 @@
               <a:buChar char="n"/>
             </a:pPr>
             <a:r>
-              <a:rPr lang="en-US" sz="2400" dirty="0" smtClean="0"/>
+              <a:rPr lang="en-US" sz="2400" dirty="0"/>
               <a:t>Solution: Use a function factorial (n) which computes factorial n???</a:t>
             </a:r>
           </a:p>
@@ -10622,7 +15614,7 @@
               <a:buFont typeface="Wingdings" pitchFamily="2" charset="2"/>
               <a:buChar char="n"/>
             </a:pPr>
-            <a:endParaRPr lang="en-US" sz="2400" dirty="0" smtClean="0"/>
+            <a:endParaRPr lang="en-US" sz="2400" dirty="0"/>
           </a:p>
           <a:p>
             <a:pPr marL="342900" indent="-342900">
@@ -10656,7 +15648,7 @@
               <a:buFont typeface="Wingdings" pitchFamily="2" charset="2"/>
               <a:buChar char="n"/>
             </a:pPr>
-            <a:endParaRPr lang="en-US" sz="2400" dirty="0" smtClean="0"/>
+            <a:endParaRPr lang="en-US" sz="2400" dirty="0"/>
           </a:p>
           <a:p>
             <a:pPr marL="342900" indent="-342900">
@@ -10690,7 +15682,7 @@
               <a:buFont typeface="Wingdings" pitchFamily="2" charset="2"/>
               <a:buChar char="n"/>
             </a:pPr>
-            <a:endParaRPr lang="en-US" sz="2400" dirty="0" smtClean="0"/>
+            <a:endParaRPr lang="en-US" sz="2400" dirty="0"/>
           </a:p>
           <a:p>
             <a:pPr marL="342900" indent="-342900">
@@ -10708,7 +15700,7 @@
               <a:buChar char="n"/>
             </a:pPr>
             <a:r>
-              <a:rPr lang="en-US" sz="2400" dirty="0" smtClean="0"/>
+              <a:rPr lang="en-US" sz="2400" dirty="0"/>
               <a:t>E.g., Let say n = 4. factorial (n) = …</a:t>
             </a:r>
           </a:p>
@@ -10728,17 +15720,17 @@
               <a:buChar char="n"/>
             </a:pPr>
             <a:r>
-              <a:rPr lang="en-US" sz="2000" dirty="0" smtClean="0"/>
+              <a:rPr lang="en-US" sz="2000" dirty="0"/>
               <a:t>n (4) == 0? </a:t>
             </a:r>
             <a:r>
-              <a:rPr lang="en-US" sz="2000" dirty="0" smtClean="0">
+              <a:rPr lang="en-US" sz="2000" dirty="0">
                 <a:sym typeface="Wingdings" panose="05000000000000000000" pitchFamily="2" charset="2"/>
               </a:rPr>
               <a:t> No. The answer is n * factorial (3) = 4 * 6 = </a:t>
             </a:r>
             <a:r>
-              <a:rPr lang="en-US" sz="2000" dirty="0" smtClean="0">
+              <a:rPr lang="en-US" sz="2000" dirty="0">
                 <a:solidFill>
                   <a:srgbClr val="0000FF"/>
                 </a:solidFill>
@@ -10747,7 +15739,7 @@
               <a:t>24</a:t>
             </a:r>
             <a:r>
-              <a:rPr lang="en-US" sz="2000" dirty="0" smtClean="0">
+              <a:rPr lang="en-US" sz="2000" dirty="0">
                 <a:sym typeface="Wingdings" panose="05000000000000000000" pitchFamily="2" charset="2"/>
               </a:rPr>
               <a:t>.</a:t>
@@ -10769,7 +15761,7 @@
               <a:buFont typeface="Wingdings" pitchFamily="2" charset="2"/>
               <a:buChar char="n"/>
             </a:pPr>
-            <a:endParaRPr lang="en-US" sz="2400" dirty="0" smtClean="0"/>
+            <a:endParaRPr lang="en-US" sz="2400" dirty="0"/>
           </a:p>
           <a:p>
             <a:pPr marL="800100" lvl="1" indent="-342900">
@@ -10803,7 +15795,7 @@
               <a:buFont typeface="Wingdings" pitchFamily="2" charset="2"/>
               <a:buChar char="n"/>
             </a:pPr>
-            <a:endParaRPr lang="en-US" sz="2400" dirty="0" smtClean="0"/>
+            <a:endParaRPr lang="en-US" sz="2400" dirty="0"/>
           </a:p>
           <a:p>
             <a:pPr marL="800100" lvl="1" indent="-342900">
@@ -10858,7 +15850,7 @@
               <a:buFont typeface="Wingdings" pitchFamily="2" charset="2"/>
               <a:buChar char="n"/>
             </a:pPr>
-            <a:endParaRPr lang="en-US" sz="2400" dirty="0" smtClean="0"/>
+            <a:endParaRPr lang="en-US" sz="2400" dirty="0"/>
           </a:p>
         </p:txBody>
       </p:sp>
@@ -10905,598 +15897,6 @@
   <p:transition>
     <p:fade/>
   </p:transition>
-  <p:timing>
-    <p:tnLst>
-      <p:par>
-        <p:cTn id="1" dur="indefinite" restart="never" nodeType="tmRoot"/>
-      </p:par>
-    </p:tnLst>
-  </p:timing>
-</p:sld>
-</file>
-
-<file path=ppt/slides/slide18.xml><?xml version="1.0" encoding="utf-8"?>
-<p:sld xmlns:a="http://schemas.openxmlformats.org/drawingml/2006/main" xmlns:r="http://schemas.openxmlformats.org/officeDocument/2006/relationships" xmlns:p="http://schemas.openxmlformats.org/presentationml/2006/main">
-  <p:cSld>
-    <p:spTree>
-      <p:nvGrpSpPr>
-        <p:cNvPr id="1" name=""/>
-        <p:cNvGrpSpPr/>
-        <p:nvPr/>
-      </p:nvGrpSpPr>
-      <p:grpSpPr>
-        <a:xfrm>
-          <a:off x="0" y="0"/>
-          <a:ext cx="0" cy="0"/>
-          <a:chOff x="0" y="0"/>
-          <a:chExt cx="0" cy="0"/>
-        </a:xfrm>
-      </p:grpSpPr>
-      <p:sp>
-        <p:nvSpPr>
-          <p:cNvPr id="24578" name="Rectangle 2"/>
-          <p:cNvSpPr>
-            <a:spLocks noGrp="1" noChangeArrowheads="1"/>
-          </p:cNvSpPr>
-          <p:nvPr>
-            <p:ph type="title"/>
-          </p:nvPr>
-        </p:nvSpPr>
-        <p:spPr>
-          <a:xfrm>
-            <a:off x="533400" y="457200"/>
-            <a:ext cx="8153400" cy="685800"/>
-          </a:xfrm>
-        </p:spPr>
-        <p:txBody>
-          <a:bodyPr>
-            <a:normAutofit fontScale="90000"/>
-          </a:bodyPr>
-          <a:lstStyle/>
-          <a:p>
-            <a:pPr eaLnBrk="1" hangingPunct="1"/>
-            <a:r>
-              <a:rPr lang="en-GB" dirty="0" smtClean="0">
-                <a:solidFill>
-                  <a:srgbClr val="0000FF"/>
-                </a:solidFill>
-              </a:rPr>
-              <a:t>Even more examples</a:t>
-            </a:r>
-            <a:endParaRPr lang="en-GB" dirty="0">
-              <a:solidFill>
-                <a:srgbClr val="0000FF"/>
-              </a:solidFill>
-            </a:endParaRPr>
-          </a:p>
-        </p:txBody>
-      </p:sp>
-      <p:sp>
-        <p:nvSpPr>
-          <p:cNvPr id="24582" name="Footer Placeholder 41"/>
-          <p:cNvSpPr>
-            <a:spLocks noGrp="1"/>
-          </p:cNvSpPr>
-          <p:nvPr>
-            <p:ph type="ftr" sz="quarter" idx="11"/>
-          </p:nvPr>
-        </p:nvSpPr>
-        <p:spPr>
-          <a:noFill/>
-        </p:spPr>
-        <p:txBody>
-          <a:bodyPr/>
-          <a:lstStyle/>
-          <a:p>
-            <a:pPr algn="l"/>
-            <a:endParaRPr lang="en-US" dirty="0"/>
-          </a:p>
-        </p:txBody>
-      </p:sp>
-      <p:sp>
-        <p:nvSpPr>
-          <p:cNvPr id="43" name="Slide Number Placeholder 42"/>
-          <p:cNvSpPr>
-            <a:spLocks noGrp="1"/>
-          </p:cNvSpPr>
-          <p:nvPr>
-            <p:ph type="sldNum" sz="quarter" idx="12"/>
-          </p:nvPr>
-        </p:nvSpPr>
-        <p:spPr/>
-        <p:txBody>
-          <a:bodyPr>
-            <a:normAutofit/>
-          </a:bodyPr>
-          <a:lstStyle/>
-          <a:p>
-            <a:pPr>
-              <a:defRPr/>
-            </a:pPr>
-            <a:r>
-              <a:rPr lang="en-US" dirty="0" smtClean="0"/>
-              <a:t>Unit3</a:t>
-            </a:r>
-            <a:r>
-              <a:rPr dirty="0" smtClean="0"/>
-              <a:t> </a:t>
-            </a:r>
-            <a:r>
-              <a:rPr dirty="0"/>
-              <a:t>- </a:t>
-            </a:r>
-            <a:fld id="{628B8346-B709-406B-887E-3E0CC6DA1327}" type="slidenum">
-              <a:rPr smtClean="0"/>
-              <a:pPr>
-                <a:defRPr/>
-              </a:pPr>
-              <a:t>18</a:t>
-            </a:fld>
-            <a:endParaRPr dirty="0"/>
-          </a:p>
-        </p:txBody>
-      </p:sp>
-      <p:sp>
-        <p:nvSpPr>
-          <p:cNvPr id="6" name="[Date Placeholder 3]"/>
-          <p:cNvSpPr>
-            <a:spLocks noGrp="1"/>
-          </p:cNvSpPr>
-          <p:nvPr>
-            <p:ph type="dt" sz="half" idx="10"/>
-          </p:nvPr>
-        </p:nvSpPr>
-        <p:spPr>
-          <a:xfrm>
-            <a:off x="457200" y="18288"/>
-            <a:ext cx="2895600" cy="329184"/>
-          </a:xfrm>
-        </p:spPr>
-        <p:txBody>
-          <a:bodyPr/>
-          <a:lstStyle/>
-          <a:p>
-            <a:pPr>
-              <a:defRPr/>
-            </a:pPr>
-            <a:r>
-              <a:rPr lang="en-US" dirty="0"/>
-              <a:t>© NUS</a:t>
-            </a:r>
-          </a:p>
-        </p:txBody>
-      </p:sp>
-      <p:sp>
-        <p:nvSpPr>
-          <p:cNvPr id="15" name="HighlightBackgroundShapeeee31423-879f-470c-ac44-148c4404b3a6"/>
-          <p:cNvSpPr>
-            <a:spLocks noChangeArrowheads="1"/>
-          </p:cNvSpPr>
-          <p:nvPr/>
-        </p:nvSpPr>
-        <p:spPr bwMode="auto">
-          <a:xfrm>
-            <a:off x="643719" y="1371600"/>
-            <a:ext cx="8134521" cy="5399494"/>
-          </a:xfrm>
-          <a:prstGeom prst="rect">
-            <a:avLst/>
-          </a:prstGeom>
-          <a:noFill/>
-          <a:ln w="9525">
-            <a:noFill/>
-            <a:miter lim="800000"/>
-            <a:headEnd/>
-            <a:tailEnd/>
-          </a:ln>
-        </p:spPr>
-        <p:txBody>
-          <a:bodyPr/>
-          <a:lstStyle/>
-          <a:p>
-            <a:pPr marL="342900" indent="-342900">
-              <a:spcBef>
-                <a:spcPts val="1200"/>
-              </a:spcBef>
-              <a:buClr>
-                <a:schemeClr val="accent4">
-                  <a:lumMod val="60000"/>
-                  <a:lumOff val="40000"/>
-                </a:schemeClr>
-              </a:buClr>
-              <a:buSzPct val="75000"/>
-              <a:buFont typeface="Wingdings" pitchFamily="2" charset="2"/>
-              <a:buChar char="n"/>
-            </a:pPr>
-            <a:r>
-              <a:rPr lang="en-US" sz="2400" dirty="0" smtClean="0"/>
-              <a:t>Function calling itself (to solve a simpler version of the problem)</a:t>
-            </a:r>
-          </a:p>
-          <a:p>
-            <a:pPr marL="800100" lvl="1" indent="-342900">
-              <a:spcBef>
-                <a:spcPts val="1200"/>
-              </a:spcBef>
-              <a:buClr>
-                <a:schemeClr val="accent4">
-                  <a:lumMod val="60000"/>
-                  <a:lumOff val="40000"/>
-                </a:schemeClr>
-              </a:buClr>
-              <a:buSzPct val="75000"/>
-              <a:buFont typeface="Wingdings" pitchFamily="2" charset="2"/>
-              <a:buChar char="n"/>
-            </a:pPr>
-            <a:r>
-              <a:rPr lang="en-US" sz="2000" dirty="0" smtClean="0"/>
-              <a:t>max' (L, 0, 5) uses </a:t>
-            </a:r>
-            <a:r>
-              <a:rPr lang="en-US" sz="2000" dirty="0"/>
-              <a:t>max' (L, </a:t>
-            </a:r>
-            <a:r>
-              <a:rPr lang="en-US" sz="2000" dirty="0" smtClean="0"/>
-              <a:t>1, </a:t>
-            </a:r>
-            <a:r>
-              <a:rPr lang="en-US" sz="2000" dirty="0"/>
-              <a:t>5</a:t>
-            </a:r>
-            <a:r>
-              <a:rPr lang="en-US" sz="2000" dirty="0" smtClean="0"/>
-              <a:t>)</a:t>
-            </a:r>
-          </a:p>
-          <a:p>
-            <a:pPr marL="800100" lvl="1" indent="-342900">
-              <a:spcBef>
-                <a:spcPts val="1200"/>
-              </a:spcBef>
-              <a:buClr>
-                <a:schemeClr val="accent4">
-                  <a:lumMod val="60000"/>
-                  <a:lumOff val="40000"/>
-                </a:schemeClr>
-              </a:buClr>
-              <a:buSzPct val="75000"/>
-              <a:buFont typeface="Wingdings" pitchFamily="2" charset="2"/>
-              <a:buChar char="n"/>
-            </a:pPr>
-            <a:r>
-              <a:rPr lang="en-US" sz="2000" dirty="0" smtClean="0"/>
-              <a:t>factorial (4) uses factorial (3)</a:t>
-            </a:r>
-          </a:p>
-          <a:p>
-            <a:pPr marL="342900" indent="-342900">
-              <a:spcBef>
-                <a:spcPts val="1200"/>
-              </a:spcBef>
-              <a:buClr>
-                <a:schemeClr val="accent4">
-                  <a:lumMod val="60000"/>
-                  <a:lumOff val="40000"/>
-                </a:schemeClr>
-              </a:buClr>
-              <a:buSzPct val="75000"/>
-              <a:buFont typeface="Wingdings" pitchFamily="2" charset="2"/>
-              <a:buChar char="n"/>
-            </a:pPr>
-            <a:endParaRPr lang="en-US" sz="1200" dirty="0" smtClean="0"/>
-          </a:p>
-          <a:p>
-            <a:pPr marL="342900" indent="-342900">
-              <a:spcBef>
-                <a:spcPts val="1200"/>
-              </a:spcBef>
-              <a:buClr>
-                <a:schemeClr val="accent4">
-                  <a:lumMod val="60000"/>
-                  <a:lumOff val="40000"/>
-                </a:schemeClr>
-              </a:buClr>
-              <a:buSzPct val="75000"/>
-              <a:buFont typeface="Wingdings" pitchFamily="2" charset="2"/>
-              <a:buChar char="n"/>
-            </a:pPr>
-            <a:r>
-              <a:rPr lang="en-US" sz="2400" dirty="0" smtClean="0"/>
-              <a:t>This is </a:t>
-            </a:r>
-            <a:r>
-              <a:rPr lang="en-US" sz="2400" dirty="0" smtClean="0">
-                <a:solidFill>
-                  <a:srgbClr val="0000FF"/>
-                </a:solidFill>
-              </a:rPr>
-              <a:t>Recursion</a:t>
-            </a:r>
-            <a:r>
-              <a:rPr lang="en-US" sz="2400" dirty="0" smtClean="0"/>
-              <a:t>!</a:t>
-            </a:r>
-          </a:p>
-          <a:p>
-            <a:pPr marL="800100" lvl="1" indent="-342900">
-              <a:spcBef>
-                <a:spcPts val="1200"/>
-              </a:spcBef>
-              <a:buClr>
-                <a:schemeClr val="accent4">
-                  <a:lumMod val="60000"/>
-                  <a:lumOff val="40000"/>
-                </a:schemeClr>
-              </a:buClr>
-              <a:buSzPct val="75000"/>
-              <a:buFont typeface="Wingdings" pitchFamily="2" charset="2"/>
-              <a:buChar char="n"/>
-            </a:pPr>
-            <a:r>
-              <a:rPr lang="en-US" sz="2000" dirty="0"/>
-              <a:t>This is </a:t>
-            </a:r>
-            <a:r>
-              <a:rPr lang="en-US" sz="2000" dirty="0">
-                <a:solidFill>
-                  <a:srgbClr val="0000FF"/>
-                </a:solidFill>
-              </a:rPr>
-              <a:t>Recursion</a:t>
-            </a:r>
-            <a:r>
-              <a:rPr lang="en-US" sz="2000" dirty="0"/>
-              <a:t>!</a:t>
-            </a:r>
-          </a:p>
-          <a:p>
-            <a:pPr marL="1257300" lvl="2" indent="-342900">
-              <a:spcBef>
-                <a:spcPts val="1200"/>
-              </a:spcBef>
-              <a:buClr>
-                <a:schemeClr val="accent4">
-                  <a:lumMod val="60000"/>
-                  <a:lumOff val="40000"/>
-                </a:schemeClr>
-              </a:buClr>
-              <a:buSzPct val="75000"/>
-              <a:buFont typeface="Wingdings" pitchFamily="2" charset="2"/>
-              <a:buChar char="n"/>
-            </a:pPr>
-            <a:r>
-              <a:rPr lang="en-US" sz="1600" dirty="0"/>
-              <a:t>This is </a:t>
-            </a:r>
-            <a:r>
-              <a:rPr lang="en-US" sz="1600" dirty="0">
-                <a:solidFill>
-                  <a:srgbClr val="0000FF"/>
-                </a:solidFill>
-              </a:rPr>
-              <a:t>Recursion</a:t>
-            </a:r>
-            <a:r>
-              <a:rPr lang="en-US" sz="1600" dirty="0" smtClean="0"/>
-              <a:t>!</a:t>
-            </a:r>
-          </a:p>
-          <a:p>
-            <a:pPr marL="1714500" lvl="3" indent="-342900">
-              <a:spcBef>
-                <a:spcPts val="1200"/>
-              </a:spcBef>
-              <a:buClr>
-                <a:schemeClr val="accent4">
-                  <a:lumMod val="60000"/>
-                  <a:lumOff val="40000"/>
-                </a:schemeClr>
-              </a:buClr>
-              <a:buSzPct val="75000"/>
-              <a:buFont typeface="Wingdings" pitchFamily="2" charset="2"/>
-              <a:buChar char="n"/>
-            </a:pPr>
-            <a:r>
-              <a:rPr lang="en-US" sz="1200" dirty="0"/>
-              <a:t>This is </a:t>
-            </a:r>
-            <a:r>
-              <a:rPr lang="en-US" sz="1200" dirty="0">
-                <a:solidFill>
-                  <a:srgbClr val="0000FF"/>
-                </a:solidFill>
-              </a:rPr>
-              <a:t>Recursion</a:t>
-            </a:r>
-            <a:r>
-              <a:rPr lang="en-US" sz="1200" dirty="0" smtClean="0"/>
-              <a:t>!</a:t>
-            </a:r>
-          </a:p>
-          <a:p>
-            <a:pPr marL="2171700" lvl="4" indent="-342900">
-              <a:spcBef>
-                <a:spcPts val="1200"/>
-              </a:spcBef>
-              <a:buClr>
-                <a:schemeClr val="accent4">
-                  <a:lumMod val="60000"/>
-                  <a:lumOff val="40000"/>
-                </a:schemeClr>
-              </a:buClr>
-              <a:buSzPct val="75000"/>
-              <a:buFont typeface="Wingdings" pitchFamily="2" charset="2"/>
-              <a:buChar char="n"/>
-            </a:pPr>
-            <a:r>
-              <a:rPr lang="en-US" sz="1400" dirty="0" smtClean="0"/>
-              <a:t>…</a:t>
-            </a:r>
-            <a:endParaRPr lang="en-US" sz="1400" dirty="0"/>
-          </a:p>
-          <a:p>
-            <a:pPr marL="1714500" lvl="3" indent="-342900">
-              <a:spcBef>
-                <a:spcPts val="1200"/>
-              </a:spcBef>
-              <a:buClr>
-                <a:schemeClr val="accent4">
-                  <a:lumMod val="60000"/>
-                  <a:lumOff val="40000"/>
-                </a:schemeClr>
-              </a:buClr>
-              <a:buSzPct val="75000"/>
-              <a:buFont typeface="Wingdings" pitchFamily="2" charset="2"/>
-              <a:buChar char="n"/>
-            </a:pPr>
-            <a:endParaRPr lang="en-US" dirty="0"/>
-          </a:p>
-          <a:p>
-            <a:pPr marL="800100" lvl="1" indent="-342900">
-              <a:spcBef>
-                <a:spcPts val="1200"/>
-              </a:spcBef>
-              <a:buClr>
-                <a:schemeClr val="accent4">
-                  <a:lumMod val="60000"/>
-                  <a:lumOff val="40000"/>
-                </a:schemeClr>
-              </a:buClr>
-              <a:buSzPct val="75000"/>
-              <a:buFont typeface="Wingdings" pitchFamily="2" charset="2"/>
-              <a:buChar char="n"/>
-            </a:pPr>
-            <a:endParaRPr lang="en-US" sz="2400" dirty="0"/>
-          </a:p>
-          <a:p>
-            <a:pPr marL="800100" lvl="1" indent="-342900">
-              <a:spcBef>
-                <a:spcPts val="1200"/>
-              </a:spcBef>
-              <a:buClr>
-                <a:schemeClr val="accent4">
-                  <a:lumMod val="60000"/>
-                  <a:lumOff val="40000"/>
-                </a:schemeClr>
-              </a:buClr>
-              <a:buSzPct val="75000"/>
-              <a:buFont typeface="Wingdings" pitchFamily="2" charset="2"/>
-              <a:buChar char="n"/>
-            </a:pPr>
-            <a:endParaRPr lang="en-US" sz="2400" dirty="0" smtClean="0"/>
-          </a:p>
-          <a:p>
-            <a:pPr marL="800100" lvl="1" indent="-342900">
-              <a:spcBef>
-                <a:spcPts val="1200"/>
-              </a:spcBef>
-              <a:buClr>
-                <a:schemeClr val="accent4">
-                  <a:lumMod val="60000"/>
-                  <a:lumOff val="40000"/>
-                </a:schemeClr>
-              </a:buClr>
-              <a:buSzPct val="75000"/>
-              <a:buFont typeface="Wingdings" pitchFamily="2" charset="2"/>
-              <a:buChar char="n"/>
-            </a:pPr>
-            <a:endParaRPr lang="en-US" sz="2400" dirty="0"/>
-          </a:p>
-          <a:p>
-            <a:pPr marL="800100" lvl="1" indent="-342900">
-              <a:spcBef>
-                <a:spcPts val="1200"/>
-              </a:spcBef>
-              <a:buClr>
-                <a:schemeClr val="accent4">
-                  <a:lumMod val="60000"/>
-                  <a:lumOff val="40000"/>
-                </a:schemeClr>
-              </a:buClr>
-              <a:buSzPct val="75000"/>
-              <a:buFont typeface="Wingdings" pitchFamily="2" charset="2"/>
-              <a:buChar char="n"/>
-            </a:pPr>
-            <a:endParaRPr lang="en-US" sz="2400" dirty="0" smtClean="0"/>
-          </a:p>
-          <a:p>
-            <a:pPr marL="800100" lvl="1" indent="-342900">
-              <a:spcBef>
-                <a:spcPts val="1200"/>
-              </a:spcBef>
-              <a:buClr>
-                <a:schemeClr val="accent4">
-                  <a:lumMod val="60000"/>
-                  <a:lumOff val="40000"/>
-                </a:schemeClr>
-              </a:buClr>
-              <a:buSzPct val="75000"/>
-              <a:buFont typeface="Wingdings" pitchFamily="2" charset="2"/>
-              <a:buChar char="n"/>
-            </a:pPr>
-            <a:endParaRPr lang="en-US" sz="2400" dirty="0"/>
-          </a:p>
-          <a:p>
-            <a:pPr marL="800100" lvl="1" indent="-342900">
-              <a:spcBef>
-                <a:spcPts val="1200"/>
-              </a:spcBef>
-              <a:buClr>
-                <a:schemeClr val="accent4">
-                  <a:lumMod val="60000"/>
-                  <a:lumOff val="40000"/>
-                </a:schemeClr>
-              </a:buClr>
-              <a:buSzPct val="75000"/>
-              <a:buFont typeface="Wingdings" pitchFamily="2" charset="2"/>
-              <a:buChar char="n"/>
-            </a:pPr>
-            <a:endParaRPr lang="en-US" sz="2400" dirty="0">
-              <a:solidFill>
-                <a:srgbClr val="0000FF"/>
-              </a:solidFill>
-            </a:endParaRPr>
-          </a:p>
-          <a:p>
-            <a:pPr marL="800100" lvl="1" indent="-342900">
-              <a:spcBef>
-                <a:spcPts val="1200"/>
-              </a:spcBef>
-              <a:buClr>
-                <a:schemeClr val="accent4">
-                  <a:lumMod val="60000"/>
-                  <a:lumOff val="40000"/>
-                </a:schemeClr>
-              </a:buClr>
-              <a:buSzPct val="75000"/>
-              <a:buFont typeface="Wingdings" pitchFamily="2" charset="2"/>
-              <a:buChar char="n"/>
-            </a:pPr>
-            <a:endParaRPr lang="en-US" sz="2400" dirty="0" smtClean="0"/>
-          </a:p>
-        </p:txBody>
-      </p:sp>
-    </p:spTree>
-    <p:extLst>
-      <p:ext uri="{BB962C8B-B14F-4D97-AF65-F5344CB8AC3E}">
-        <p14:creationId xmlns:p14="http://schemas.microsoft.com/office/powerpoint/2010/main" val="3028826392"/>
-      </p:ext>
-    </p:extLst>
-  </p:cSld>
-  <p:clrMapOvr>
-    <a:masterClrMapping/>
-  </p:clrMapOvr>
-  <p:transition>
-    <p:fade/>
-  </p:transition>
-  <p:timing>
-    <p:tnLst>
-      <p:par>
-        <p:cTn id="1" dur="indefinite" restart="never" nodeType="tmRoot"/>
-      </p:par>
-    </p:tnLst>
-  </p:timing>
 </p:sld>
 </file>
 
@@ -11546,21 +15946,8 @@
                   <a:srgbClr val="0000FF"/>
                 </a:solidFill>
               </a:rPr>
-              <a:t>Unit </a:t>
-            </a:r>
-            <a:r>
-              <a:rPr lang="en-GB" sz="3600" dirty="0" smtClean="0">
-                <a:solidFill>
-                  <a:srgbClr val="0000FF"/>
-                </a:solidFill>
-              </a:rPr>
-              <a:t>3: Functions</a:t>
-            </a:r>
-            <a:endParaRPr lang="en-GB" sz="3600" dirty="0">
-              <a:solidFill>
-                <a:srgbClr val="0000FF"/>
-              </a:solidFill>
-            </a:endParaRPr>
+              <a:t>Unit 3: Functions</a:t>
+            </a:r>
           </a:p>
         </p:txBody>
       </p:sp>
@@ -11591,7 +15978,7 @@
               <a:buAutoNum type="arabicPeriod"/>
             </a:pPr>
             <a:r>
-              <a:rPr lang="en-GB" sz="2800" dirty="0" smtClean="0"/>
+              <a:rPr lang="en-GB" sz="2800" dirty="0"/>
               <a:t>Problem Solving Techniques</a:t>
             </a:r>
           </a:p>
@@ -11603,7 +15990,7 @@
               <a:buAutoNum type="arabicPeriod"/>
             </a:pPr>
             <a:r>
-              <a:rPr lang="en-GB" sz="2800" dirty="0" smtClean="0"/>
+              <a:rPr lang="en-GB" sz="2800" dirty="0"/>
               <a:t>Functions</a:t>
             </a:r>
           </a:p>
@@ -11615,7 +16002,7 @@
               <a:buAutoNum type="arabicPeriod"/>
             </a:pPr>
             <a:r>
-              <a:rPr lang="en-GB" sz="2800" dirty="0" smtClean="0"/>
+              <a:rPr lang="en-GB" sz="2800" dirty="0"/>
               <a:t>More examples</a:t>
             </a:r>
           </a:p>
@@ -11627,10 +16014,9 @@
               <a:buAutoNum type="arabicPeriod"/>
             </a:pPr>
             <a:r>
-              <a:rPr lang="en-GB" sz="2800" dirty="0" smtClean="0"/>
+              <a:rPr lang="en-GB" sz="2800" dirty="0"/>
               <a:t>Even more examples</a:t>
             </a:r>
-            <a:endParaRPr lang="en-GB" sz="2800" dirty="0"/>
           </a:p>
         </p:txBody>
       </p:sp>
@@ -11655,16 +16041,12 @@
               <a:defRPr/>
             </a:pPr>
             <a:r>
-              <a:rPr lang="en-US" sz="1200" dirty="0" smtClean="0"/>
+              <a:rPr lang="en-US" sz="1200" dirty="0"/>
               <a:t>Unit3</a:t>
             </a:r>
             <a:r>
-              <a:rPr sz="1200" dirty="0" smtClean="0"/>
-              <a:t> </a:t>
-            </a:r>
-            <a:r>
               <a:rPr sz="1200" dirty="0"/>
-              <a:t>- </a:t>
+              <a:t> - </a:t>
             </a:r>
             <a:fld id="{F7EC234A-9094-4BB8-9EA4-75ECDA8A365B}" type="slidenum">
               <a:rPr sz="1200" smtClean="0"/>
@@ -11720,13 +16102,1031 @@
   <p:transition>
     <p:fade/>
   </p:transition>
-  <p:timing>
-    <p:tnLst>
-      <p:par>
-        <p:cTn id="1" dur="indefinite" restart="never" nodeType="tmRoot"/>
-      </p:par>
-    </p:tnLst>
-  </p:timing>
+</p:sld>
+</file>
+
+<file path=ppt/slides/slide20.xml><?xml version="1.0" encoding="utf-8"?>
+<p:sld xmlns:a="http://schemas.openxmlformats.org/drawingml/2006/main" xmlns:r="http://schemas.openxmlformats.org/officeDocument/2006/relationships" xmlns:p="http://schemas.openxmlformats.org/presentationml/2006/main">
+  <p:cSld>
+    <p:spTree>
+      <p:nvGrpSpPr>
+        <p:cNvPr id="1" name=""/>
+        <p:cNvGrpSpPr/>
+        <p:nvPr/>
+      </p:nvGrpSpPr>
+      <p:grpSpPr>
+        <a:xfrm>
+          <a:off x="0" y="0"/>
+          <a:ext cx="0" cy="0"/>
+          <a:chOff x="0" y="0"/>
+          <a:chExt cx="0" cy="0"/>
+        </a:xfrm>
+      </p:grpSpPr>
+      <p:sp>
+        <p:nvSpPr>
+          <p:cNvPr id="24578" name="Rectangle 2"/>
+          <p:cNvSpPr>
+            <a:spLocks noGrp="1" noChangeArrowheads="1"/>
+          </p:cNvSpPr>
+          <p:nvPr>
+            <p:ph type="title"/>
+          </p:nvPr>
+        </p:nvSpPr>
+        <p:spPr>
+          <a:xfrm>
+            <a:off x="533400" y="457200"/>
+            <a:ext cx="8153400" cy="685800"/>
+          </a:xfrm>
+        </p:spPr>
+        <p:txBody>
+          <a:bodyPr>
+            <a:normAutofit fontScale="90000"/>
+          </a:bodyPr>
+          <a:lstStyle/>
+          <a:p>
+            <a:pPr eaLnBrk="1" hangingPunct="1"/>
+            <a:r>
+              <a:rPr lang="en-GB" dirty="0">
+                <a:solidFill>
+                  <a:srgbClr val="0000FF"/>
+                </a:solidFill>
+              </a:rPr>
+              <a:t>Even more examples</a:t>
+            </a:r>
+          </a:p>
+        </p:txBody>
+      </p:sp>
+      <p:sp>
+        <p:nvSpPr>
+          <p:cNvPr id="24582" name="Footer Placeholder 41"/>
+          <p:cNvSpPr>
+            <a:spLocks noGrp="1"/>
+          </p:cNvSpPr>
+          <p:nvPr>
+            <p:ph type="ftr" sz="quarter" idx="11"/>
+          </p:nvPr>
+        </p:nvSpPr>
+        <p:spPr>
+          <a:noFill/>
+        </p:spPr>
+        <p:txBody>
+          <a:bodyPr/>
+          <a:lstStyle/>
+          <a:p>
+            <a:pPr algn="l"/>
+            <a:endParaRPr lang="en-US" dirty="0"/>
+          </a:p>
+        </p:txBody>
+      </p:sp>
+      <p:sp>
+        <p:nvSpPr>
+          <p:cNvPr id="43" name="Slide Number Placeholder 42"/>
+          <p:cNvSpPr>
+            <a:spLocks noGrp="1"/>
+          </p:cNvSpPr>
+          <p:nvPr>
+            <p:ph type="sldNum" sz="quarter" idx="12"/>
+          </p:nvPr>
+        </p:nvSpPr>
+        <p:spPr/>
+        <p:txBody>
+          <a:bodyPr>
+            <a:normAutofit/>
+          </a:bodyPr>
+          <a:lstStyle/>
+          <a:p>
+            <a:pPr>
+              <a:defRPr/>
+            </a:pPr>
+            <a:r>
+              <a:rPr lang="en-US" dirty="0"/>
+              <a:t>Unit3</a:t>
+            </a:r>
+            <a:r>
+              <a:rPr dirty="0"/>
+              <a:t> - </a:t>
+            </a:r>
+            <a:fld id="{628B8346-B709-406B-887E-3E0CC6DA1327}" type="slidenum">
+              <a:rPr smtClean="0"/>
+              <a:pPr>
+                <a:defRPr/>
+              </a:pPr>
+              <a:t>20</a:t>
+            </a:fld>
+            <a:endParaRPr dirty="0"/>
+          </a:p>
+        </p:txBody>
+      </p:sp>
+      <p:sp>
+        <p:nvSpPr>
+          <p:cNvPr id="6" name="[Date Placeholder 3]"/>
+          <p:cNvSpPr>
+            <a:spLocks noGrp="1"/>
+          </p:cNvSpPr>
+          <p:nvPr>
+            <p:ph type="dt" sz="half" idx="10"/>
+          </p:nvPr>
+        </p:nvSpPr>
+        <p:spPr>
+          <a:xfrm>
+            <a:off x="457200" y="18288"/>
+            <a:ext cx="2895600" cy="329184"/>
+          </a:xfrm>
+        </p:spPr>
+        <p:txBody>
+          <a:bodyPr/>
+          <a:lstStyle/>
+          <a:p>
+            <a:pPr>
+              <a:defRPr/>
+            </a:pPr>
+            <a:r>
+              <a:rPr lang="en-US" dirty="0"/>
+              <a:t>© NUS</a:t>
+            </a:r>
+          </a:p>
+        </p:txBody>
+      </p:sp>
+      <p:sp>
+        <p:nvSpPr>
+          <p:cNvPr id="15" name="HighlightBackgroundShapeeee31423-879f-470c-ac44-148c4404b3a6"/>
+          <p:cNvSpPr>
+            <a:spLocks noChangeArrowheads="1"/>
+          </p:cNvSpPr>
+          <p:nvPr/>
+        </p:nvSpPr>
+        <p:spPr bwMode="auto">
+          <a:xfrm>
+            <a:off x="643719" y="1371600"/>
+            <a:ext cx="8134521" cy="5399494"/>
+          </a:xfrm>
+          <a:prstGeom prst="rect">
+            <a:avLst/>
+          </a:prstGeom>
+          <a:noFill/>
+          <a:ln w="9525">
+            <a:noFill/>
+            <a:miter lim="800000"/>
+            <a:headEnd/>
+            <a:tailEnd/>
+          </a:ln>
+        </p:spPr>
+        <p:txBody>
+          <a:bodyPr/>
+          <a:lstStyle/>
+          <a:p>
+            <a:pPr marL="342900" indent="-342900">
+              <a:spcBef>
+                <a:spcPts val="1200"/>
+              </a:spcBef>
+              <a:buClr>
+                <a:schemeClr val="accent4">
+                  <a:lumMod val="60000"/>
+                  <a:lumOff val="40000"/>
+                </a:schemeClr>
+              </a:buClr>
+              <a:buSzPct val="75000"/>
+              <a:buFont typeface="Wingdings" pitchFamily="2" charset="2"/>
+              <a:buChar char="n"/>
+            </a:pPr>
+            <a:r>
+              <a:rPr lang="en-US" sz="2400" dirty="0"/>
+              <a:t>Function calling itself (to solve a simpler version of the problem)</a:t>
+            </a:r>
+          </a:p>
+          <a:p>
+            <a:pPr marL="800100" lvl="1" indent="-342900">
+              <a:spcBef>
+                <a:spcPts val="1200"/>
+              </a:spcBef>
+              <a:buClr>
+                <a:schemeClr val="accent4">
+                  <a:lumMod val="60000"/>
+                  <a:lumOff val="40000"/>
+                </a:schemeClr>
+              </a:buClr>
+              <a:buSzPct val="75000"/>
+              <a:buFont typeface="Wingdings" pitchFamily="2" charset="2"/>
+              <a:buChar char="n"/>
+            </a:pPr>
+            <a:r>
+              <a:rPr lang="en-US" sz="2000" dirty="0"/>
+              <a:t>max' (L, 0, 5) uses max' (L, 1, 5)</a:t>
+            </a:r>
+          </a:p>
+          <a:p>
+            <a:pPr marL="800100" lvl="1" indent="-342900">
+              <a:spcBef>
+                <a:spcPts val="1200"/>
+              </a:spcBef>
+              <a:buClr>
+                <a:schemeClr val="accent4">
+                  <a:lumMod val="60000"/>
+                  <a:lumOff val="40000"/>
+                </a:schemeClr>
+              </a:buClr>
+              <a:buSzPct val="75000"/>
+              <a:buFont typeface="Wingdings" pitchFamily="2" charset="2"/>
+              <a:buChar char="n"/>
+            </a:pPr>
+            <a:r>
+              <a:rPr lang="en-US" sz="2000" dirty="0"/>
+              <a:t>factorial (4) uses factorial (3)</a:t>
+            </a:r>
+          </a:p>
+          <a:p>
+            <a:pPr marL="342900" indent="-342900">
+              <a:spcBef>
+                <a:spcPts val="1200"/>
+              </a:spcBef>
+              <a:buClr>
+                <a:schemeClr val="accent4">
+                  <a:lumMod val="60000"/>
+                  <a:lumOff val="40000"/>
+                </a:schemeClr>
+              </a:buClr>
+              <a:buSzPct val="75000"/>
+              <a:buFont typeface="Wingdings" pitchFamily="2" charset="2"/>
+              <a:buChar char="n"/>
+            </a:pPr>
+            <a:endParaRPr lang="en-US" sz="1200" dirty="0"/>
+          </a:p>
+          <a:p>
+            <a:pPr marL="342900" indent="-342900">
+              <a:spcBef>
+                <a:spcPts val="1200"/>
+              </a:spcBef>
+              <a:buClr>
+                <a:schemeClr val="accent4">
+                  <a:lumMod val="60000"/>
+                  <a:lumOff val="40000"/>
+                </a:schemeClr>
+              </a:buClr>
+              <a:buSzPct val="75000"/>
+              <a:buFont typeface="Wingdings" pitchFamily="2" charset="2"/>
+              <a:buChar char="n"/>
+            </a:pPr>
+            <a:r>
+              <a:rPr lang="en-US" sz="2400" dirty="0"/>
+              <a:t>This is </a:t>
+            </a:r>
+            <a:r>
+              <a:rPr lang="en-US" sz="2400" dirty="0">
+                <a:solidFill>
+                  <a:srgbClr val="0000FF"/>
+                </a:solidFill>
+              </a:rPr>
+              <a:t>Recursion</a:t>
+            </a:r>
+            <a:r>
+              <a:rPr lang="en-US" sz="2400" dirty="0"/>
+              <a:t>!</a:t>
+            </a:r>
+          </a:p>
+          <a:p>
+            <a:pPr marL="800100" lvl="1" indent="-342900">
+              <a:spcBef>
+                <a:spcPts val="1200"/>
+              </a:spcBef>
+              <a:buClr>
+                <a:schemeClr val="accent4">
+                  <a:lumMod val="60000"/>
+                  <a:lumOff val="40000"/>
+                </a:schemeClr>
+              </a:buClr>
+              <a:buSzPct val="75000"/>
+              <a:buFont typeface="Wingdings" pitchFamily="2" charset="2"/>
+              <a:buChar char="n"/>
+            </a:pPr>
+            <a:r>
+              <a:rPr lang="en-US" sz="2000" dirty="0"/>
+              <a:t>This is </a:t>
+            </a:r>
+            <a:r>
+              <a:rPr lang="en-US" sz="2000" dirty="0">
+                <a:solidFill>
+                  <a:srgbClr val="0000FF"/>
+                </a:solidFill>
+              </a:rPr>
+              <a:t>Recursion</a:t>
+            </a:r>
+            <a:r>
+              <a:rPr lang="en-US" sz="2000" dirty="0"/>
+              <a:t>!</a:t>
+            </a:r>
+          </a:p>
+          <a:p>
+            <a:pPr marL="1257300" lvl="2" indent="-342900">
+              <a:spcBef>
+                <a:spcPts val="1200"/>
+              </a:spcBef>
+              <a:buClr>
+                <a:schemeClr val="accent4">
+                  <a:lumMod val="60000"/>
+                  <a:lumOff val="40000"/>
+                </a:schemeClr>
+              </a:buClr>
+              <a:buSzPct val="75000"/>
+              <a:buFont typeface="Wingdings" pitchFamily="2" charset="2"/>
+              <a:buChar char="n"/>
+            </a:pPr>
+            <a:r>
+              <a:rPr lang="en-US" sz="1600" dirty="0"/>
+              <a:t>This is </a:t>
+            </a:r>
+            <a:r>
+              <a:rPr lang="en-US" sz="1600" dirty="0">
+                <a:solidFill>
+                  <a:srgbClr val="0000FF"/>
+                </a:solidFill>
+              </a:rPr>
+              <a:t>Recursion</a:t>
+            </a:r>
+            <a:r>
+              <a:rPr lang="en-US" sz="1600" dirty="0"/>
+              <a:t>!</a:t>
+            </a:r>
+          </a:p>
+          <a:p>
+            <a:pPr marL="1714500" lvl="3" indent="-342900">
+              <a:spcBef>
+                <a:spcPts val="1200"/>
+              </a:spcBef>
+              <a:buClr>
+                <a:schemeClr val="accent4">
+                  <a:lumMod val="60000"/>
+                  <a:lumOff val="40000"/>
+                </a:schemeClr>
+              </a:buClr>
+              <a:buSzPct val="75000"/>
+              <a:buFont typeface="Wingdings" pitchFamily="2" charset="2"/>
+              <a:buChar char="n"/>
+            </a:pPr>
+            <a:r>
+              <a:rPr lang="en-US" sz="1200" dirty="0"/>
+              <a:t>This is </a:t>
+            </a:r>
+            <a:r>
+              <a:rPr lang="en-US" sz="1200" dirty="0">
+                <a:solidFill>
+                  <a:srgbClr val="0000FF"/>
+                </a:solidFill>
+              </a:rPr>
+              <a:t>Recursion</a:t>
+            </a:r>
+            <a:r>
+              <a:rPr lang="en-US" sz="1200" dirty="0"/>
+              <a:t>!</a:t>
+            </a:r>
+          </a:p>
+          <a:p>
+            <a:pPr marL="2171700" lvl="4" indent="-342900">
+              <a:spcBef>
+                <a:spcPts val="1200"/>
+              </a:spcBef>
+              <a:buClr>
+                <a:schemeClr val="accent4">
+                  <a:lumMod val="60000"/>
+                  <a:lumOff val="40000"/>
+                </a:schemeClr>
+              </a:buClr>
+              <a:buSzPct val="75000"/>
+              <a:buFont typeface="Wingdings" pitchFamily="2" charset="2"/>
+              <a:buChar char="n"/>
+            </a:pPr>
+            <a:r>
+              <a:rPr lang="en-US" sz="1400" dirty="0"/>
+              <a:t>…</a:t>
+            </a:r>
+          </a:p>
+          <a:p>
+            <a:pPr marL="1714500" lvl="3" indent="-342900">
+              <a:spcBef>
+                <a:spcPts val="1200"/>
+              </a:spcBef>
+              <a:buClr>
+                <a:schemeClr val="accent4">
+                  <a:lumMod val="60000"/>
+                  <a:lumOff val="40000"/>
+                </a:schemeClr>
+              </a:buClr>
+              <a:buSzPct val="75000"/>
+              <a:buFont typeface="Wingdings" pitchFamily="2" charset="2"/>
+              <a:buChar char="n"/>
+            </a:pPr>
+            <a:endParaRPr lang="en-US" dirty="0"/>
+          </a:p>
+          <a:p>
+            <a:pPr marL="800100" lvl="1" indent="-342900">
+              <a:spcBef>
+                <a:spcPts val="1200"/>
+              </a:spcBef>
+              <a:buClr>
+                <a:schemeClr val="accent4">
+                  <a:lumMod val="60000"/>
+                  <a:lumOff val="40000"/>
+                </a:schemeClr>
+              </a:buClr>
+              <a:buSzPct val="75000"/>
+              <a:buFont typeface="Wingdings" pitchFamily="2" charset="2"/>
+              <a:buChar char="n"/>
+            </a:pPr>
+            <a:endParaRPr lang="en-US" sz="2400" dirty="0"/>
+          </a:p>
+          <a:p>
+            <a:pPr marL="800100" lvl="1" indent="-342900">
+              <a:spcBef>
+                <a:spcPts val="1200"/>
+              </a:spcBef>
+              <a:buClr>
+                <a:schemeClr val="accent4">
+                  <a:lumMod val="60000"/>
+                  <a:lumOff val="40000"/>
+                </a:schemeClr>
+              </a:buClr>
+              <a:buSzPct val="75000"/>
+              <a:buFont typeface="Wingdings" pitchFamily="2" charset="2"/>
+              <a:buChar char="n"/>
+            </a:pPr>
+            <a:endParaRPr lang="en-US" sz="2400" dirty="0"/>
+          </a:p>
+          <a:p>
+            <a:pPr marL="800100" lvl="1" indent="-342900">
+              <a:spcBef>
+                <a:spcPts val="1200"/>
+              </a:spcBef>
+              <a:buClr>
+                <a:schemeClr val="accent4">
+                  <a:lumMod val="60000"/>
+                  <a:lumOff val="40000"/>
+                </a:schemeClr>
+              </a:buClr>
+              <a:buSzPct val="75000"/>
+              <a:buFont typeface="Wingdings" pitchFamily="2" charset="2"/>
+              <a:buChar char="n"/>
+            </a:pPr>
+            <a:endParaRPr lang="en-US" sz="2400" dirty="0"/>
+          </a:p>
+          <a:p>
+            <a:pPr marL="800100" lvl="1" indent="-342900">
+              <a:spcBef>
+                <a:spcPts val="1200"/>
+              </a:spcBef>
+              <a:buClr>
+                <a:schemeClr val="accent4">
+                  <a:lumMod val="60000"/>
+                  <a:lumOff val="40000"/>
+                </a:schemeClr>
+              </a:buClr>
+              <a:buSzPct val="75000"/>
+              <a:buFont typeface="Wingdings" pitchFamily="2" charset="2"/>
+              <a:buChar char="n"/>
+            </a:pPr>
+            <a:endParaRPr lang="en-US" sz="2400" dirty="0"/>
+          </a:p>
+          <a:p>
+            <a:pPr marL="800100" lvl="1" indent="-342900">
+              <a:spcBef>
+                <a:spcPts val="1200"/>
+              </a:spcBef>
+              <a:buClr>
+                <a:schemeClr val="accent4">
+                  <a:lumMod val="60000"/>
+                  <a:lumOff val="40000"/>
+                </a:schemeClr>
+              </a:buClr>
+              <a:buSzPct val="75000"/>
+              <a:buFont typeface="Wingdings" pitchFamily="2" charset="2"/>
+              <a:buChar char="n"/>
+            </a:pPr>
+            <a:endParaRPr lang="en-US" sz="2400" dirty="0"/>
+          </a:p>
+          <a:p>
+            <a:pPr marL="800100" lvl="1" indent="-342900">
+              <a:spcBef>
+                <a:spcPts val="1200"/>
+              </a:spcBef>
+              <a:buClr>
+                <a:schemeClr val="accent4">
+                  <a:lumMod val="60000"/>
+                  <a:lumOff val="40000"/>
+                </a:schemeClr>
+              </a:buClr>
+              <a:buSzPct val="75000"/>
+              <a:buFont typeface="Wingdings" pitchFamily="2" charset="2"/>
+              <a:buChar char="n"/>
+            </a:pPr>
+            <a:endParaRPr lang="en-US" sz="2400" dirty="0">
+              <a:solidFill>
+                <a:srgbClr val="0000FF"/>
+              </a:solidFill>
+            </a:endParaRPr>
+          </a:p>
+          <a:p>
+            <a:pPr marL="800100" lvl="1" indent="-342900">
+              <a:spcBef>
+                <a:spcPts val="1200"/>
+              </a:spcBef>
+              <a:buClr>
+                <a:schemeClr val="accent4">
+                  <a:lumMod val="60000"/>
+                  <a:lumOff val="40000"/>
+                </a:schemeClr>
+              </a:buClr>
+              <a:buSzPct val="75000"/>
+              <a:buFont typeface="Wingdings" pitchFamily="2" charset="2"/>
+              <a:buChar char="n"/>
+            </a:pPr>
+            <a:endParaRPr lang="en-US" sz="2400" dirty="0"/>
+          </a:p>
+        </p:txBody>
+      </p:sp>
+    </p:spTree>
+    <p:extLst>
+      <p:ext uri="{BB962C8B-B14F-4D97-AF65-F5344CB8AC3E}">
+        <p14:creationId xmlns:p14="http://schemas.microsoft.com/office/powerpoint/2010/main" val="3028826392"/>
+      </p:ext>
+    </p:extLst>
+  </p:cSld>
+  <p:clrMapOvr>
+    <a:masterClrMapping/>
+  </p:clrMapOvr>
+  <p:transition>
+    <p:fade/>
+  </p:transition>
+</p:sld>
+</file>
+
+<file path=ppt/slides/slide21.xml><?xml version="1.0" encoding="utf-8"?>
+<p:sld xmlns:a="http://schemas.openxmlformats.org/drawingml/2006/main" xmlns:r="http://schemas.openxmlformats.org/officeDocument/2006/relationships" xmlns:p="http://schemas.openxmlformats.org/presentationml/2006/main">
+  <p:cSld>
+    <p:spTree>
+      <p:nvGrpSpPr>
+        <p:cNvPr id="1" name=""/>
+        <p:cNvGrpSpPr/>
+        <p:nvPr/>
+      </p:nvGrpSpPr>
+      <p:grpSpPr>
+        <a:xfrm>
+          <a:off x="0" y="0"/>
+          <a:ext cx="0" cy="0"/>
+          <a:chOff x="0" y="0"/>
+          <a:chExt cx="0" cy="0"/>
+        </a:xfrm>
+      </p:grpSpPr>
+      <p:sp>
+        <p:nvSpPr>
+          <p:cNvPr id="24578" name="Rectangle 2"/>
+          <p:cNvSpPr>
+            <a:spLocks noGrp="1" noChangeArrowheads="1"/>
+          </p:cNvSpPr>
+          <p:nvPr>
+            <p:ph type="title"/>
+          </p:nvPr>
+        </p:nvSpPr>
+        <p:spPr>
+          <a:xfrm>
+            <a:off x="533400" y="457200"/>
+            <a:ext cx="8153400" cy="685800"/>
+          </a:xfrm>
+        </p:spPr>
+        <p:txBody>
+          <a:bodyPr>
+            <a:normAutofit fontScale="90000"/>
+          </a:bodyPr>
+          <a:lstStyle/>
+          <a:p>
+            <a:pPr eaLnBrk="1" hangingPunct="1"/>
+            <a:r>
+              <a:rPr lang="en-GB" dirty="0">
+                <a:solidFill>
+                  <a:srgbClr val="0000FF"/>
+                </a:solidFill>
+              </a:rPr>
+              <a:t>Ex #2: Yet another solution for </a:t>
+            </a:r>
+            <a:r>
+              <a:rPr lang="en-GB" dirty="0" err="1">
+                <a:solidFill>
+                  <a:srgbClr val="0000FF"/>
+                </a:solidFill>
+              </a:rPr>
+              <a:t>FindMax</a:t>
+            </a:r>
+            <a:endParaRPr lang="en-GB" dirty="0">
+              <a:solidFill>
+                <a:srgbClr val="0000FF"/>
+              </a:solidFill>
+            </a:endParaRPr>
+          </a:p>
+        </p:txBody>
+      </p:sp>
+      <p:sp>
+        <p:nvSpPr>
+          <p:cNvPr id="24582" name="Footer Placeholder 41"/>
+          <p:cNvSpPr>
+            <a:spLocks noGrp="1"/>
+          </p:cNvSpPr>
+          <p:nvPr>
+            <p:ph type="ftr" sz="quarter" idx="11"/>
+          </p:nvPr>
+        </p:nvSpPr>
+        <p:spPr>
+          <a:noFill/>
+        </p:spPr>
+        <p:txBody>
+          <a:bodyPr/>
+          <a:lstStyle/>
+          <a:p>
+            <a:pPr algn="l"/>
+            <a:endParaRPr lang="en-US" dirty="0"/>
+          </a:p>
+        </p:txBody>
+      </p:sp>
+      <p:sp>
+        <p:nvSpPr>
+          <p:cNvPr id="43" name="Slide Number Placeholder 42"/>
+          <p:cNvSpPr>
+            <a:spLocks noGrp="1"/>
+          </p:cNvSpPr>
+          <p:nvPr>
+            <p:ph type="sldNum" sz="quarter" idx="12"/>
+          </p:nvPr>
+        </p:nvSpPr>
+        <p:spPr/>
+        <p:txBody>
+          <a:bodyPr>
+            <a:normAutofit/>
+          </a:bodyPr>
+          <a:lstStyle/>
+          <a:p>
+            <a:pPr>
+              <a:defRPr/>
+            </a:pPr>
+            <a:r>
+              <a:rPr lang="en-US" dirty="0"/>
+              <a:t>Unit3</a:t>
+            </a:r>
+            <a:r>
+              <a:rPr dirty="0"/>
+              <a:t> - </a:t>
+            </a:r>
+            <a:fld id="{628B8346-B709-406B-887E-3E0CC6DA1327}" type="slidenum">
+              <a:rPr smtClean="0"/>
+              <a:pPr>
+                <a:defRPr/>
+              </a:pPr>
+              <a:t>21</a:t>
+            </a:fld>
+            <a:endParaRPr dirty="0"/>
+          </a:p>
+        </p:txBody>
+      </p:sp>
+      <p:sp>
+        <p:nvSpPr>
+          <p:cNvPr id="6" name="[Date Placeholder 3]"/>
+          <p:cNvSpPr>
+            <a:spLocks noGrp="1"/>
+          </p:cNvSpPr>
+          <p:nvPr>
+            <p:ph type="dt" sz="half" idx="10"/>
+          </p:nvPr>
+        </p:nvSpPr>
+        <p:spPr>
+          <a:xfrm>
+            <a:off x="457200" y="18288"/>
+            <a:ext cx="2895600" cy="329184"/>
+          </a:xfrm>
+        </p:spPr>
+        <p:txBody>
+          <a:bodyPr/>
+          <a:lstStyle/>
+          <a:p>
+            <a:pPr>
+              <a:defRPr/>
+            </a:pPr>
+            <a:r>
+              <a:rPr lang="en-US" dirty="0"/>
+              <a:t>© NUS</a:t>
+            </a:r>
+          </a:p>
+        </p:txBody>
+      </p:sp>
+      <p:sp>
+        <p:nvSpPr>
+          <p:cNvPr id="15" name="HighlightBackgroundShapeeee31423-879f-470c-ac44-148c4404b3a6"/>
+          <p:cNvSpPr>
+            <a:spLocks noChangeArrowheads="1"/>
+          </p:cNvSpPr>
+          <p:nvPr/>
+        </p:nvSpPr>
+        <p:spPr bwMode="auto">
+          <a:xfrm>
+            <a:off x="643719" y="1371600"/>
+            <a:ext cx="8134521" cy="5074920"/>
+          </a:xfrm>
+          <a:prstGeom prst="rect">
+            <a:avLst/>
+          </a:prstGeom>
+          <a:noFill/>
+          <a:ln w="9525">
+            <a:noFill/>
+            <a:miter lim="800000"/>
+            <a:headEnd/>
+            <a:tailEnd/>
+          </a:ln>
+        </p:spPr>
+        <p:txBody>
+          <a:bodyPr/>
+          <a:lstStyle/>
+          <a:p>
+            <a:pPr marL="342900" indent="-342900">
+              <a:spcBef>
+                <a:spcPts val="1200"/>
+              </a:spcBef>
+              <a:buClr>
+                <a:schemeClr val="accent4">
+                  <a:lumMod val="60000"/>
+                  <a:lumOff val="40000"/>
+                </a:schemeClr>
+              </a:buClr>
+              <a:buSzPct val="75000"/>
+              <a:buFont typeface="Wingdings" pitchFamily="2" charset="2"/>
+              <a:buChar char="n"/>
+            </a:pPr>
+            <a:r>
+              <a:rPr lang="en-US" sz="2400" dirty="0"/>
+              <a:t>Problem: Find the maximum among a list of numbers</a:t>
+            </a:r>
+          </a:p>
+          <a:p>
+            <a:pPr marL="342900" indent="-342900">
+              <a:spcBef>
+                <a:spcPts val="1200"/>
+              </a:spcBef>
+              <a:buClr>
+                <a:schemeClr val="accent4">
+                  <a:lumMod val="60000"/>
+                  <a:lumOff val="40000"/>
+                </a:schemeClr>
+              </a:buClr>
+              <a:buSzPct val="75000"/>
+              <a:buFont typeface="Wingdings" pitchFamily="2" charset="2"/>
+              <a:buChar char="n"/>
+            </a:pPr>
+            <a:endParaRPr lang="en-US" sz="1200" dirty="0"/>
+          </a:p>
+          <a:p>
+            <a:pPr marL="342900" indent="-342900">
+              <a:spcBef>
+                <a:spcPts val="1200"/>
+              </a:spcBef>
+              <a:buClr>
+                <a:schemeClr val="accent4">
+                  <a:lumMod val="60000"/>
+                  <a:lumOff val="40000"/>
+                </a:schemeClr>
+              </a:buClr>
+              <a:buSzPct val="75000"/>
+              <a:buFont typeface="Wingdings" pitchFamily="2" charset="2"/>
+              <a:buChar char="n"/>
+            </a:pPr>
+            <a:r>
+              <a:rPr lang="en-US" sz="2400" dirty="0"/>
+              <a:t>Alternative solution: use a function max'' (L, r) which computes the maximum among L</a:t>
+            </a:r>
+            <a:r>
+              <a:rPr lang="en-US" sz="2400" baseline="-25000" dirty="0"/>
+              <a:t>0</a:t>
+            </a:r>
+            <a:r>
+              <a:rPr lang="en-US" sz="2400" dirty="0"/>
+              <a:t>…</a:t>
+            </a:r>
+            <a:r>
+              <a:rPr lang="en-US" sz="2400" dirty="0" err="1"/>
+              <a:t>L</a:t>
+            </a:r>
+            <a:r>
+              <a:rPr lang="en-US" sz="2400" baseline="-25000" dirty="0" err="1"/>
+              <a:t>r</a:t>
+            </a:r>
+            <a:r>
+              <a:rPr lang="en-US" sz="2400" dirty="0"/>
+              <a:t> in a given list L</a:t>
+            </a:r>
+          </a:p>
+          <a:p>
+            <a:pPr marL="342900" indent="-342900">
+              <a:spcBef>
+                <a:spcPts val="1200"/>
+              </a:spcBef>
+              <a:buClr>
+                <a:schemeClr val="accent4">
+                  <a:lumMod val="60000"/>
+                  <a:lumOff val="40000"/>
+                </a:schemeClr>
+              </a:buClr>
+              <a:buSzPct val="75000"/>
+              <a:buFont typeface="Wingdings" pitchFamily="2" charset="2"/>
+              <a:buChar char="n"/>
+            </a:pPr>
+            <a:endParaRPr lang="en-US" sz="2400" baseline="-25000" dirty="0"/>
+          </a:p>
+          <a:p>
+            <a:pPr marL="342900" indent="-342900">
+              <a:spcBef>
+                <a:spcPts val="1200"/>
+              </a:spcBef>
+              <a:buClr>
+                <a:schemeClr val="accent4">
+                  <a:lumMod val="60000"/>
+                  <a:lumOff val="40000"/>
+                </a:schemeClr>
+              </a:buClr>
+              <a:buSzPct val="75000"/>
+              <a:buFont typeface="Wingdings" pitchFamily="2" charset="2"/>
+              <a:buChar char="n"/>
+            </a:pPr>
+            <a:r>
+              <a:rPr lang="en-US" sz="2400" dirty="0"/>
+              <a:t>E.g., Let say L = {</a:t>
+            </a:r>
+            <a:r>
+              <a:rPr lang="en-US" sz="2400" dirty="0">
+                <a:solidFill>
+                  <a:srgbClr val="0000FF"/>
+                </a:solidFill>
+              </a:rPr>
+              <a:t>5, 9, 8, 1, 3, 2</a:t>
+            </a:r>
+            <a:r>
+              <a:rPr lang="en-US" sz="2400" dirty="0"/>
+              <a:t>}, r = 5. </a:t>
+            </a:r>
+            <a:br>
+              <a:rPr lang="en-US" sz="2400" dirty="0"/>
+            </a:br>
+            <a:r>
+              <a:rPr lang="en-US" sz="2400" dirty="0"/>
+              <a:t>max'' (L, 5) = …</a:t>
+            </a:r>
+          </a:p>
+          <a:p>
+            <a:pPr marL="800100" lvl="1" indent="-342900">
+              <a:spcBef>
+                <a:spcPts val="1200"/>
+              </a:spcBef>
+              <a:buClr>
+                <a:schemeClr val="accent4">
+                  <a:lumMod val="60000"/>
+                  <a:lumOff val="40000"/>
+                </a:schemeClr>
+              </a:buClr>
+              <a:buSzPct val="75000"/>
+              <a:buFont typeface="Wingdings" pitchFamily="2" charset="2"/>
+              <a:buChar char="n"/>
+            </a:pPr>
+            <a:r>
+              <a:rPr lang="en-US" sz="2000" dirty="0">
+                <a:sym typeface="Wingdings" panose="05000000000000000000" pitchFamily="2" charset="2"/>
+              </a:rPr>
+              <a:t>0 == r (5)?  No. m is</a:t>
+            </a:r>
+            <a:r>
+              <a:rPr lang="en-US" sz="2000" dirty="0"/>
+              <a:t> </a:t>
+            </a:r>
+            <a:r>
+              <a:rPr lang="en-US" sz="2000" dirty="0">
+                <a:solidFill>
+                  <a:srgbClr val="FF0000"/>
+                </a:solidFill>
+              </a:rPr>
+              <a:t>max'' (L, 4)</a:t>
+            </a:r>
+            <a:r>
+              <a:rPr lang="en-US" sz="2000" dirty="0"/>
+              <a:t> = 9 </a:t>
+            </a:r>
+            <a:r>
+              <a:rPr lang="en-US" sz="2000" dirty="0">
+                <a:sym typeface="Wingdings" panose="05000000000000000000" pitchFamily="2" charset="2"/>
+              </a:rPr>
+              <a:t> </a:t>
+            </a:r>
+            <a:r>
+              <a:rPr lang="en-US" sz="2000" dirty="0" err="1">
+                <a:sym typeface="Wingdings" panose="05000000000000000000" pitchFamily="2" charset="2"/>
+              </a:rPr>
+              <a:t>l</a:t>
+            </a:r>
+            <a:r>
+              <a:rPr lang="en-US" sz="2000" baseline="-25000" dirty="0" err="1">
+                <a:sym typeface="Wingdings" panose="05000000000000000000" pitchFamily="2" charset="2"/>
+              </a:rPr>
+              <a:t>r</a:t>
+            </a:r>
+            <a:r>
+              <a:rPr lang="en-US" sz="2000" dirty="0">
+                <a:sym typeface="Wingdings" panose="05000000000000000000" pitchFamily="2" charset="2"/>
+              </a:rPr>
+              <a:t> (2) &gt; m (9)?  No. The answer is </a:t>
+            </a:r>
+            <a:r>
+              <a:rPr lang="en-US" sz="2000" dirty="0">
+                <a:solidFill>
+                  <a:srgbClr val="0000FF"/>
+                </a:solidFill>
+                <a:sym typeface="Wingdings" panose="05000000000000000000" pitchFamily="2" charset="2"/>
+              </a:rPr>
+              <a:t>m (9)</a:t>
+            </a:r>
+            <a:r>
+              <a:rPr lang="en-US" sz="2000" dirty="0">
+                <a:sym typeface="Wingdings" panose="05000000000000000000" pitchFamily="2" charset="2"/>
+              </a:rPr>
+              <a:t>, which is the same as max (L, k). </a:t>
+            </a:r>
+            <a:endParaRPr lang="en-US" sz="2000" dirty="0"/>
+          </a:p>
+          <a:p>
+            <a:pPr marL="800100" lvl="1" indent="-342900">
+              <a:spcBef>
+                <a:spcPts val="1200"/>
+              </a:spcBef>
+              <a:buClr>
+                <a:schemeClr val="accent4">
+                  <a:lumMod val="60000"/>
+                  <a:lumOff val="40000"/>
+                </a:schemeClr>
+              </a:buClr>
+              <a:buSzPct val="75000"/>
+              <a:buFont typeface="Wingdings" pitchFamily="2" charset="2"/>
+              <a:buChar char="n"/>
+            </a:pPr>
+            <a:endParaRPr lang="en-US" dirty="0">
+              <a:solidFill>
+                <a:srgbClr val="0000FF"/>
+              </a:solidFill>
+            </a:endParaRPr>
+          </a:p>
+          <a:p>
+            <a:pPr marL="342900" indent="-342900">
+              <a:spcBef>
+                <a:spcPts val="1200"/>
+              </a:spcBef>
+              <a:buClr>
+                <a:schemeClr val="accent4">
+                  <a:lumMod val="60000"/>
+                  <a:lumOff val="40000"/>
+                </a:schemeClr>
+              </a:buClr>
+              <a:buSzPct val="75000"/>
+              <a:buFont typeface="Wingdings" pitchFamily="2" charset="2"/>
+              <a:buChar char="n"/>
+            </a:pPr>
+            <a:r>
+              <a:rPr lang="en-US" sz="2400" dirty="0">
+                <a:solidFill>
+                  <a:srgbClr val="0000FF"/>
+                </a:solidFill>
+              </a:rPr>
+              <a:t>Can you draw the flowchart?</a:t>
+            </a:r>
+          </a:p>
+          <a:p>
+            <a:pPr marL="342900" indent="-342900">
+              <a:spcBef>
+                <a:spcPts val="1200"/>
+              </a:spcBef>
+              <a:buClr>
+                <a:schemeClr val="accent4">
+                  <a:lumMod val="60000"/>
+                  <a:lumOff val="40000"/>
+                </a:schemeClr>
+              </a:buClr>
+              <a:buSzPct val="75000"/>
+              <a:buFont typeface="Wingdings" pitchFamily="2" charset="2"/>
+              <a:buChar char="n"/>
+            </a:pPr>
+            <a:endParaRPr lang="en-US" sz="2400" baseline="-25000" dirty="0"/>
+          </a:p>
+        </p:txBody>
+      </p:sp>
+    </p:spTree>
+    <p:extLst>
+      <p:ext uri="{BB962C8B-B14F-4D97-AF65-F5344CB8AC3E}">
+        <p14:creationId xmlns:p14="http://schemas.microsoft.com/office/powerpoint/2010/main" val="3246666524"/>
+      </p:ext>
+    </p:extLst>
+  </p:cSld>
+  <p:clrMapOvr>
+    <a:masterClrMapping/>
+  </p:clrMapOvr>
+  <p:transition>
+    <p:fade/>
+  </p:transition>
 </p:sld>
 </file>
 
@@ -11770,18 +17170,13 @@
           <a:lstStyle/>
           <a:p>
             <a:r>
-              <a:rPr lang="en-GB" dirty="0" smtClean="0">
+              <a:rPr lang="en-GB" dirty="0">
                 <a:solidFill>
                   <a:srgbClr val="0000FF"/>
                 </a:solidFill>
               </a:rPr>
               <a:t>Problem Solving Techniques</a:t>
             </a:r>
-            <a:endParaRPr lang="en-GB" dirty="0">
-              <a:solidFill>
-                <a:srgbClr val="0000FF"/>
-              </a:solidFill>
-            </a:endParaRPr>
           </a:p>
         </p:txBody>
       </p:sp>
@@ -11828,16 +17223,12 @@
               <a:defRPr/>
             </a:pPr>
             <a:r>
-              <a:rPr lang="en-US" dirty="0" smtClean="0"/>
+              <a:rPr lang="en-US" dirty="0"/>
               <a:t>Unit3</a:t>
             </a:r>
             <a:r>
-              <a:rPr dirty="0" smtClean="0"/>
-              <a:t> </a:t>
-            </a:r>
-            <a:r>
               <a:rPr dirty="0"/>
-              <a:t>- </a:t>
+              <a:t> - </a:t>
             </a:r>
             <a:fld id="{628B8346-B709-406B-887E-3E0CC6DA1327}" type="slidenum">
               <a:rPr smtClean="0"/>
@@ -11893,7 +17284,7 @@
               <a:buChar char="n"/>
             </a:pPr>
             <a:r>
-              <a:rPr lang="en-US" sz="2800" dirty="0" smtClean="0"/>
+              <a:rPr lang="en-US" sz="2800" dirty="0"/>
               <a:t>What we have learnt so far…</a:t>
             </a:r>
           </a:p>
@@ -11913,12 +17304,8 @@
               <a:buChar char="n"/>
             </a:pPr>
             <a:r>
-              <a:rPr lang="en-US" sz="2400" dirty="0" smtClean="0"/>
-              <a:t>Find </a:t>
-            </a:r>
-            <a:r>
               <a:rPr lang="en-US" sz="2400" dirty="0"/>
-              <a:t>the </a:t>
+              <a:t>Find the </a:t>
             </a:r>
             <a:r>
               <a:rPr lang="en-US" sz="2400" dirty="0">
@@ -11930,21 +17317,16 @@
             </a:r>
             <a:r>
               <a:rPr lang="en-US" sz="2400" dirty="0"/>
-              <a:t> among a list of </a:t>
-            </a:r>
-            <a:r>
-              <a:rPr lang="en-US" sz="2400" dirty="0" smtClean="0"/>
-              <a:t>numbers (</a:t>
-            </a:r>
-            <a:r>
-              <a:rPr lang="en-US" sz="2400" dirty="0" err="1" smtClean="0"/>
+              <a:t> among a list of numbers (</a:t>
+            </a:r>
+            <a:r>
+              <a:rPr lang="en-US" sz="2400" dirty="0" err="1"/>
               <a:t>FindMax</a:t>
             </a:r>
             <a:r>
-              <a:rPr lang="en-US" sz="2400" dirty="0" smtClean="0"/>
+              <a:rPr lang="en-US" sz="2400" dirty="0"/>
               <a:t>).</a:t>
             </a:r>
-            <a:endParaRPr lang="en-US" sz="2400" dirty="0"/>
           </a:p>
         </p:txBody>
       </p:sp>
@@ -12030,18 +17412,13 @@
           <a:lstStyle/>
           <a:p>
             <a:r>
-              <a:rPr lang="en-US" dirty="0" smtClean="0">
+              <a:rPr lang="en-US" dirty="0">
                 <a:solidFill>
                   <a:srgbClr val="0000FF"/>
                 </a:solidFill>
               </a:rPr>
               <a:t>Input</a:t>
             </a:r>
-            <a:endParaRPr lang="en-US" dirty="0">
-              <a:solidFill>
-                <a:srgbClr val="0000FF"/>
-              </a:solidFill>
-            </a:endParaRPr>
           </a:p>
         </p:txBody>
       </p:sp>
@@ -12068,18 +17445,13 @@
           <a:lstStyle/>
           <a:p>
             <a:r>
-              <a:rPr lang="en-US" dirty="0" smtClean="0">
+              <a:rPr lang="en-US" dirty="0">
                 <a:solidFill>
                   <a:srgbClr val="0000FF"/>
                 </a:solidFill>
               </a:rPr>
               <a:t>Output</a:t>
             </a:r>
-            <a:endParaRPr lang="en-US" dirty="0">
-              <a:solidFill>
-                <a:srgbClr val="0000FF"/>
-              </a:solidFill>
-            </a:endParaRPr>
           </a:p>
         </p:txBody>
       </p:sp>
@@ -12106,18 +17478,13 @@
           <a:lstStyle/>
           <a:p>
             <a:r>
-              <a:rPr lang="en-US" dirty="0" smtClean="0">
+              <a:rPr lang="en-US" dirty="0">
                 <a:solidFill>
                   <a:srgbClr val="0000FF"/>
                 </a:solidFill>
               </a:rPr>
               <a:t>Compute</a:t>
             </a:r>
-            <a:endParaRPr lang="en-US" dirty="0">
-              <a:solidFill>
-                <a:srgbClr val="0000FF"/>
-              </a:solidFill>
-            </a:endParaRPr>
           </a:p>
         </p:txBody>
       </p:sp>
@@ -12134,13 +17501,6 @@
   <p:transition>
     <p:fade/>
   </p:transition>
-  <p:timing>
-    <p:tnLst>
-      <p:par>
-        <p:cTn id="1" dur="indefinite" restart="never" nodeType="tmRoot"/>
-      </p:par>
-    </p:tnLst>
-  </p:timing>
 </p:sld>
 </file>
 
@@ -12184,18 +17544,13 @@
           <a:lstStyle/>
           <a:p>
             <a:r>
-              <a:rPr lang="en-GB" dirty="0" smtClean="0">
+              <a:rPr lang="en-GB" dirty="0">
                 <a:solidFill>
                   <a:srgbClr val="0000FF"/>
                 </a:solidFill>
               </a:rPr>
               <a:t>Problem Solving Techniques</a:t>
             </a:r>
-            <a:endParaRPr lang="en-GB" dirty="0">
-              <a:solidFill>
-                <a:srgbClr val="0000FF"/>
-              </a:solidFill>
-            </a:endParaRPr>
           </a:p>
         </p:txBody>
       </p:sp>
@@ -12242,16 +17597,12 @@
               <a:defRPr/>
             </a:pPr>
             <a:r>
-              <a:rPr lang="en-US" dirty="0" smtClean="0"/>
+              <a:rPr lang="en-US" dirty="0"/>
               <a:t>Unit3</a:t>
             </a:r>
             <a:r>
-              <a:rPr dirty="0" smtClean="0"/>
-              <a:t> </a:t>
-            </a:r>
-            <a:r>
               <a:rPr dirty="0"/>
-              <a:t>- </a:t>
+              <a:t> - </a:t>
             </a:r>
             <a:fld id="{628B8346-B709-406B-887E-3E0CC6DA1327}" type="slidenum">
               <a:rPr smtClean="0"/>
@@ -12307,7 +17658,7 @@
               <a:buChar char="n"/>
             </a:pPr>
             <a:r>
-              <a:rPr lang="en-US" sz="2800" dirty="0" smtClean="0"/>
+              <a:rPr lang="en-US" sz="2800" dirty="0"/>
               <a:t>How to solve a new problem?</a:t>
             </a:r>
           </a:p>
@@ -12358,7 +17709,7 @@
               <a:buFont typeface="Wingdings" pitchFamily="2" charset="2"/>
               <a:buChar char="n"/>
             </a:pPr>
-            <a:endParaRPr lang="en-US" sz="2400" dirty="0" smtClean="0"/>
+            <a:endParaRPr lang="en-US" sz="2400" dirty="0"/>
           </a:p>
           <a:p>
             <a:pPr marL="342900" indent="-342900">
@@ -12376,20 +17727,12 @@
               <a:buChar char="n"/>
             </a:pPr>
             <a:r>
-              <a:rPr lang="en-US" sz="2800" dirty="0" smtClean="0">
+              <a:rPr lang="en-US" sz="2800" dirty="0">
                 <a:solidFill>
                   <a:srgbClr val="0000FF"/>
                 </a:solidFill>
               </a:rPr>
-              <a:t>Technique 1: B</a:t>
-            </a:r>
-            <a:r>
-              <a:rPr lang="en-US" sz="2800" dirty="0" smtClean="0">
-                <a:solidFill>
-                  <a:srgbClr val="0000FF"/>
-                </a:solidFill>
-              </a:rPr>
-              <a:t>reaking it down!</a:t>
+              <a:t>Technique 1: Breaking it down!</a:t>
             </a:r>
           </a:p>
           <a:p>
@@ -12408,7 +17751,7 @@
               <a:buChar char="n"/>
             </a:pPr>
             <a:r>
-              <a:rPr lang="en-US" sz="2400" dirty="0" smtClean="0">
+              <a:rPr lang="en-US" sz="2400" dirty="0">
                 <a:solidFill>
                   <a:srgbClr val="0000FF"/>
                 </a:solidFill>
@@ -12416,7 +17759,7 @@
               <a:t>Input</a:t>
             </a:r>
             <a:r>
-              <a:rPr lang="en-US" sz="2400" dirty="0" smtClean="0"/>
+              <a:rPr lang="en-US" sz="2400" dirty="0"/>
               <a:t>: Read in a list L of k numbers</a:t>
             </a:r>
           </a:p>
@@ -12436,7 +17779,7 @@
               <a:buChar char="n"/>
             </a:pPr>
             <a:r>
-              <a:rPr lang="en-US" sz="2400" dirty="0" smtClean="0">
+              <a:rPr lang="en-US" sz="2400" dirty="0">
                 <a:solidFill>
                   <a:srgbClr val="0000FF"/>
                 </a:solidFill>
@@ -12444,16 +17787,8 @@
               <a:t>Compute</a:t>
             </a:r>
             <a:r>
-              <a:rPr lang="en-US" sz="2400" dirty="0" smtClean="0"/>
-              <a:t>: </a:t>
-            </a:r>
-            <a:r>
-              <a:rPr lang="en-US" sz="2400" dirty="0" smtClean="0"/>
-              <a:t>Compute </a:t>
-            </a:r>
-            <a:r>
-              <a:rPr lang="en-US" sz="2400" dirty="0" smtClean="0"/>
-              <a:t>the range of a given list L of k numbers</a:t>
+              <a:rPr lang="en-US" sz="2400" dirty="0"/>
+              <a:t>: Compute the range of a given list L of k numbers</a:t>
             </a:r>
           </a:p>
           <a:p>
@@ -12472,7 +17807,7 @@
               <a:buChar char="n"/>
             </a:pPr>
             <a:r>
-              <a:rPr lang="en-US" sz="2400" dirty="0" smtClean="0">
+              <a:rPr lang="en-US" sz="2400" dirty="0">
                 <a:solidFill>
                   <a:srgbClr val="0000FF"/>
                 </a:solidFill>
@@ -12480,7 +17815,7 @@
               <a:t>Output</a:t>
             </a:r>
             <a:r>
-              <a:rPr lang="en-US" sz="2400" dirty="0" smtClean="0"/>
+              <a:rPr lang="en-US" sz="2400" dirty="0"/>
               <a:t>: Print the range</a:t>
             </a:r>
           </a:p>
@@ -12529,13 +17864,6 @@
   <p:transition>
     <p:fade/>
   </p:transition>
-  <p:timing>
-    <p:tnLst>
-      <p:par>
-        <p:cTn id="1" dur="indefinite" restart="never" nodeType="tmRoot"/>
-      </p:par>
-    </p:tnLst>
-  </p:timing>
 </p:sld>
 </file>
 
@@ -12579,18 +17907,13 @@
           <a:lstStyle/>
           <a:p>
             <a:r>
-              <a:rPr lang="en-GB" dirty="0" smtClean="0">
+              <a:rPr lang="en-GB" dirty="0">
                 <a:solidFill>
                   <a:srgbClr val="0000FF"/>
                 </a:solidFill>
               </a:rPr>
               <a:t>Problem Solving Techniques</a:t>
             </a:r>
-            <a:endParaRPr lang="en-GB" dirty="0">
-              <a:solidFill>
-                <a:srgbClr val="0000FF"/>
-              </a:solidFill>
-            </a:endParaRPr>
           </a:p>
         </p:txBody>
       </p:sp>
@@ -12637,16 +17960,12 @@
               <a:defRPr/>
             </a:pPr>
             <a:r>
-              <a:rPr lang="en-US" dirty="0" smtClean="0"/>
+              <a:rPr lang="en-US" dirty="0"/>
               <a:t>Unit3</a:t>
             </a:r>
             <a:r>
-              <a:rPr dirty="0" smtClean="0"/>
-              <a:t> </a:t>
-            </a:r>
-            <a:r>
               <a:rPr dirty="0"/>
-              <a:t>- </a:t>
+              <a:t> - </a:t>
             </a:r>
             <a:fld id="{628B8346-B709-406B-887E-3E0CC6DA1327}" type="slidenum">
               <a:rPr smtClean="0"/>
@@ -12702,7 +18021,7 @@
               <a:buChar char="n"/>
             </a:pPr>
             <a:r>
-              <a:rPr lang="en-US" sz="2800" dirty="0" smtClean="0"/>
+              <a:rPr lang="en-US" sz="2800" dirty="0"/>
               <a:t>How to solve a new problem?</a:t>
             </a:r>
           </a:p>
@@ -12722,11 +18041,11 @@
               <a:buChar char="n"/>
             </a:pPr>
             <a:r>
-              <a:rPr lang="en-US" sz="2400" dirty="0" smtClean="0"/>
+              <a:rPr lang="en-US" sz="2400" dirty="0"/>
               <a:t>Find the</a:t>
             </a:r>
             <a:r>
-              <a:rPr lang="en-US" sz="2400" dirty="0" smtClean="0">
+              <a:rPr lang="en-US" sz="2400" dirty="0">
                 <a:solidFill>
                   <a:srgbClr val="0000FF"/>
                 </a:solidFill>
@@ -12734,10 +18053,9 @@
               <a:t> range (i.e., max-min)</a:t>
             </a:r>
             <a:r>
-              <a:rPr lang="en-US" sz="2400" dirty="0" smtClean="0"/>
+              <a:rPr lang="en-US" sz="2400" dirty="0"/>
               <a:t> of a list of numbers</a:t>
             </a:r>
-            <a:endParaRPr lang="en-US" sz="2400" dirty="0"/>
           </a:p>
           <a:p>
             <a:pPr marL="342900" indent="-342900">
@@ -12754,7 +18072,7 @@
               <a:buFont typeface="Wingdings" pitchFamily="2" charset="2"/>
               <a:buChar char="n"/>
             </a:pPr>
-            <a:endParaRPr lang="en-US" sz="2400" dirty="0" smtClean="0"/>
+            <a:endParaRPr lang="en-US" sz="2400" dirty="0"/>
           </a:p>
           <a:p>
             <a:pPr marL="342900" indent="-342900">
@@ -12772,18 +18090,13 @@
               <a:buChar char="n"/>
             </a:pPr>
             <a:r>
-              <a:rPr lang="en-US" sz="2800" dirty="0" smtClean="0">
+              <a:rPr lang="en-US" sz="2800" dirty="0">
                 <a:solidFill>
                   <a:srgbClr val="0000FF"/>
                 </a:solidFill>
               </a:rPr>
               <a:t>Technique 2: Borrowing from what we know!</a:t>
             </a:r>
-            <a:endParaRPr lang="en-US" sz="2800" dirty="0" smtClean="0">
-              <a:solidFill>
-                <a:srgbClr val="0000FF"/>
-              </a:solidFill>
-            </a:endParaRPr>
           </a:p>
           <a:p>
             <a:pPr marL="800100" lvl="1" indent="-342900">
@@ -12801,7 +18114,7 @@
               <a:buChar char="n"/>
             </a:pPr>
             <a:r>
-              <a:rPr lang="en-US" sz="2400" dirty="0" smtClean="0">
+              <a:rPr lang="en-US" sz="2400" dirty="0">
                 <a:solidFill>
                   <a:srgbClr val="0000FF"/>
                 </a:solidFill>
@@ -12809,7 +18122,7 @@
               <a:t>Input</a:t>
             </a:r>
             <a:r>
-              <a:rPr lang="en-US" sz="2400" dirty="0" smtClean="0"/>
+              <a:rPr lang="en-US" sz="2400" dirty="0"/>
               <a:t>: Read in a list L of k numbers</a:t>
             </a:r>
           </a:p>
@@ -12829,15 +18142,15 @@
               <a:buChar char="n"/>
             </a:pPr>
             <a:r>
-              <a:rPr lang="en-US" sz="2000" dirty="0" smtClean="0"/>
+              <a:rPr lang="en-US" sz="2000" dirty="0"/>
               <a:t>Same as the input step for </a:t>
             </a:r>
             <a:r>
-              <a:rPr lang="en-US" sz="2000" dirty="0" err="1" smtClean="0"/>
+              <a:rPr lang="en-US" sz="2000" dirty="0" err="1"/>
               <a:t>FindMax</a:t>
             </a:r>
             <a:r>
-              <a:rPr lang="en-US" sz="2000" dirty="0" smtClean="0"/>
+              <a:rPr lang="en-US" sz="2000" dirty="0"/>
               <a:t> (i.e., read in some numbers)</a:t>
             </a:r>
           </a:p>
@@ -12857,7 +18170,7 @@
               <a:buChar char="n"/>
             </a:pPr>
             <a:r>
-              <a:rPr lang="en-US" sz="2400" dirty="0" smtClean="0">
+              <a:rPr lang="en-US" sz="2400" dirty="0">
                 <a:solidFill>
                   <a:srgbClr val="0000FF"/>
                 </a:solidFill>
@@ -12865,7 +18178,7 @@
               <a:t>Output</a:t>
             </a:r>
             <a:r>
-              <a:rPr lang="en-US" sz="2400" dirty="0" smtClean="0"/>
+              <a:rPr lang="en-US" sz="2400" dirty="0"/>
               <a:t>: Print the range</a:t>
             </a:r>
           </a:p>
@@ -12885,15 +18198,15 @@
               <a:buChar char="n"/>
             </a:pPr>
             <a:r>
-              <a:rPr lang="en-US" sz="2000" dirty="0" smtClean="0"/>
+              <a:rPr lang="en-US" sz="2000" dirty="0"/>
               <a:t>Same as the output step for </a:t>
             </a:r>
             <a:r>
-              <a:rPr lang="en-US" sz="2000" dirty="0" err="1" smtClean="0"/>
+              <a:rPr lang="en-US" sz="2000" dirty="0" err="1"/>
               <a:t>FindMax</a:t>
             </a:r>
             <a:r>
-              <a:rPr lang="en-US" sz="2000" dirty="0" smtClean="0"/>
+              <a:rPr lang="en-US" sz="2000" dirty="0"/>
               <a:t> (i.e., print one number)</a:t>
             </a:r>
           </a:p>
@@ -12912,7 +18225,7 @@
               <a:buFont typeface="Wingdings" pitchFamily="2" charset="2"/>
               <a:buChar char="n"/>
             </a:pPr>
-            <a:endParaRPr lang="en-US" sz="2400" dirty="0" smtClean="0"/>
+            <a:endParaRPr lang="en-US" sz="2400" dirty="0"/>
           </a:p>
         </p:txBody>
       </p:sp>
@@ -12959,13 +18272,6 @@
   <p:transition>
     <p:fade/>
   </p:transition>
-  <p:timing>
-    <p:tnLst>
-      <p:par>
-        <p:cTn id="1" dur="indefinite" restart="never" nodeType="tmRoot"/>
-      </p:par>
-    </p:tnLst>
-  </p:timing>
 </p:sld>
 </file>
 
@@ -13009,18 +18315,13 @@
           <a:lstStyle/>
           <a:p>
             <a:r>
-              <a:rPr lang="en-GB" dirty="0" smtClean="0">
+              <a:rPr lang="en-GB" dirty="0">
                 <a:solidFill>
                   <a:srgbClr val="0000FF"/>
                 </a:solidFill>
               </a:rPr>
               <a:t>Problem Solving Techniques</a:t>
             </a:r>
-            <a:endParaRPr lang="en-GB" dirty="0">
-              <a:solidFill>
-                <a:srgbClr val="0000FF"/>
-              </a:solidFill>
-            </a:endParaRPr>
           </a:p>
         </p:txBody>
       </p:sp>
@@ -13067,16 +18368,12 @@
               <a:defRPr/>
             </a:pPr>
             <a:r>
-              <a:rPr lang="en-US" dirty="0" smtClean="0"/>
+              <a:rPr lang="en-US" dirty="0"/>
               <a:t>Unit3</a:t>
             </a:r>
             <a:r>
-              <a:rPr dirty="0" smtClean="0"/>
-              <a:t> </a:t>
-            </a:r>
-            <a:r>
               <a:rPr dirty="0"/>
-              <a:t>- </a:t>
+              <a:t> - </a:t>
             </a:r>
             <a:fld id="{628B8346-B709-406B-887E-3E0CC6DA1327}" type="slidenum">
               <a:rPr smtClean="0"/>
@@ -13132,7 +18429,7 @@
               <a:buChar char="n"/>
             </a:pPr>
             <a:r>
-              <a:rPr lang="en-US" sz="2800" dirty="0" smtClean="0"/>
+              <a:rPr lang="en-US" sz="2800" dirty="0"/>
               <a:t>How about the Compute step?</a:t>
             </a:r>
           </a:p>
@@ -13151,7 +18448,7 @@
               <a:buFont typeface="Wingdings" pitchFamily="2" charset="2"/>
               <a:buChar char="n"/>
             </a:pPr>
-            <a:endParaRPr lang="en-US" sz="2800" dirty="0" smtClean="0"/>
+            <a:endParaRPr lang="en-US" sz="2800" dirty="0"/>
           </a:p>
           <a:p>
             <a:pPr marL="342900" indent="-342900">
@@ -13169,7 +18466,7 @@
               <a:buChar char="n"/>
             </a:pPr>
             <a:r>
-              <a:rPr lang="en-US" sz="2800" dirty="0" smtClean="0">
+              <a:rPr lang="en-US" sz="2800" dirty="0">
                 <a:solidFill>
                   <a:srgbClr val="0000FF"/>
                 </a:solidFill>
@@ -13193,11 +18490,23 @@
               <a:buChar char="n"/>
             </a:pPr>
             <a:r>
-              <a:rPr lang="en-US" sz="2400" dirty="0" smtClean="0"/>
-              <a:t>Assume that we have a magical black box for solving a </a:t>
-            </a:r>
-            <a:r>
-              <a:rPr lang="en-US" sz="2400" dirty="0" smtClean="0">
+              <a:rPr lang="en-US" sz="2400" dirty="0"/>
+              <a:t>Assume that we have </a:t>
+            </a:r>
+            <a:r>
+              <a:rPr lang="en-US" sz="2400" dirty="0">
+                <a:solidFill>
+                  <a:srgbClr val="0000FF"/>
+                </a:solidFill>
+              </a:rPr>
+              <a:t>a magic black box</a:t>
+            </a:r>
+            <a:r>
+              <a:rPr lang="en-US" sz="2400" dirty="0"/>
+              <a:t> for solving a </a:t>
+            </a:r>
+            <a:r>
+              <a:rPr lang="en-US" sz="2400" dirty="0">
                 <a:solidFill>
                   <a:srgbClr val="0000FF"/>
                 </a:solidFill>
@@ -13205,12 +18514,8 @@
               <a:t>smaller</a:t>
             </a:r>
             <a:r>
-              <a:rPr lang="en-US" sz="2400" dirty="0" smtClean="0"/>
-              <a:t> </a:t>
-            </a:r>
-            <a:r>
-              <a:rPr lang="en-US" sz="2400" dirty="0" smtClean="0"/>
-              <a:t>problem</a:t>
+              <a:rPr lang="en-US" sz="2400" dirty="0"/>
+              <a:t> problem</a:t>
             </a:r>
           </a:p>
           <a:p>
@@ -13229,10 +18534,9 @@
               <a:buChar char="n"/>
             </a:pPr>
             <a:r>
-              <a:rPr lang="en-US" sz="2400" dirty="0" smtClean="0"/>
-              <a:t>i.e., given some inputs, this magical black box produces a value (usually an intermediate result) that we need.</a:t>
-            </a:r>
-            <a:endParaRPr lang="en-US" sz="2400" dirty="0"/>
+              <a:rPr lang="en-US" sz="2400" dirty="0"/>
+              <a:t>i.e., given some inputs, this magic black box produces a value (usually an intermediate result) that we need.</a:t>
+            </a:r>
           </a:p>
           <a:p>
             <a:pPr marL="800100" lvl="1" indent="-342900">
@@ -13249,7 +18553,7 @@
               <a:buFont typeface="Wingdings" pitchFamily="2" charset="2"/>
               <a:buChar char="n"/>
             </a:pPr>
-            <a:endParaRPr lang="en-US" sz="2800" dirty="0" smtClean="0"/>
+            <a:endParaRPr lang="en-US" sz="2800" dirty="0"/>
           </a:p>
           <a:p>
             <a:pPr marL="1257300" lvl="2" indent="-342900">
@@ -13266,7 +18570,7 @@
               <a:buFont typeface="Wingdings" pitchFamily="2" charset="2"/>
               <a:buChar char="n"/>
             </a:pPr>
-            <a:endParaRPr lang="en-US" sz="2400" dirty="0" smtClean="0"/>
+            <a:endParaRPr lang="en-US" sz="2400" dirty="0"/>
           </a:p>
         </p:txBody>
       </p:sp>
@@ -13313,13 +18617,6 @@
   <p:transition>
     <p:fade/>
   </p:transition>
-  <p:timing>
-    <p:tnLst>
-      <p:par>
-        <p:cTn id="1" dur="indefinite" restart="never" nodeType="tmRoot"/>
-      </p:par>
-    </p:tnLst>
-  </p:timing>
 </p:sld>
 </file>
 
@@ -13363,18 +18660,13 @@
           <a:lstStyle/>
           <a:p>
             <a:r>
-              <a:rPr lang="en-GB" dirty="0" smtClean="0">
+              <a:rPr lang="en-GB" dirty="0">
                 <a:solidFill>
                   <a:srgbClr val="0000FF"/>
                 </a:solidFill>
               </a:rPr>
               <a:t>Problem Solving Techniques</a:t>
             </a:r>
-            <a:endParaRPr lang="en-GB" dirty="0">
-              <a:solidFill>
-                <a:srgbClr val="0000FF"/>
-              </a:solidFill>
-            </a:endParaRPr>
           </a:p>
         </p:txBody>
       </p:sp>
@@ -13421,16 +18713,12 @@
               <a:defRPr/>
             </a:pPr>
             <a:r>
-              <a:rPr lang="en-US" dirty="0" smtClean="0"/>
+              <a:rPr lang="en-US" dirty="0"/>
               <a:t>Unit3</a:t>
             </a:r>
             <a:r>
-              <a:rPr dirty="0" smtClean="0"/>
-              <a:t> </a:t>
-            </a:r>
-            <a:r>
               <a:rPr dirty="0"/>
-              <a:t>- </a:t>
+              <a:t> - </a:t>
             </a:r>
             <a:fld id="{628B8346-B709-406B-887E-3E0CC6DA1327}" type="slidenum">
               <a:rPr smtClean="0"/>
@@ -13486,11 +18774,11 @@
               <a:buChar char="n"/>
             </a:pPr>
             <a:r>
-              <a:rPr lang="en-US" sz="2800" dirty="0" smtClean="0"/>
+              <a:rPr lang="en-US" sz="2800" dirty="0"/>
               <a:t>Compute: Compute the</a:t>
             </a:r>
             <a:r>
-              <a:rPr lang="en-US" sz="2800" dirty="0" smtClean="0">
+              <a:rPr lang="en-US" sz="2800" dirty="0">
                 <a:solidFill>
                   <a:srgbClr val="0000FF"/>
                 </a:solidFill>
@@ -13498,7 +18786,7 @@
               <a:t> range </a:t>
             </a:r>
             <a:r>
-              <a:rPr lang="en-US" sz="2800" dirty="0" smtClean="0"/>
+              <a:rPr lang="en-US" sz="2800" dirty="0"/>
               <a:t>of a list L of k numbers</a:t>
             </a:r>
           </a:p>
@@ -13518,12 +18806,8 @@
               <a:buChar char="n"/>
             </a:pPr>
             <a:r>
-              <a:rPr lang="en-US" sz="2400" dirty="0" smtClean="0"/>
-              <a:t>Compute </a:t>
-            </a:r>
-            <a:r>
               <a:rPr lang="en-US" sz="2400" dirty="0"/>
-              <a:t>the </a:t>
+              <a:t>Compute the </a:t>
             </a:r>
             <a:r>
               <a:rPr lang="en-US" sz="2400" dirty="0">
@@ -13582,11 +18866,11 @@
               <a:buChar char="n"/>
             </a:pPr>
             <a:r>
-              <a:rPr lang="en-US" sz="2400" dirty="0" smtClean="0"/>
+              <a:rPr lang="en-US" sz="2400" dirty="0"/>
               <a:t>Compute the </a:t>
             </a:r>
             <a:r>
-              <a:rPr lang="en-US" sz="2400" dirty="0" smtClean="0">
+              <a:rPr lang="en-US" sz="2400" dirty="0">
                 <a:solidFill>
                   <a:srgbClr val="0000FF"/>
                 </a:solidFill>
@@ -13594,7 +18878,7 @@
               <a:t>minimum</a:t>
             </a:r>
             <a:r>
-              <a:rPr lang="en-US" sz="2400" dirty="0" smtClean="0"/>
+              <a:rPr lang="en-US" sz="2400" dirty="0"/>
               <a:t> of a list L of k numbers (Breaking it down)</a:t>
             </a:r>
           </a:p>
@@ -13614,16 +18898,8 @@
               <a:buChar char="n"/>
             </a:pPr>
             <a:r>
-              <a:rPr lang="en-US" sz="2000" dirty="0" smtClean="0"/>
-              <a:t>Assume we have it. </a:t>
-            </a:r>
-            <a:r>
               <a:rPr lang="en-US" sz="2000" dirty="0"/>
-              <a:t>(</a:t>
-            </a:r>
-            <a:r>
-              <a:rPr lang="en-US" sz="2000" dirty="0" smtClean="0"/>
-              <a:t>Wishful thinking)</a:t>
+              <a:t>Assume we have it. (Wishful thinking)</a:t>
             </a:r>
           </a:p>
           <a:p>
@@ -13642,11 +18918,11 @@
               <a:buChar char="n"/>
             </a:pPr>
             <a:r>
-              <a:rPr lang="en-US" sz="2400" dirty="0" smtClean="0"/>
+              <a:rPr lang="en-US" sz="2400" dirty="0"/>
               <a:t>Compute the </a:t>
             </a:r>
             <a:r>
-              <a:rPr lang="en-US" sz="2400" dirty="0" smtClean="0">
+              <a:rPr lang="en-US" sz="2400" dirty="0">
                 <a:solidFill>
                   <a:srgbClr val="0000FF"/>
                 </a:solidFill>
@@ -13654,10 +18930,9 @@
               <a:t>difference</a:t>
             </a:r>
             <a:r>
-              <a:rPr lang="en-US" sz="2400" dirty="0" smtClean="0"/>
+              <a:rPr lang="en-US" sz="2400" dirty="0"/>
               <a:t> between the maximum and the minimum</a:t>
             </a:r>
-            <a:endParaRPr lang="en-US" sz="2400" dirty="0"/>
           </a:p>
         </p:txBody>
       </p:sp>
@@ -13704,13 +18979,6 @@
   <p:transition>
     <p:fade/>
   </p:transition>
-  <p:timing>
-    <p:tnLst>
-      <p:par>
-        <p:cTn id="1" dur="indefinite" restart="never" nodeType="tmRoot"/>
-      </p:par>
-    </p:tnLst>
-  </p:timing>
 </p:sld>
 </file>
 
@@ -13807,16 +19075,12 @@
               <a:defRPr/>
             </a:pPr>
             <a:r>
-              <a:rPr lang="en-US" dirty="0" smtClean="0"/>
+              <a:rPr lang="en-US" dirty="0"/>
               <a:t>Unit3</a:t>
             </a:r>
             <a:r>
-              <a:rPr dirty="0" smtClean="0"/>
-              <a:t> </a:t>
-            </a:r>
-            <a:r>
               <a:rPr dirty="0"/>
-              <a:t>- </a:t>
+              <a:t> - </a:t>
             </a:r>
             <a:fld id="{628B8346-B709-406B-887E-3E0CC6DA1327}" type="slidenum">
               <a:rPr smtClean="0"/>
@@ -13872,12 +19136,8 @@
               <a:buChar char="n"/>
             </a:pPr>
             <a:r>
-              <a:rPr lang="en-US" sz="2800" dirty="0" smtClean="0"/>
-              <a:t>Problem: Find </a:t>
-            </a:r>
-            <a:r>
               <a:rPr lang="en-US" sz="2800" dirty="0"/>
-              <a:t>the</a:t>
+              <a:t>Problem: Find the</a:t>
             </a:r>
             <a:r>
               <a:rPr lang="en-US" sz="2800" dirty="0">
@@ -13889,11 +19149,7 @@
             </a:r>
             <a:r>
               <a:rPr lang="en-US" sz="2800" dirty="0"/>
-              <a:t> of a list of </a:t>
-            </a:r>
-            <a:r>
-              <a:rPr lang="en-US" sz="2800" dirty="0" smtClean="0"/>
-              <a:t>numbers</a:t>
+              <a:t> of a list of numbers</a:t>
             </a:r>
           </a:p>
           <a:p>
@@ -13929,7 +19185,7 @@
               <a:buChar char="n"/>
             </a:pPr>
             <a:r>
-              <a:rPr lang="en-US" sz="2800" dirty="0" smtClean="0">
+              <a:rPr lang="en-US" sz="2800" dirty="0">
                 <a:solidFill>
                   <a:srgbClr val="0000FF"/>
                 </a:solidFill>
@@ -13953,7 +19209,7 @@
               <a:buChar char="n"/>
             </a:pPr>
             <a:r>
-              <a:rPr lang="en-US" sz="2400" dirty="0" smtClean="0">
+              <a:rPr lang="en-US" sz="2400" dirty="0">
                 <a:solidFill>
                   <a:srgbClr val="0000FF"/>
                 </a:solidFill>
@@ -13962,11 +19218,7 @@
             </a:r>
             <a:r>
               <a:rPr lang="en-US" sz="2400" dirty="0"/>
-              <a:t>: Read in a list L of k </a:t>
-            </a:r>
-            <a:r>
-              <a:rPr lang="en-US" sz="2400" dirty="0" smtClean="0"/>
-              <a:t>numbers</a:t>
+              <a:t>: Read in a list L of k numbers</a:t>
             </a:r>
           </a:p>
           <a:p>
@@ -13985,7 +19237,7 @@
               <a:buChar char="n"/>
             </a:pPr>
             <a:r>
-              <a:rPr lang="en-US" sz="2400" dirty="0" smtClean="0">
+              <a:rPr lang="en-US" sz="2400" dirty="0">
                 <a:solidFill>
                   <a:srgbClr val="0000FF"/>
                 </a:solidFill>
@@ -14022,13 +19274,8 @@
             </a:r>
             <a:r>
               <a:rPr lang="en-US" sz="2000" dirty="0"/>
-              <a:t>of a list L of k </a:t>
-            </a:r>
-            <a:r>
-              <a:rPr lang="en-US" sz="2000" dirty="0" smtClean="0"/>
-              <a:t>numbers</a:t>
-            </a:r>
-            <a:endParaRPr lang="en-US" sz="2000" dirty="0"/>
+              <a:t>of a list L of k numbers</a:t>
+            </a:r>
           </a:p>
           <a:p>
             <a:pPr marL="1257300" lvl="2" indent="-342900">
@@ -14046,12 +19293,8 @@
               <a:buChar char="n"/>
             </a:pPr>
             <a:r>
-              <a:rPr lang="en-US" sz="2000" dirty="0" smtClean="0"/>
-              <a:t>Compute </a:t>
-            </a:r>
-            <a:r>
               <a:rPr lang="en-US" sz="2000" dirty="0"/>
-              <a:t>the </a:t>
+              <a:t>Compute the </a:t>
             </a:r>
             <a:r>
               <a:rPr lang="en-US" sz="2000" dirty="0">
@@ -14065,7 +19308,6 @@
               <a:rPr lang="en-US" sz="2000" dirty="0"/>
               <a:t> of a list L of k numbers </a:t>
             </a:r>
-            <a:endParaRPr lang="en-US" sz="2000" dirty="0" smtClean="0"/>
           </a:p>
           <a:p>
             <a:pPr marL="1257300" lvl="2" indent="-342900">
@@ -14083,12 +19325,8 @@
               <a:buChar char="n"/>
             </a:pPr>
             <a:r>
-              <a:rPr lang="en-US" sz="2000" dirty="0" smtClean="0"/>
-              <a:t>Compute </a:t>
-            </a:r>
-            <a:r>
               <a:rPr lang="en-US" sz="2000" dirty="0"/>
-              <a:t>the </a:t>
+              <a:t>Compute the </a:t>
             </a:r>
             <a:r>
               <a:rPr lang="en-US" sz="2000" dirty="0">
@@ -14119,7 +19357,7 @@
               <a:buChar char="n"/>
             </a:pPr>
             <a:r>
-              <a:rPr lang="en-US" sz="2400" dirty="0" smtClean="0">
+              <a:rPr lang="en-US" sz="2400" dirty="0">
                 <a:solidFill>
                   <a:srgbClr val="0000FF"/>
                 </a:solidFill>
@@ -14146,7 +19384,7 @@
               <a:buFont typeface="Wingdings" pitchFamily="2" charset="2"/>
               <a:buChar char="n"/>
             </a:pPr>
-            <a:endParaRPr lang="en-US" sz="2800" dirty="0" smtClean="0"/>
+            <a:endParaRPr lang="en-US" sz="2800" dirty="0"/>
           </a:p>
         </p:txBody>
       </p:sp>
@@ -14259,10 +19497,9 @@
           <a:lstStyle/>
           <a:p>
             <a:r>
-              <a:rPr lang="en-US" dirty="0" smtClean="0"/>
+              <a:rPr lang="en-US" dirty="0"/>
               <a:t>The real problem!</a:t>
             </a:r>
-            <a:endParaRPr lang="en-US" dirty="0"/>
           </a:p>
         </p:txBody>
       </p:sp>
@@ -14279,13 +19516,6 @@
   <p:transition>
     <p:fade/>
   </p:transition>
-  <p:timing>
-    <p:tnLst>
-      <p:par>
-        <p:cTn id="1" dur="indefinite" restart="never" nodeType="tmRoot"/>
-      </p:par>
-    </p:tnLst>
-  </p:timing>
 </p:sld>
 </file>
 
@@ -14330,7 +19560,7 @@
           <a:p>
             <a:pPr eaLnBrk="1" hangingPunct="1"/>
             <a:r>
-              <a:rPr lang="en-GB" sz="4000" dirty="0" smtClean="0">
+              <a:rPr lang="en-GB" sz="4000" dirty="0">
                 <a:solidFill>
                   <a:srgbClr val="0000FF"/>
                 </a:solidFill>
@@ -14388,16 +19618,12 @@
               <a:defRPr/>
             </a:pPr>
             <a:r>
-              <a:rPr lang="en-US" dirty="0" smtClean="0"/>
+              <a:rPr lang="en-US" dirty="0"/>
               <a:t>Unit3</a:t>
             </a:r>
             <a:r>
-              <a:rPr dirty="0" smtClean="0"/>
-              <a:t> </a:t>
-            </a:r>
-            <a:r>
               <a:rPr dirty="0"/>
-              <a:t>- </a:t>
+              <a:t> - </a:t>
             </a:r>
             <a:fld id="{628B8346-B709-406B-887E-3E0CC6DA1327}" type="slidenum">
               <a:rPr smtClean="0"/>
@@ -14453,8 +19679,16 @@
               <a:buChar char="n"/>
             </a:pPr>
             <a:r>
-              <a:rPr lang="en-US" sz="2800" dirty="0" smtClean="0"/>
-              <a:t>The Magical Black Box</a:t>
+              <a:rPr lang="en-US" sz="2800" dirty="0"/>
+              <a:t>The </a:t>
+            </a:r>
+            <a:r>
+              <a:rPr lang="en-US" sz="2800"/>
+              <a:t>magic black </a:t>
+            </a:r>
+            <a:r>
+              <a:rPr lang="en-US" sz="2800" dirty="0"/>
+              <a:t>Box</a:t>
             </a:r>
           </a:p>
           <a:p>
@@ -14473,16 +19707,8 @@
               <a:buChar char="n"/>
             </a:pPr>
             <a:r>
-              <a:rPr lang="en-US" sz="2400" dirty="0" smtClean="0"/>
-              <a:t>Given some inputs, it produces </a:t>
-            </a:r>
-            <a:r>
               <a:rPr lang="en-US" sz="2400" dirty="0"/>
-              <a:t>a </a:t>
-            </a:r>
-            <a:r>
-              <a:rPr lang="en-US" sz="2400" dirty="0" smtClean="0"/>
-              <a:t>value that we need</a:t>
+              <a:t>Given some inputs, it produces a value that we need</a:t>
             </a:r>
           </a:p>
           <a:p>
@@ -14518,11 +19744,11 @@
               <a:buChar char="n"/>
             </a:pPr>
             <a:r>
-              <a:rPr lang="en-US" sz="2800" dirty="0" smtClean="0"/>
-              <a:t>Such magical black boxes are called </a:t>
-            </a:r>
-            <a:r>
-              <a:rPr lang="en-US" sz="2800" dirty="0" smtClean="0">
+              <a:rPr lang="en-US" sz="2800" dirty="0"/>
+              <a:t>Such magic black boxes are called </a:t>
+            </a:r>
+            <a:r>
+              <a:rPr lang="en-US" sz="2800" dirty="0">
                 <a:solidFill>
                   <a:srgbClr val="0000FF"/>
                 </a:solidFill>
@@ -14567,7 +19793,7 @@
               <a:buChar char="n"/>
             </a:pPr>
             <a:r>
-              <a:rPr lang="en-US" sz="2800" dirty="0" smtClean="0"/>
+              <a:rPr lang="en-US" sz="2800" dirty="0"/>
               <a:t>Where to find them?</a:t>
             </a:r>
           </a:p>
@@ -14587,7 +19813,7 @@
               <a:buChar char="n"/>
             </a:pPr>
             <a:r>
-              <a:rPr lang="en-US" sz="2400" dirty="0" smtClean="0"/>
+              <a:rPr lang="en-US" sz="2400" dirty="0"/>
               <a:t>Provided by the standard C library or other libraries</a:t>
             </a:r>
           </a:p>
@@ -14607,15 +19833,15 @@
               <a:buChar char="n"/>
             </a:pPr>
             <a:r>
-              <a:rPr lang="en-US" sz="2400" dirty="0" smtClean="0"/>
+              <a:rPr lang="en-US" sz="2400" dirty="0"/>
               <a:t>Example: </a:t>
             </a:r>
             <a:r>
-              <a:rPr lang="en-US" sz="2400" dirty="0" err="1" smtClean="0"/>
+              <a:rPr lang="en-US" sz="2400" dirty="0" err="1"/>
               <a:t>sqrt</a:t>
             </a:r>
             <a:r>
-              <a:rPr lang="en-US" sz="2400" dirty="0" smtClean="0"/>
+              <a:rPr lang="en-US" sz="2400" dirty="0"/>
               <a:t>(x) computes the square root of x</a:t>
             </a:r>
           </a:p>
@@ -14635,7 +19861,7 @@
               <a:buChar char="n"/>
             </a:pPr>
             <a:r>
-              <a:rPr lang="en-US" sz="2400" dirty="0" smtClean="0">
+              <a:rPr lang="en-US" sz="2400" dirty="0">
                 <a:solidFill>
                   <a:srgbClr val="0000FF"/>
                 </a:solidFill>
@@ -14658,7 +19884,7 @@
               <a:buFont typeface="Wingdings" pitchFamily="2" charset="2"/>
               <a:buChar char="n"/>
             </a:pPr>
-            <a:endParaRPr lang="en-US" sz="2800" dirty="0" smtClean="0"/>
+            <a:endParaRPr lang="en-US" sz="2800" dirty="0"/>
           </a:p>
           <a:p>
             <a:pPr marL="800100" lvl="1" indent="-342900">
@@ -14675,7 +19901,7 @@
               <a:buFont typeface="Wingdings" pitchFamily="2" charset="2"/>
               <a:buChar char="n"/>
             </a:pPr>
-            <a:endParaRPr lang="en-US" sz="2800" dirty="0" smtClean="0"/>
+            <a:endParaRPr lang="en-US" sz="2800" dirty="0"/>
           </a:p>
           <a:p>
             <a:pPr marL="342900" indent="-342900">
@@ -14743,13 +19969,6 @@
   <p:transition>
     <p:fade/>
   </p:transition>
-  <p:timing>
-    <p:tnLst>
-      <p:par>
-        <p:cTn id="1" dur="indefinite" restart="never" nodeType="tmRoot"/>
-      </p:par>
-    </p:tnLst>
-  </p:timing>
 </p:sld>
 </file>
 
